--- a/docs/presentation/STIPresentation.pptx
+++ b/docs/presentation/STIPresentation.pptx
@@ -5,7 +5,7 @@
     <p:sldMasterId id="2147483696" r:id="rId1"/>
   </p:sldMasterIdLst>
   <p:notesMasterIdLst>
-    <p:notesMasterId r:id="rId16"/>
+    <p:notesMasterId r:id="rId31"/>
   </p:notesMasterIdLst>
   <p:sldIdLst>
     <p:sldId id="256" r:id="rId2"/>
@@ -19,9 +19,24 @@
     <p:sldId id="263" r:id="rId10"/>
     <p:sldId id="268" r:id="rId11"/>
     <p:sldId id="267" r:id="rId12"/>
-    <p:sldId id="269" r:id="rId13"/>
-    <p:sldId id="270" r:id="rId14"/>
-    <p:sldId id="271" r:id="rId15"/>
+    <p:sldId id="275" r:id="rId13"/>
+    <p:sldId id="274" r:id="rId14"/>
+    <p:sldId id="270" r:id="rId15"/>
+    <p:sldId id="271" r:id="rId16"/>
+    <p:sldId id="273" r:id="rId17"/>
+    <p:sldId id="276" r:id="rId18"/>
+    <p:sldId id="277" r:id="rId19"/>
+    <p:sldId id="278" r:id="rId20"/>
+    <p:sldId id="279" r:id="rId21"/>
+    <p:sldId id="282" r:id="rId22"/>
+    <p:sldId id="283" r:id="rId23"/>
+    <p:sldId id="280" r:id="rId24"/>
+    <p:sldId id="281" r:id="rId25"/>
+    <p:sldId id="284" r:id="rId26"/>
+    <p:sldId id="285" r:id="rId27"/>
+    <p:sldId id="286" r:id="rId28"/>
+    <p:sldId id="287" r:id="rId29"/>
+    <p:sldId id="288" r:id="rId30"/>
   </p:sldIdLst>
   <p:sldSz cx="12192000" cy="6858000"/>
   <p:notesSz cx="6858000" cy="9144000"/>
@@ -210,7 +225,7 @@
           <a:p>
             <a:fld id="{652C1117-C9C7-422C-B2EA-B04793B468EE}" type="datetimeFigureOut">
               <a:rPr lang="en-GB" smtClean="0"/>
-              <a:t>30/12/2019</a:t>
+              <a:t>03/01/2020</a:t>
             </a:fld>
             <a:endParaRPr lang="en-GB"/>
           </a:p>
@@ -535,7 +550,7 @@
           <a:noFill/>
           <a:extLst>
             <a:ext uri="{909E8E84-426E-40dd-AFC4-6F175D3DCCD1}">
-              <a14:hiddenFill xmlns="" xmlns:a14="http://schemas.microsoft.com/office/drawing/2010/main">
+              <a14:hiddenFill xmlns:a14="http://schemas.microsoft.com/office/drawing/2010/main" xmlns="">
                 <a:solidFill>
                   <a:srgbClr val="FFFFFF"/>
                 </a:solidFill>
@@ -594,7 +609,7 @@
             </a:ln>
             <a:extLst>
               <a:ext uri="{91240B29-F687-4f45-9708-019B960494DF}">
-                <a14:hiddenLine xmlns="" xmlns:a14="http://schemas.microsoft.com/office/drawing/2010/main" w="9525">
+                <a14:hiddenLine xmlns:a14="http://schemas.microsoft.com/office/drawing/2010/main" xmlns="" w="9525">
                   <a:solidFill>
                     <a:srgbClr val="000000"/>
                   </a:solidFill>
@@ -684,7 +699,7 @@
             </a:ln>
             <a:extLst>
               <a:ext uri="{91240B29-F687-4f45-9708-019B960494DF}">
-                <a14:hiddenLine xmlns="" xmlns:a14="http://schemas.microsoft.com/office/drawing/2010/main" w="9525">
+                <a14:hiddenLine xmlns:a14="http://schemas.microsoft.com/office/drawing/2010/main" xmlns="" w="9525">
                   <a:solidFill>
                     <a:srgbClr val="000000"/>
                   </a:solidFill>
@@ -774,7 +789,7 @@
             </a:ln>
             <a:extLst>
               <a:ext uri="{91240B29-F687-4f45-9708-019B960494DF}">
-                <a14:hiddenLine xmlns="" xmlns:a14="http://schemas.microsoft.com/office/drawing/2010/main" w="9525">
+                <a14:hiddenLine xmlns:a14="http://schemas.microsoft.com/office/drawing/2010/main" xmlns="" w="9525">
                   <a:solidFill>
                     <a:srgbClr val="000000"/>
                   </a:solidFill>
@@ -808,7 +823,7 @@
             </a:ln>
             <a:extLst>
               <a:ext uri="{91240B29-F687-4f45-9708-019B960494DF}">
-                <a14:hiddenLine xmlns="" xmlns:a14="http://schemas.microsoft.com/office/drawing/2010/main" w="9525">
+                <a14:hiddenLine xmlns:a14="http://schemas.microsoft.com/office/drawing/2010/main" xmlns="" w="9525">
                   <a:solidFill>
                     <a:srgbClr val="000000"/>
                   </a:solidFill>
@@ -898,7 +913,7 @@
             </a:ln>
             <a:extLst>
               <a:ext uri="{91240B29-F687-4f45-9708-019B960494DF}">
-                <a14:hiddenLine xmlns="" xmlns:a14="http://schemas.microsoft.com/office/drawing/2010/main" w="9525">
+                <a14:hiddenLine xmlns:a14="http://schemas.microsoft.com/office/drawing/2010/main" xmlns="" w="9525">
                   <a:solidFill>
                     <a:srgbClr val="000000"/>
                   </a:solidFill>
@@ -960,7 +975,7 @@
             </a:ln>
             <a:extLst>
               <a:ext uri="{91240B29-F687-4f45-9708-019B960494DF}">
-                <a14:hiddenLine xmlns="" xmlns:a14="http://schemas.microsoft.com/office/drawing/2010/main" w="9525">
+                <a14:hiddenLine xmlns:a14="http://schemas.microsoft.com/office/drawing/2010/main" xmlns="" w="9525">
                   <a:solidFill>
                     <a:srgbClr val="000000"/>
                   </a:solidFill>
@@ -1022,7 +1037,7 @@
             </a:ln>
             <a:extLst>
               <a:ext uri="{91240B29-F687-4f45-9708-019B960494DF}">
-                <a14:hiddenLine xmlns="" xmlns:a14="http://schemas.microsoft.com/office/drawing/2010/main" w="9525">
+                <a14:hiddenLine xmlns:a14="http://schemas.microsoft.com/office/drawing/2010/main" xmlns="" w="9525">
                   <a:solidFill>
                     <a:srgbClr val="000000"/>
                   </a:solidFill>
@@ -1112,7 +1127,7 @@
             </a:ln>
             <a:extLst>
               <a:ext uri="{91240B29-F687-4f45-9708-019B960494DF}">
-                <a14:hiddenLine xmlns="" xmlns:a14="http://schemas.microsoft.com/office/drawing/2010/main" w="9525">
+                <a14:hiddenLine xmlns:a14="http://schemas.microsoft.com/office/drawing/2010/main" xmlns="" w="9525">
                   <a:solidFill>
                     <a:srgbClr val="000000"/>
                   </a:solidFill>
@@ -1174,7 +1189,7 @@
             </a:ln>
             <a:extLst>
               <a:ext uri="{91240B29-F687-4f45-9708-019B960494DF}">
-                <a14:hiddenLine xmlns="" xmlns:a14="http://schemas.microsoft.com/office/drawing/2010/main" w="9525">
+                <a14:hiddenLine xmlns:a14="http://schemas.microsoft.com/office/drawing/2010/main" xmlns="" w="9525">
                   <a:solidFill>
                     <a:srgbClr val="000000"/>
                   </a:solidFill>
@@ -1236,7 +1251,7 @@
             </a:ln>
             <a:extLst>
               <a:ext uri="{91240B29-F687-4f45-9708-019B960494DF}">
-                <a14:hiddenLine xmlns="" xmlns:a14="http://schemas.microsoft.com/office/drawing/2010/main" w="9525">
+                <a14:hiddenLine xmlns:a14="http://schemas.microsoft.com/office/drawing/2010/main" xmlns="" w="9525">
                   <a:solidFill>
                     <a:srgbClr val="000000"/>
                   </a:solidFill>
@@ -1326,7 +1341,7 @@
             </a:ln>
             <a:extLst>
               <a:ext uri="{91240B29-F687-4f45-9708-019B960494DF}">
-                <a14:hiddenLine xmlns="" xmlns:a14="http://schemas.microsoft.com/office/drawing/2010/main" w="9525">
+                <a14:hiddenLine xmlns:a14="http://schemas.microsoft.com/office/drawing/2010/main" xmlns="" w="9525">
                   <a:solidFill>
                     <a:srgbClr val="000000"/>
                   </a:solidFill>
@@ -1416,7 +1431,7 @@
             </a:ln>
             <a:extLst>
               <a:ext uri="{91240B29-F687-4f45-9708-019B960494DF}">
-                <a14:hiddenLine xmlns="" xmlns:a14="http://schemas.microsoft.com/office/drawing/2010/main" w="9525">
+                <a14:hiddenLine xmlns:a14="http://schemas.microsoft.com/office/drawing/2010/main" xmlns="" w="9525">
                   <a:solidFill>
                     <a:srgbClr val="000000"/>
                   </a:solidFill>
@@ -1478,7 +1493,7 @@
             </a:ln>
             <a:extLst>
               <a:ext uri="{91240B29-F687-4f45-9708-019B960494DF}">
-                <a14:hiddenLine xmlns="" xmlns:a14="http://schemas.microsoft.com/office/drawing/2010/main" w="9525">
+                <a14:hiddenLine xmlns:a14="http://schemas.microsoft.com/office/drawing/2010/main" xmlns="" w="9525">
                   <a:solidFill>
                     <a:srgbClr val="000000"/>
                   </a:solidFill>
@@ -1588,7 +1603,7 @@
             </a:ln>
             <a:extLst>
               <a:ext uri="{91240B29-F687-4f45-9708-019B960494DF}">
-                <a14:hiddenLine xmlns="" xmlns:a14="http://schemas.microsoft.com/office/drawing/2010/main" w="9525">
+                <a14:hiddenLine xmlns:a14="http://schemas.microsoft.com/office/drawing/2010/main" xmlns="" w="9525">
                   <a:solidFill>
                     <a:srgbClr val="000000"/>
                   </a:solidFill>
@@ -1650,7 +1665,7 @@
             </a:ln>
             <a:extLst>
               <a:ext uri="{91240B29-F687-4f45-9708-019B960494DF}">
-                <a14:hiddenLine xmlns="" xmlns:a14="http://schemas.microsoft.com/office/drawing/2010/main" w="9525">
+                <a14:hiddenLine xmlns:a14="http://schemas.microsoft.com/office/drawing/2010/main" xmlns="" w="9525">
                   <a:solidFill>
                     <a:srgbClr val="000000"/>
                   </a:solidFill>
@@ -1740,7 +1755,7 @@
             </a:ln>
             <a:extLst>
               <a:ext uri="{91240B29-F687-4f45-9708-019B960494DF}">
-                <a14:hiddenLine xmlns="" xmlns:a14="http://schemas.microsoft.com/office/drawing/2010/main" w="9525">
+                <a14:hiddenLine xmlns:a14="http://schemas.microsoft.com/office/drawing/2010/main" xmlns="" w="9525">
                   <a:solidFill>
                     <a:srgbClr val="000000"/>
                   </a:solidFill>
@@ -1830,7 +1845,7 @@
             </a:ln>
             <a:extLst>
               <a:ext uri="{91240B29-F687-4f45-9708-019B960494DF}">
-                <a14:hiddenLine xmlns="" xmlns:a14="http://schemas.microsoft.com/office/drawing/2010/main" w="9525">
+                <a14:hiddenLine xmlns:a14="http://schemas.microsoft.com/office/drawing/2010/main" xmlns="" w="9525">
                   <a:solidFill>
                     <a:srgbClr val="000000"/>
                   </a:solidFill>
@@ -1892,7 +1907,7 @@
             </a:ln>
             <a:extLst>
               <a:ext uri="{91240B29-F687-4f45-9708-019B960494DF}">
-                <a14:hiddenLine xmlns="" xmlns:a14="http://schemas.microsoft.com/office/drawing/2010/main" w="9525">
+                <a14:hiddenLine xmlns:a14="http://schemas.microsoft.com/office/drawing/2010/main" xmlns="" w="9525">
                   <a:solidFill>
                     <a:srgbClr val="000000"/>
                   </a:solidFill>
@@ -1982,7 +1997,7 @@
             </a:ln>
             <a:extLst>
               <a:ext uri="{91240B29-F687-4f45-9708-019B960494DF}">
-                <a14:hiddenLine xmlns="" xmlns:a14="http://schemas.microsoft.com/office/drawing/2010/main" w="9525">
+                <a14:hiddenLine xmlns:a14="http://schemas.microsoft.com/office/drawing/2010/main" xmlns="" w="9525">
                   <a:solidFill>
                     <a:srgbClr val="000000"/>
                   </a:solidFill>
@@ -2072,7 +2087,7 @@
             </a:ln>
             <a:extLst>
               <a:ext uri="{91240B29-F687-4f45-9708-019B960494DF}">
-                <a14:hiddenLine xmlns="" xmlns:a14="http://schemas.microsoft.com/office/drawing/2010/main" w="9525">
+                <a14:hiddenLine xmlns:a14="http://schemas.microsoft.com/office/drawing/2010/main" xmlns="" w="9525">
                   <a:solidFill>
                     <a:srgbClr val="000000"/>
                   </a:solidFill>
@@ -2128,7 +2143,7 @@
             </a:ln>
             <a:extLst>
               <a:ext uri="{91240B29-F687-4f45-9708-019B960494DF}">
-                <a14:hiddenLine xmlns="" xmlns:a14="http://schemas.microsoft.com/office/drawing/2010/main" w="9525">
+                <a14:hiddenLine xmlns:a14="http://schemas.microsoft.com/office/drawing/2010/main" xmlns="" w="9525">
                   <a:solidFill>
                     <a:srgbClr val="000000"/>
                   </a:solidFill>
@@ -2218,7 +2233,7 @@
             </a:ln>
             <a:extLst>
               <a:ext uri="{91240B29-F687-4f45-9708-019B960494DF}">
-                <a14:hiddenLine xmlns="" xmlns:a14="http://schemas.microsoft.com/office/drawing/2010/main" w="9525">
+                <a14:hiddenLine xmlns:a14="http://schemas.microsoft.com/office/drawing/2010/main" xmlns="" w="9525">
                   <a:solidFill>
                     <a:srgbClr val="000000"/>
                   </a:solidFill>
@@ -2274,7 +2289,7 @@
             </a:ln>
             <a:extLst>
               <a:ext uri="{91240B29-F687-4f45-9708-019B960494DF}">
-                <a14:hiddenLine xmlns="" xmlns:a14="http://schemas.microsoft.com/office/drawing/2010/main" w="9525">
+                <a14:hiddenLine xmlns:a14="http://schemas.microsoft.com/office/drawing/2010/main" xmlns="" w="9525">
                   <a:solidFill>
                     <a:srgbClr val="000000"/>
                   </a:solidFill>
@@ -2364,7 +2379,7 @@
             </a:ln>
             <a:extLst>
               <a:ext uri="{91240B29-F687-4f45-9708-019B960494DF}">
-                <a14:hiddenLine xmlns="" xmlns:a14="http://schemas.microsoft.com/office/drawing/2010/main" w="9525">
+                <a14:hiddenLine xmlns:a14="http://schemas.microsoft.com/office/drawing/2010/main" xmlns="" w="9525">
                   <a:solidFill>
                     <a:srgbClr val="000000"/>
                   </a:solidFill>
@@ -2432,7 +2447,7 @@
             </a:ln>
             <a:extLst>
               <a:ext uri="{91240B29-F687-4f45-9708-019B960494DF}">
-                <a14:hiddenLine xmlns="" xmlns:a14="http://schemas.microsoft.com/office/drawing/2010/main" w="9525">
+                <a14:hiddenLine xmlns:a14="http://schemas.microsoft.com/office/drawing/2010/main" xmlns="" w="9525">
                   <a:solidFill>
                     <a:srgbClr val="000000"/>
                   </a:solidFill>
@@ -2522,7 +2537,7 @@
             </a:ln>
             <a:extLst>
               <a:ext uri="{91240B29-F687-4f45-9708-019B960494DF}">
-                <a14:hiddenLine xmlns="" xmlns:a14="http://schemas.microsoft.com/office/drawing/2010/main" w="9525">
+                <a14:hiddenLine xmlns:a14="http://schemas.microsoft.com/office/drawing/2010/main" xmlns="" w="9525">
                   <a:solidFill>
                     <a:srgbClr val="000000"/>
                   </a:solidFill>
@@ -2590,7 +2605,7 @@
             </a:ln>
             <a:extLst>
               <a:ext uri="{91240B29-F687-4f45-9708-019B960494DF}">
-                <a14:hiddenLine xmlns="" xmlns:a14="http://schemas.microsoft.com/office/drawing/2010/main" w="9525">
+                <a14:hiddenLine xmlns:a14="http://schemas.microsoft.com/office/drawing/2010/main" xmlns="" w="9525">
                   <a:solidFill>
                     <a:srgbClr val="000000"/>
                   </a:solidFill>
@@ -2680,7 +2695,7 @@
             </a:ln>
             <a:extLst>
               <a:ext uri="{91240B29-F687-4f45-9708-019B960494DF}">
-                <a14:hiddenLine xmlns="" xmlns:a14="http://schemas.microsoft.com/office/drawing/2010/main" w="9525">
+                <a14:hiddenLine xmlns:a14="http://schemas.microsoft.com/office/drawing/2010/main" xmlns="" w="9525">
                   <a:solidFill>
                     <a:srgbClr val="000000"/>
                   </a:solidFill>
@@ -2714,7 +2729,7 @@
             </a:ln>
             <a:extLst>
               <a:ext uri="{91240B29-F687-4f45-9708-019B960494DF}">
-                <a14:hiddenLine xmlns="" xmlns:a14="http://schemas.microsoft.com/office/drawing/2010/main" w="9525">
+                <a14:hiddenLine xmlns:a14="http://schemas.microsoft.com/office/drawing/2010/main" xmlns="" w="9525">
                   <a:solidFill>
                     <a:srgbClr val="000000"/>
                   </a:solidFill>
@@ -2804,7 +2819,7 @@
             </a:ln>
             <a:extLst>
               <a:ext uri="{91240B29-F687-4f45-9708-019B960494DF}">
-                <a14:hiddenLine xmlns="" xmlns:a14="http://schemas.microsoft.com/office/drawing/2010/main" w="9525">
+                <a14:hiddenLine xmlns:a14="http://schemas.microsoft.com/office/drawing/2010/main" xmlns="" w="9525">
                   <a:solidFill>
                     <a:srgbClr val="000000"/>
                   </a:solidFill>
@@ -2866,7 +2881,7 @@
             </a:ln>
             <a:extLst>
               <a:ext uri="{91240B29-F687-4f45-9708-019B960494DF}">
-                <a14:hiddenLine xmlns="" xmlns:a14="http://schemas.microsoft.com/office/drawing/2010/main" w="9525">
+                <a14:hiddenLine xmlns:a14="http://schemas.microsoft.com/office/drawing/2010/main" xmlns="" w="9525">
                   <a:solidFill>
                     <a:srgbClr val="000000"/>
                   </a:solidFill>
@@ -2928,7 +2943,7 @@
             </a:ln>
             <a:extLst>
               <a:ext uri="{91240B29-F687-4f45-9708-019B960494DF}">
-                <a14:hiddenLine xmlns="" xmlns:a14="http://schemas.microsoft.com/office/drawing/2010/main" w="9525">
+                <a14:hiddenLine xmlns:a14="http://schemas.microsoft.com/office/drawing/2010/main" xmlns="" w="9525">
                   <a:solidFill>
                     <a:srgbClr val="000000"/>
                   </a:solidFill>
@@ -3018,7 +3033,7 @@
             </a:ln>
             <a:extLst>
               <a:ext uri="{91240B29-F687-4f45-9708-019B960494DF}">
-                <a14:hiddenLine xmlns="" xmlns:a14="http://schemas.microsoft.com/office/drawing/2010/main" w="9525">
+                <a14:hiddenLine xmlns:a14="http://schemas.microsoft.com/office/drawing/2010/main" xmlns="" w="9525">
                   <a:solidFill>
                     <a:srgbClr val="000000"/>
                   </a:solidFill>
@@ -3086,7 +3101,7 @@
             </a:ln>
             <a:extLst>
               <a:ext uri="{91240B29-F687-4f45-9708-019B960494DF}">
-                <a14:hiddenLine xmlns="" xmlns:a14="http://schemas.microsoft.com/office/drawing/2010/main" w="9525">
+                <a14:hiddenLine xmlns:a14="http://schemas.microsoft.com/office/drawing/2010/main" xmlns="" w="9525">
                   <a:solidFill>
                     <a:srgbClr val="000000"/>
                   </a:solidFill>
@@ -3148,7 +3163,7 @@
             </a:ln>
             <a:extLst>
               <a:ext uri="{91240B29-F687-4f45-9708-019B960494DF}">
-                <a14:hiddenLine xmlns="" xmlns:a14="http://schemas.microsoft.com/office/drawing/2010/main" w="9525">
+                <a14:hiddenLine xmlns:a14="http://schemas.microsoft.com/office/drawing/2010/main" xmlns="" w="9525">
                   <a:solidFill>
                     <a:srgbClr val="000000"/>
                   </a:solidFill>
@@ -3238,7 +3253,7 @@
             </a:ln>
             <a:extLst>
               <a:ext uri="{91240B29-F687-4f45-9708-019B960494DF}">
-                <a14:hiddenLine xmlns="" xmlns:a14="http://schemas.microsoft.com/office/drawing/2010/main" w="9525">
+                <a14:hiddenLine xmlns:a14="http://schemas.microsoft.com/office/drawing/2010/main" xmlns="" w="9525">
                   <a:solidFill>
                     <a:srgbClr val="000000"/>
                   </a:solidFill>
@@ -3300,7 +3315,7 @@
             </a:ln>
             <a:extLst>
               <a:ext uri="{91240B29-F687-4f45-9708-019B960494DF}">
-                <a14:hiddenLine xmlns="" xmlns:a14="http://schemas.microsoft.com/office/drawing/2010/main" w="9525">
+                <a14:hiddenLine xmlns:a14="http://schemas.microsoft.com/office/drawing/2010/main" xmlns="" w="9525">
                   <a:solidFill>
                     <a:srgbClr val="000000"/>
                   </a:solidFill>
@@ -3390,7 +3405,7 @@
             </a:ln>
             <a:extLst>
               <a:ext uri="{91240B29-F687-4f45-9708-019B960494DF}">
-                <a14:hiddenLine xmlns="" xmlns:a14="http://schemas.microsoft.com/office/drawing/2010/main" w="9525">
+                <a14:hiddenLine xmlns:a14="http://schemas.microsoft.com/office/drawing/2010/main" xmlns="" w="9525">
                   <a:solidFill>
                     <a:srgbClr val="000000"/>
                   </a:solidFill>
@@ -3452,7 +3467,7 @@
             </a:ln>
             <a:extLst>
               <a:ext uri="{91240B29-F687-4f45-9708-019B960494DF}">
-                <a14:hiddenLine xmlns="" xmlns:a14="http://schemas.microsoft.com/office/drawing/2010/main" w="9525">
+                <a14:hiddenLine xmlns:a14="http://schemas.microsoft.com/office/drawing/2010/main" xmlns="" w="9525">
                   <a:solidFill>
                     <a:srgbClr val="000000"/>
                   </a:solidFill>
@@ -3542,7 +3557,7 @@
             </a:ln>
             <a:extLst>
               <a:ext uri="{91240B29-F687-4f45-9708-019B960494DF}">
-                <a14:hiddenLine xmlns="" xmlns:a14="http://schemas.microsoft.com/office/drawing/2010/main" w="9525">
+                <a14:hiddenLine xmlns:a14="http://schemas.microsoft.com/office/drawing/2010/main" xmlns="" w="9525">
                   <a:solidFill>
                     <a:srgbClr val="000000"/>
                   </a:solidFill>
@@ -3576,7 +3591,7 @@
             </a:ln>
             <a:extLst>
               <a:ext uri="{91240B29-F687-4f45-9708-019B960494DF}">
-                <a14:hiddenLine xmlns="" xmlns:a14="http://schemas.microsoft.com/office/drawing/2010/main" w="9525">
+                <a14:hiddenLine xmlns:a14="http://schemas.microsoft.com/office/drawing/2010/main" xmlns="" w="9525">
                   <a:solidFill>
                     <a:srgbClr val="000000"/>
                   </a:solidFill>
@@ -3641,7 +3656,7 @@
             </a:ln>
             <a:extLst>
               <a:ext uri="{91240B29-F687-4f45-9708-019B960494DF}">
-                <a14:hiddenLine xmlns="" xmlns:a14="http://schemas.microsoft.com/office/drawing/2010/main" w="9525">
+                <a14:hiddenLine xmlns:a14="http://schemas.microsoft.com/office/drawing/2010/main" xmlns="" w="9525">
                   <a:solidFill>
                     <a:srgbClr val="000000"/>
                   </a:solidFill>
@@ -3731,7 +3746,7 @@
             </a:ln>
             <a:extLst>
               <a:ext uri="{91240B29-F687-4f45-9708-019B960494DF}">
-                <a14:hiddenLine xmlns="" xmlns:a14="http://schemas.microsoft.com/office/drawing/2010/main" w="9525">
+                <a14:hiddenLine xmlns:a14="http://schemas.microsoft.com/office/drawing/2010/main" xmlns="" w="9525">
                   <a:solidFill>
                     <a:srgbClr val="000000"/>
                   </a:solidFill>
@@ -3793,7 +3808,7 @@
             </a:ln>
             <a:extLst>
               <a:ext uri="{91240B29-F687-4f45-9708-019B960494DF}">
-                <a14:hiddenLine xmlns="" xmlns:a14="http://schemas.microsoft.com/office/drawing/2010/main" w="9525">
+                <a14:hiddenLine xmlns:a14="http://schemas.microsoft.com/office/drawing/2010/main" xmlns="" w="9525">
                   <a:solidFill>
                     <a:srgbClr val="000000"/>
                   </a:solidFill>
@@ -3883,7 +3898,7 @@
             </a:ln>
             <a:extLst>
               <a:ext uri="{91240B29-F687-4f45-9708-019B960494DF}">
-                <a14:hiddenLine xmlns="" xmlns:a14="http://schemas.microsoft.com/office/drawing/2010/main" w="9525">
+                <a14:hiddenLine xmlns:a14="http://schemas.microsoft.com/office/drawing/2010/main" xmlns="" w="9525">
                   <a:solidFill>
                     <a:srgbClr val="000000"/>
                   </a:solidFill>
@@ -3973,7 +3988,7 @@
             </a:ln>
             <a:extLst>
               <a:ext uri="{91240B29-F687-4f45-9708-019B960494DF}">
-                <a14:hiddenLine xmlns="" xmlns:a14="http://schemas.microsoft.com/office/drawing/2010/main" w="9525">
+                <a14:hiddenLine xmlns:a14="http://schemas.microsoft.com/office/drawing/2010/main" xmlns="" w="9525">
                   <a:solidFill>
                     <a:srgbClr val="000000"/>
                   </a:solidFill>
@@ -4038,7 +4053,7 @@
             </a:ln>
             <a:extLst>
               <a:ext uri="{91240B29-F687-4f45-9708-019B960494DF}">
-                <a14:hiddenLine xmlns="" xmlns:a14="http://schemas.microsoft.com/office/drawing/2010/main" w="9525">
+                <a14:hiddenLine xmlns:a14="http://schemas.microsoft.com/office/drawing/2010/main" xmlns="" w="9525">
                   <a:solidFill>
                     <a:srgbClr val="000000"/>
                   </a:solidFill>
@@ -4100,7 +4115,7 @@
             </a:ln>
             <a:extLst>
               <a:ext uri="{91240B29-F687-4f45-9708-019B960494DF}">
-                <a14:hiddenLine xmlns="" xmlns:a14="http://schemas.microsoft.com/office/drawing/2010/main" w="9525">
+                <a14:hiddenLine xmlns:a14="http://schemas.microsoft.com/office/drawing/2010/main" xmlns="" w="9525">
                   <a:solidFill>
                     <a:srgbClr val="000000"/>
                   </a:solidFill>
@@ -4190,7 +4205,7 @@
             </a:ln>
             <a:extLst>
               <a:ext uri="{91240B29-F687-4f45-9708-019B960494DF}">
-                <a14:hiddenLine xmlns="" xmlns:a14="http://schemas.microsoft.com/office/drawing/2010/main" w="9525">
+                <a14:hiddenLine xmlns:a14="http://schemas.microsoft.com/office/drawing/2010/main" xmlns="" w="9525">
                   <a:solidFill>
                     <a:srgbClr val="000000"/>
                   </a:solidFill>
@@ -4280,7 +4295,7 @@
             </a:ln>
             <a:extLst>
               <a:ext uri="{91240B29-F687-4f45-9708-019B960494DF}">
-                <a14:hiddenLine xmlns="" xmlns:a14="http://schemas.microsoft.com/office/drawing/2010/main" w="9525">
+                <a14:hiddenLine xmlns:a14="http://schemas.microsoft.com/office/drawing/2010/main" xmlns="" w="9525">
                   <a:solidFill>
                     <a:srgbClr val="000000"/>
                   </a:solidFill>
@@ -4342,7 +4357,7 @@
             </a:ln>
             <a:extLst>
               <a:ext uri="{91240B29-F687-4f45-9708-019B960494DF}">
-                <a14:hiddenLine xmlns="" xmlns:a14="http://schemas.microsoft.com/office/drawing/2010/main" w="9525">
+                <a14:hiddenLine xmlns:a14="http://schemas.microsoft.com/office/drawing/2010/main" xmlns="" w="9525">
                   <a:solidFill>
                     <a:srgbClr val="000000"/>
                   </a:solidFill>
@@ -4462,7 +4477,7 @@
             </a:ln>
             <a:extLst>
               <a:ext uri="{91240B29-F687-4f45-9708-019B960494DF}">
-                <a14:hiddenLine xmlns="" xmlns:a14="http://schemas.microsoft.com/office/drawing/2010/main" w="9525">
+                <a14:hiddenLine xmlns:a14="http://schemas.microsoft.com/office/drawing/2010/main" xmlns="" w="9525">
                   <a:solidFill>
                     <a:srgbClr val="000000"/>
                   </a:solidFill>
@@ -4530,7 +4545,7 @@
             </a:ln>
             <a:extLst>
               <a:ext uri="{91240B29-F687-4f45-9708-019B960494DF}">
-                <a14:hiddenLine xmlns="" xmlns:a14="http://schemas.microsoft.com/office/drawing/2010/main" w="9525">
+                <a14:hiddenLine xmlns:a14="http://schemas.microsoft.com/office/drawing/2010/main" xmlns="" w="9525">
                   <a:solidFill>
                     <a:srgbClr val="000000"/>
                   </a:solidFill>
@@ -4620,7 +4635,7 @@
             </a:ln>
             <a:extLst>
               <a:ext uri="{91240B29-F687-4f45-9708-019B960494DF}">
-                <a14:hiddenLine xmlns="" xmlns:a14="http://schemas.microsoft.com/office/drawing/2010/main" w="9525">
+                <a14:hiddenLine xmlns:a14="http://schemas.microsoft.com/office/drawing/2010/main" xmlns="" w="9525">
                   <a:solidFill>
                     <a:srgbClr val="000000"/>
                   </a:solidFill>
@@ -4760,7 +4775,7 @@
           <a:p>
             <a:fld id="{D0EDE3D2-E32E-471A-969F-A1B8F1ACC0F1}" type="datetime1">
               <a:rPr lang="en-GB" smtClean="0"/>
-              <a:t>30/12/2019</a:t>
+              <a:t>03/01/2020</a:t>
             </a:fld>
             <a:endParaRPr lang="en-GB"/>
           </a:p>
@@ -5030,7 +5045,7 @@
           <a:p>
             <a:fld id="{AC477187-6477-4AC6-BCAC-686F76CD8A6B}" type="datetime1">
               <a:rPr lang="en-GB" smtClean="0"/>
-              <a:t>30/12/2019</a:t>
+              <a:t>03/01/2020</a:t>
             </a:fld>
             <a:endParaRPr lang="en-GB"/>
           </a:p>
@@ -5229,7 +5244,7 @@
           <a:p>
             <a:fld id="{C307E25A-9913-4E96-9584-C2134E3205E1}" type="datetime1">
               <a:rPr lang="en-GB" smtClean="0"/>
-              <a:t>30/12/2019</a:t>
+              <a:t>03/01/2020</a:t>
             </a:fld>
             <a:endParaRPr lang="en-GB"/>
           </a:p>
@@ -5495,7 +5510,7 @@
           <a:p>
             <a:fld id="{95CFAB98-7082-4207-9676-E524A6EB317A}" type="datetime1">
               <a:rPr lang="en-GB" smtClean="0"/>
-              <a:t>30/12/2019</a:t>
+              <a:t>03/01/2020</a:t>
             </a:fld>
             <a:endParaRPr lang="en-GB"/>
           </a:p>
@@ -5932,7 +5947,7 @@
           <a:p>
             <a:fld id="{0C857872-585D-4637-83C5-806E84F48E7A}" type="datetime1">
               <a:rPr lang="en-GB" smtClean="0"/>
-              <a:t>30/12/2019</a:t>
+              <a:t>03/01/2020</a:t>
             </a:fld>
             <a:endParaRPr lang="en-GB"/>
           </a:p>
@@ -6481,7 +6496,7 @@
           <a:p>
             <a:fld id="{580A8CE4-835F-4C4F-BDEC-234DC000404E}" type="datetime1">
               <a:rPr lang="en-GB" smtClean="0"/>
-              <a:t>30/12/2019</a:t>
+              <a:t>03/01/2020</a:t>
             </a:fld>
             <a:endParaRPr lang="en-GB"/>
           </a:p>
@@ -7204,7 +7219,7 @@
           <a:p>
             <a:fld id="{AA33DE30-7E60-4BAA-861C-9D1D3ADC24D3}" type="datetime1">
               <a:rPr lang="en-GB" smtClean="0"/>
-              <a:t>30/12/2019</a:t>
+              <a:t>03/01/2020</a:t>
             </a:fld>
             <a:endParaRPr lang="en-GB"/>
           </a:p>
@@ -7377,7 +7392,7 @@
           <a:p>
             <a:fld id="{23210FFB-473F-42C6-A8F4-F7CABFA638AA}" type="datetime1">
               <a:rPr lang="en-GB" smtClean="0"/>
-              <a:t>30/12/2019</a:t>
+              <a:t>03/01/2020</a:t>
             </a:fld>
             <a:endParaRPr lang="en-GB"/>
           </a:p>
@@ -7560,7 +7575,7 @@
           <a:p>
             <a:fld id="{4D7441CC-A35F-4712-9F0F-0F775F12CC9F}" type="datetime1">
               <a:rPr lang="en-GB" smtClean="0"/>
-              <a:t>30/12/2019</a:t>
+              <a:t>03/01/2020</a:t>
             </a:fld>
             <a:endParaRPr lang="en-GB"/>
           </a:p>
@@ -7733,7 +7748,7 @@
           <a:p>
             <a:fld id="{D640B411-8FBB-45AA-9D73-8893D5C6FB80}" type="datetime1">
               <a:rPr lang="en-GB" smtClean="0"/>
-              <a:t>30/12/2019</a:t>
+              <a:t>03/01/2020</a:t>
             </a:fld>
             <a:endParaRPr lang="en-GB"/>
           </a:p>
@@ -7986,7 +8001,7 @@
           <a:p>
             <a:fld id="{624899AD-5E2A-4D32-8E4B-0C9C99FAC641}" type="datetime1">
               <a:rPr lang="en-GB" smtClean="0"/>
-              <a:t>30/12/2019</a:t>
+              <a:t>03/01/2020</a:t>
             </a:fld>
             <a:endParaRPr lang="en-GB"/>
           </a:p>
@@ -8221,7 +8236,7 @@
           <a:p>
             <a:fld id="{22AAA799-7831-4BD4-B94E-91C37CCBC92A}" type="datetime1">
               <a:rPr lang="en-GB" smtClean="0"/>
-              <a:t>30/12/2019</a:t>
+              <a:t>03/01/2020</a:t>
             </a:fld>
             <a:endParaRPr lang="en-GB"/>
           </a:p>
@@ -8605,7 +8620,7 @@
           <a:p>
             <a:fld id="{EC808861-73CE-4A8B-8C1C-B57A57DFFD4C}" type="datetime1">
               <a:rPr lang="en-GB" smtClean="0"/>
-              <a:t>30/12/2019</a:t>
+              <a:t>03/01/2020</a:t>
             </a:fld>
             <a:endParaRPr lang="en-GB"/>
           </a:p>
@@ -8726,7 +8741,7 @@
           <a:p>
             <a:fld id="{A32E8B65-A9FB-49EF-877D-750260D5550D}" type="datetime1">
               <a:rPr lang="en-GB" smtClean="0"/>
-              <a:t>30/12/2019</a:t>
+              <a:t>03/01/2020</a:t>
             </a:fld>
             <a:endParaRPr lang="en-GB"/>
           </a:p>
@@ -8824,7 +8839,7 @@
           <a:p>
             <a:fld id="{B19EC81F-CA10-4186-B694-BF5B703B3699}" type="datetime1">
               <a:rPr lang="en-GB" smtClean="0"/>
-              <a:t>30/12/2019</a:t>
+              <a:t>03/01/2020</a:t>
             </a:fld>
             <a:endParaRPr lang="en-GB"/>
           </a:p>
@@ -9076,7 +9091,7 @@
           <a:p>
             <a:fld id="{5C1AE20D-1449-405F-826A-F1D3FB38B0FF}" type="datetime1">
               <a:rPr lang="en-GB" smtClean="0"/>
-              <a:t>30/12/2019</a:t>
+              <a:t>03/01/2020</a:t>
             </a:fld>
             <a:endParaRPr lang="en-GB"/>
           </a:p>
@@ -9359,7 +9374,7 @@
           <a:p>
             <a:fld id="{C0E7E3BA-006B-4427-8285-10C99B482281}" type="datetime1">
               <a:rPr lang="en-GB" smtClean="0"/>
-              <a:t>30/12/2019</a:t>
+              <a:t>03/01/2020</a:t>
             </a:fld>
             <a:endParaRPr lang="en-GB"/>
           </a:p>
@@ -9485,7 +9500,7 @@
           <a:noFill/>
           <a:extLst>
             <a:ext uri="{909E8E84-426E-40dd-AFC4-6F175D3DCCD1}">
-              <a14:hiddenFill xmlns="" xmlns:a14="http://schemas.microsoft.com/office/drawing/2010/main">
+              <a14:hiddenFill xmlns:a14="http://schemas.microsoft.com/office/drawing/2010/main" xmlns="">
                 <a:solidFill>
                   <a:srgbClr val="FFFFFF"/>
                 </a:solidFill>
@@ -9559,7 +9574,7 @@
               </a:ln>
               <a:extLst>
                 <a:ext uri="{91240B29-F687-4f45-9708-019B960494DF}">
-                  <a14:hiddenLine xmlns="" xmlns:a14="http://schemas.microsoft.com/office/drawing/2010/main" w="9525">
+                  <a14:hiddenLine xmlns:a14="http://schemas.microsoft.com/office/drawing/2010/main" xmlns="" w="9525">
                     <a:solidFill>
                       <a:srgbClr val="000000"/>
                     </a:solidFill>
@@ -9649,7 +9664,7 @@
               </a:ln>
               <a:extLst>
                 <a:ext uri="{91240B29-F687-4f45-9708-019B960494DF}">
-                  <a14:hiddenLine xmlns="" xmlns:a14="http://schemas.microsoft.com/office/drawing/2010/main" w="9525">
+                  <a14:hiddenLine xmlns:a14="http://schemas.microsoft.com/office/drawing/2010/main" xmlns="" w="9525">
                     <a:solidFill>
                       <a:srgbClr val="000000"/>
                     </a:solidFill>
@@ -9739,7 +9754,7 @@
               </a:ln>
               <a:extLst>
                 <a:ext uri="{91240B29-F687-4f45-9708-019B960494DF}">
-                  <a14:hiddenLine xmlns="" xmlns:a14="http://schemas.microsoft.com/office/drawing/2010/main" w="9525">
+                  <a14:hiddenLine xmlns:a14="http://schemas.microsoft.com/office/drawing/2010/main" xmlns="" w="9525">
                     <a:solidFill>
                       <a:srgbClr val="000000"/>
                     </a:solidFill>
@@ -9801,7 +9816,7 @@
               </a:ln>
               <a:extLst>
                 <a:ext uri="{91240B29-F687-4f45-9708-019B960494DF}">
-                  <a14:hiddenLine xmlns="" xmlns:a14="http://schemas.microsoft.com/office/drawing/2010/main" w="9525">
+                  <a14:hiddenLine xmlns:a14="http://schemas.microsoft.com/office/drawing/2010/main" xmlns="" w="9525">
                     <a:solidFill>
                       <a:srgbClr val="000000"/>
                     </a:solidFill>
@@ -9891,7 +9906,7 @@
               </a:ln>
               <a:extLst>
                 <a:ext uri="{91240B29-F687-4f45-9708-019B960494DF}">
-                  <a14:hiddenLine xmlns="" xmlns:a14="http://schemas.microsoft.com/office/drawing/2010/main" w="9525">
+                  <a14:hiddenLine xmlns:a14="http://schemas.microsoft.com/office/drawing/2010/main" xmlns="" w="9525">
                     <a:solidFill>
                       <a:srgbClr val="000000"/>
                     </a:solidFill>
@@ -9953,7 +9968,7 @@
               </a:ln>
               <a:extLst>
                 <a:ext uri="{91240B29-F687-4f45-9708-019B960494DF}">
-                  <a14:hiddenLine xmlns="" xmlns:a14="http://schemas.microsoft.com/office/drawing/2010/main" w="9525">
+                  <a14:hiddenLine xmlns:a14="http://schemas.microsoft.com/office/drawing/2010/main" xmlns="" w="9525">
                     <a:solidFill>
                       <a:srgbClr val="000000"/>
                     </a:solidFill>
@@ -10015,7 +10030,7 @@
               </a:ln>
               <a:extLst>
                 <a:ext uri="{91240B29-F687-4f45-9708-019B960494DF}">
-                  <a14:hiddenLine xmlns="" xmlns:a14="http://schemas.microsoft.com/office/drawing/2010/main" w="9525">
+                  <a14:hiddenLine xmlns:a14="http://schemas.microsoft.com/office/drawing/2010/main" xmlns="" w="9525">
                     <a:solidFill>
                       <a:srgbClr val="000000"/>
                     </a:solidFill>
@@ -10105,7 +10120,7 @@
               </a:ln>
               <a:extLst>
                 <a:ext uri="{91240B29-F687-4f45-9708-019B960494DF}">
-                  <a14:hiddenLine xmlns="" xmlns:a14="http://schemas.microsoft.com/office/drawing/2010/main" w="9525">
+                  <a14:hiddenLine xmlns:a14="http://schemas.microsoft.com/office/drawing/2010/main" xmlns="" w="9525">
                     <a:solidFill>
                       <a:srgbClr val="000000"/>
                     </a:solidFill>
@@ -10195,7 +10210,7 @@
               </a:ln>
               <a:extLst>
                 <a:ext uri="{91240B29-F687-4f45-9708-019B960494DF}">
-                  <a14:hiddenLine xmlns="" xmlns:a14="http://schemas.microsoft.com/office/drawing/2010/main" w="9525">
+                  <a14:hiddenLine xmlns:a14="http://schemas.microsoft.com/office/drawing/2010/main" xmlns="" w="9525">
                     <a:solidFill>
                       <a:srgbClr val="000000"/>
                     </a:solidFill>
@@ -10257,7 +10272,7 @@
               </a:ln>
               <a:extLst>
                 <a:ext uri="{91240B29-F687-4f45-9708-019B960494DF}">
-                  <a14:hiddenLine xmlns="" xmlns:a14="http://schemas.microsoft.com/office/drawing/2010/main" w="9525">
+                  <a14:hiddenLine xmlns:a14="http://schemas.microsoft.com/office/drawing/2010/main" xmlns="" w="9525">
                     <a:solidFill>
                       <a:srgbClr val="000000"/>
                     </a:solidFill>
@@ -10367,7 +10382,7 @@
               </a:ln>
               <a:extLst>
                 <a:ext uri="{91240B29-F687-4f45-9708-019B960494DF}">
-                  <a14:hiddenLine xmlns="" xmlns:a14="http://schemas.microsoft.com/office/drawing/2010/main" w="9525">
+                  <a14:hiddenLine xmlns:a14="http://schemas.microsoft.com/office/drawing/2010/main" xmlns="" w="9525">
                     <a:solidFill>
                       <a:srgbClr val="000000"/>
                     </a:solidFill>
@@ -10451,7 +10466,7 @@
               </a:ln>
               <a:extLst>
                 <a:ext uri="{91240B29-F687-4f45-9708-019B960494DF}">
-                  <a14:hiddenLine xmlns="" xmlns:a14="http://schemas.microsoft.com/office/drawing/2010/main" w="9525">
+                  <a14:hiddenLine xmlns:a14="http://schemas.microsoft.com/office/drawing/2010/main" xmlns="" w="9525">
                     <a:solidFill>
                       <a:srgbClr val="000000"/>
                     </a:solidFill>
@@ -10513,7 +10528,7 @@
               </a:ln>
               <a:extLst>
                 <a:ext uri="{91240B29-F687-4f45-9708-019B960494DF}">
-                  <a14:hiddenLine xmlns="" xmlns:a14="http://schemas.microsoft.com/office/drawing/2010/main" w="9525">
+                  <a14:hiddenLine xmlns:a14="http://schemas.microsoft.com/office/drawing/2010/main" xmlns="" w="9525">
                     <a:solidFill>
                       <a:srgbClr val="000000"/>
                     </a:solidFill>
@@ -10575,7 +10590,7 @@
               </a:ln>
               <a:extLst>
                 <a:ext uri="{91240B29-F687-4f45-9708-019B960494DF}">
-                  <a14:hiddenLine xmlns="" xmlns:a14="http://schemas.microsoft.com/office/drawing/2010/main" w="9525">
+                  <a14:hiddenLine xmlns:a14="http://schemas.microsoft.com/office/drawing/2010/main" xmlns="" w="9525">
                     <a:solidFill>
                       <a:srgbClr val="000000"/>
                     </a:solidFill>
@@ -10665,7 +10680,7 @@
               </a:ln>
               <a:extLst>
                 <a:ext uri="{91240B29-F687-4f45-9708-019B960494DF}">
-                  <a14:hiddenLine xmlns="" xmlns:a14="http://schemas.microsoft.com/office/drawing/2010/main" w="9525">
+                  <a14:hiddenLine xmlns:a14="http://schemas.microsoft.com/office/drawing/2010/main" xmlns="" w="9525">
                     <a:solidFill>
                       <a:srgbClr val="000000"/>
                     </a:solidFill>
@@ -10699,7 +10714,7 @@
               </a:ln>
               <a:extLst>
                 <a:ext uri="{91240B29-F687-4f45-9708-019B960494DF}">
-                  <a14:hiddenLine xmlns="" xmlns:a14="http://schemas.microsoft.com/office/drawing/2010/main" w="9525">
+                  <a14:hiddenLine xmlns:a14="http://schemas.microsoft.com/office/drawing/2010/main" xmlns="" w="9525">
                     <a:solidFill>
                       <a:srgbClr val="000000"/>
                     </a:solidFill>
@@ -10764,7 +10779,7 @@
               </a:ln>
               <a:extLst>
                 <a:ext uri="{91240B29-F687-4f45-9708-019B960494DF}">
-                  <a14:hiddenLine xmlns="" xmlns:a14="http://schemas.microsoft.com/office/drawing/2010/main" w="9525">
+                  <a14:hiddenLine xmlns:a14="http://schemas.microsoft.com/office/drawing/2010/main" xmlns="" w="9525">
                     <a:solidFill>
                       <a:srgbClr val="000000"/>
                     </a:solidFill>
@@ -10854,7 +10869,7 @@
               </a:ln>
               <a:extLst>
                 <a:ext uri="{91240B29-F687-4f45-9708-019B960494DF}">
-                  <a14:hiddenLine xmlns="" xmlns:a14="http://schemas.microsoft.com/office/drawing/2010/main" w="9525">
+                  <a14:hiddenLine xmlns:a14="http://schemas.microsoft.com/office/drawing/2010/main" xmlns="" w="9525">
                     <a:solidFill>
                       <a:srgbClr val="000000"/>
                     </a:solidFill>
@@ -10916,7 +10931,7 @@
               </a:ln>
               <a:extLst>
                 <a:ext uri="{91240B29-F687-4f45-9708-019B960494DF}">
-                  <a14:hiddenLine xmlns="" xmlns:a14="http://schemas.microsoft.com/office/drawing/2010/main" w="9525">
+                  <a14:hiddenLine xmlns:a14="http://schemas.microsoft.com/office/drawing/2010/main" xmlns="" w="9525">
                     <a:solidFill>
                       <a:srgbClr val="000000"/>
                     </a:solidFill>
@@ -11006,7 +11021,7 @@
               </a:ln>
               <a:extLst>
                 <a:ext uri="{91240B29-F687-4f45-9708-019B960494DF}">
-                  <a14:hiddenLine xmlns="" xmlns:a14="http://schemas.microsoft.com/office/drawing/2010/main" w="9525">
+                  <a14:hiddenLine xmlns:a14="http://schemas.microsoft.com/office/drawing/2010/main" xmlns="" w="9525">
                     <a:solidFill>
                       <a:srgbClr val="000000"/>
                     </a:solidFill>
@@ -11071,7 +11086,7 @@
               </a:ln>
               <a:extLst>
                 <a:ext uri="{91240B29-F687-4f45-9708-019B960494DF}">
-                  <a14:hiddenLine xmlns="" xmlns:a14="http://schemas.microsoft.com/office/drawing/2010/main" w="9525">
+                  <a14:hiddenLine xmlns:a14="http://schemas.microsoft.com/office/drawing/2010/main" xmlns="" w="9525">
                     <a:solidFill>
                       <a:srgbClr val="000000"/>
                     </a:solidFill>
@@ -11133,7 +11148,7 @@
               </a:ln>
               <a:extLst>
                 <a:ext uri="{91240B29-F687-4f45-9708-019B960494DF}">
-                  <a14:hiddenLine xmlns="" xmlns:a14="http://schemas.microsoft.com/office/drawing/2010/main" w="9525">
+                  <a14:hiddenLine xmlns:a14="http://schemas.microsoft.com/office/drawing/2010/main" xmlns="" w="9525">
                     <a:solidFill>
                       <a:srgbClr val="000000"/>
                     </a:solidFill>
@@ -11223,7 +11238,7 @@
               </a:ln>
               <a:extLst>
                 <a:ext uri="{91240B29-F687-4f45-9708-019B960494DF}">
-                  <a14:hiddenLine xmlns="" xmlns:a14="http://schemas.microsoft.com/office/drawing/2010/main" w="9525">
+                  <a14:hiddenLine xmlns:a14="http://schemas.microsoft.com/office/drawing/2010/main" xmlns="" w="9525">
                     <a:solidFill>
                       <a:srgbClr val="000000"/>
                     </a:solidFill>
@@ -11313,7 +11328,7 @@
               </a:ln>
               <a:extLst>
                 <a:ext uri="{91240B29-F687-4f45-9708-019B960494DF}">
-                  <a14:hiddenLine xmlns="" xmlns:a14="http://schemas.microsoft.com/office/drawing/2010/main" w="9525">
+                  <a14:hiddenLine xmlns:a14="http://schemas.microsoft.com/office/drawing/2010/main" xmlns="" w="9525">
                     <a:solidFill>
                       <a:srgbClr val="000000"/>
                     </a:solidFill>
@@ -11378,7 +11393,7 @@
               </a:ln>
               <a:extLst>
                 <a:ext uri="{91240B29-F687-4f45-9708-019B960494DF}">
-                  <a14:hiddenLine xmlns="" xmlns:a14="http://schemas.microsoft.com/office/drawing/2010/main" w="9525">
+                  <a14:hiddenLine xmlns:a14="http://schemas.microsoft.com/office/drawing/2010/main" xmlns="" w="9525">
                     <a:solidFill>
                       <a:srgbClr val="000000"/>
                     </a:solidFill>
@@ -11498,7 +11513,7 @@
               </a:ln>
               <a:extLst>
                 <a:ext uri="{91240B29-F687-4f45-9708-019B960494DF}">
-                  <a14:hiddenLine xmlns="" xmlns:a14="http://schemas.microsoft.com/office/drawing/2010/main" w="9525">
+                  <a14:hiddenLine xmlns:a14="http://schemas.microsoft.com/office/drawing/2010/main" xmlns="" w="9525">
                     <a:solidFill>
                       <a:srgbClr val="000000"/>
                     </a:solidFill>
@@ -11579,7 +11594,7 @@
               </a:ln>
               <a:extLst>
                 <a:ext uri="{91240B29-F687-4f45-9708-019B960494DF}">
-                  <a14:hiddenLine xmlns="" xmlns:a14="http://schemas.microsoft.com/office/drawing/2010/main" w="9525">
+                  <a14:hiddenLine xmlns:a14="http://schemas.microsoft.com/office/drawing/2010/main" xmlns="" w="9525">
                     <a:solidFill>
                       <a:srgbClr val="000000"/>
                     </a:solidFill>
@@ -11694,7 +11709,7 @@
               </a:ln>
               <a:extLst>
                 <a:ext uri="{91240B29-F687-4f45-9708-019B960494DF}">
-                  <a14:hiddenLine xmlns="" xmlns:a14="http://schemas.microsoft.com/office/drawing/2010/main" w="9525">
+                  <a14:hiddenLine xmlns:a14="http://schemas.microsoft.com/office/drawing/2010/main" xmlns="" w="9525">
                     <a:solidFill>
                       <a:srgbClr val="000000"/>
                     </a:solidFill>
@@ -11784,7 +11799,7 @@
               </a:ln>
               <a:extLst>
                 <a:ext uri="{91240B29-F687-4f45-9708-019B960494DF}">
-                  <a14:hiddenLine xmlns="" xmlns:a14="http://schemas.microsoft.com/office/drawing/2010/main" w="9525">
+                  <a14:hiddenLine xmlns:a14="http://schemas.microsoft.com/office/drawing/2010/main" xmlns="" w="9525">
                     <a:solidFill>
                       <a:srgbClr val="000000"/>
                     </a:solidFill>
@@ -11849,7 +11864,7 @@
               </a:ln>
               <a:extLst>
                 <a:ext uri="{91240B29-F687-4f45-9708-019B960494DF}">
-                  <a14:hiddenLine xmlns="" xmlns:a14="http://schemas.microsoft.com/office/drawing/2010/main" w="9525">
+                  <a14:hiddenLine xmlns:a14="http://schemas.microsoft.com/office/drawing/2010/main" xmlns="" w="9525">
                     <a:solidFill>
                       <a:srgbClr val="000000"/>
                     </a:solidFill>
@@ -11939,7 +11954,7 @@
               </a:ln>
               <a:extLst>
                 <a:ext uri="{91240B29-F687-4f45-9708-019B960494DF}">
-                  <a14:hiddenLine xmlns="" xmlns:a14="http://schemas.microsoft.com/office/drawing/2010/main" w="9525">
+                  <a14:hiddenLine xmlns:a14="http://schemas.microsoft.com/office/drawing/2010/main" xmlns="" w="9525">
                     <a:solidFill>
                       <a:srgbClr val="000000"/>
                     </a:solidFill>
@@ -12007,7 +12022,7 @@
               </a:ln>
               <a:extLst>
                 <a:ext uri="{91240B29-F687-4f45-9708-019B960494DF}">
-                  <a14:hiddenLine xmlns="" xmlns:a14="http://schemas.microsoft.com/office/drawing/2010/main" w="9525">
+                  <a14:hiddenLine xmlns:a14="http://schemas.microsoft.com/office/drawing/2010/main" xmlns="" w="9525">
                     <a:solidFill>
                       <a:srgbClr val="000000"/>
                     </a:solidFill>
@@ -12097,7 +12112,7 @@
               </a:ln>
               <a:extLst>
                 <a:ext uri="{91240B29-F687-4f45-9708-019B960494DF}">
-                  <a14:hiddenLine xmlns="" xmlns:a14="http://schemas.microsoft.com/office/drawing/2010/main" w="9525">
+                  <a14:hiddenLine xmlns:a14="http://schemas.microsoft.com/office/drawing/2010/main" xmlns="" w="9525">
                     <a:solidFill>
                       <a:srgbClr val="000000"/>
                     </a:solidFill>
@@ -12165,7 +12180,7 @@
               </a:ln>
               <a:extLst>
                 <a:ext uri="{91240B29-F687-4f45-9708-019B960494DF}">
-                  <a14:hiddenLine xmlns="" xmlns:a14="http://schemas.microsoft.com/office/drawing/2010/main" w="9525">
+                  <a14:hiddenLine xmlns:a14="http://schemas.microsoft.com/office/drawing/2010/main" xmlns="" w="9525">
                     <a:solidFill>
                       <a:srgbClr val="000000"/>
                     </a:solidFill>
@@ -12255,7 +12270,7 @@
               </a:ln>
               <a:extLst>
                 <a:ext uri="{91240B29-F687-4f45-9708-019B960494DF}">
-                  <a14:hiddenLine xmlns="" xmlns:a14="http://schemas.microsoft.com/office/drawing/2010/main" w="9525">
+                  <a14:hiddenLine xmlns:a14="http://schemas.microsoft.com/office/drawing/2010/main" xmlns="" w="9525">
                     <a:solidFill>
                       <a:srgbClr val="000000"/>
                     </a:solidFill>
@@ -12289,7 +12304,7 @@
               </a:ln>
               <a:extLst>
                 <a:ext uri="{91240B29-F687-4f45-9708-019B960494DF}">
-                  <a14:hiddenLine xmlns="" xmlns:a14="http://schemas.microsoft.com/office/drawing/2010/main" w="9525">
+                  <a14:hiddenLine xmlns:a14="http://schemas.microsoft.com/office/drawing/2010/main" xmlns="" w="9525">
                     <a:solidFill>
                       <a:srgbClr val="000000"/>
                     </a:solidFill>
@@ -12429,7 +12444,7 @@
           <a:p>
             <a:fld id="{284C8721-1C40-4524-842F-21625BA441C8}" type="datetime1">
               <a:rPr lang="en-GB" smtClean="0"/>
-              <a:t>30/12/2019</a:t>
+              <a:t>03/01/2020</a:t>
             </a:fld>
             <a:endParaRPr lang="en-GB"/>
           </a:p>
@@ -12964,7 +12979,7 @@
           <a:p>
             <a:fld id="{C62E1C63-9F72-48A8-86E0-61074A436106}" type="datetime1">
               <a:rPr lang="en-GB" smtClean="0"/>
-              <a:t>30/12/2019</a:t>
+              <a:t>03/01/2020</a:t>
             </a:fld>
             <a:endParaRPr lang="en-GB"/>
           </a:p>
@@ -13179,7 +13194,7 @@
           <a:p>
             <a:fld id="{D640B411-8FBB-45AA-9D73-8893D5C6FB80}" type="datetime1">
               <a:rPr lang="en-GB" smtClean="0"/>
-              <a:t>30/12/2019</a:t>
+              <a:t>03/01/2020</a:t>
             </a:fld>
             <a:endParaRPr lang="en-GB"/>
           </a:p>
@@ -13701,7 +13716,7 @@
           <a:p>
             <a:fld id="{D640B411-8FBB-45AA-9D73-8893D5C6FB80}" type="datetime1">
               <a:rPr lang="en-GB" smtClean="0"/>
-              <a:t>30/12/2019</a:t>
+              <a:t>03/01/2020</a:t>
             </a:fld>
             <a:endParaRPr lang="en-GB"/>
           </a:p>
@@ -13799,7 +13814,7 @@
           <p:cNvPr id="2" name="Titel 1">
             <a:extLst>
               <a:ext uri="{FF2B5EF4-FFF2-40B4-BE49-F238E27FC236}">
-                <a16:creationId xmlns:a16="http://schemas.microsoft.com/office/drawing/2014/main" id="{D28AC44A-92E1-4FE0-A082-28B9135819E2}"/>
+                <a16:creationId xmlns:a16="http://schemas.microsoft.com/office/drawing/2014/main" id="{55608B3A-95DB-45A6-9E9E-B132C9F37DB8}"/>
               </a:ext>
             </a:extLst>
           </p:cNvPr>
@@ -13832,7 +13847,7 @@
           <p:cNvPr id="3" name="Inhaltsplatzhalter 2">
             <a:extLst>
               <a:ext uri="{FF2B5EF4-FFF2-40B4-BE49-F238E27FC236}">
-                <a16:creationId xmlns:a16="http://schemas.microsoft.com/office/drawing/2014/main" id="{A5632408-9856-4562-96D9-A8F37C801849}"/>
+                <a16:creationId xmlns:a16="http://schemas.microsoft.com/office/drawing/2014/main" id="{CD954C63-1417-4D20-9B14-083A563ADA4B}"/>
               </a:ext>
             </a:extLst>
           </p:cNvPr>
@@ -13848,12 +13863,12 @@
           <a:bodyPr/>
           <a:lstStyle/>
           <a:p>
-            <a:pPr marL="457200" lvl="1" indent="0">
+            <a:pPr marL="0" indent="0">
               <a:buNone/>
             </a:pPr>
             <a:r>
               <a:rPr lang="de-DE" dirty="0"/>
-              <a:t>Pseudoalgorithmus:</a:t>
+              <a:t>Pseudoalgorithmus</a:t>
             </a:r>
             <a:endParaRPr lang="en-GB" dirty="0"/>
           </a:p>
@@ -13864,7 +13879,7 @@
           <p:cNvPr id="4" name="Datumsplatzhalter 3">
             <a:extLst>
               <a:ext uri="{FF2B5EF4-FFF2-40B4-BE49-F238E27FC236}">
-                <a16:creationId xmlns:a16="http://schemas.microsoft.com/office/drawing/2014/main" id="{EC1739F2-3064-4DE6-BEAE-B169F2FD9168}"/>
+                <a16:creationId xmlns:a16="http://schemas.microsoft.com/office/drawing/2014/main" id="{E46BA8EF-32BB-4F3D-B123-40C3B72E013D}"/>
               </a:ext>
             </a:extLst>
           </p:cNvPr>
@@ -13882,7 +13897,7 @@
           <a:p>
             <a:fld id="{D640B411-8FBB-45AA-9D73-8893D5C6FB80}" type="datetime1">
               <a:rPr lang="en-GB" smtClean="0"/>
-              <a:t>30/12/2019</a:t>
+              <a:t>03/01/2020</a:t>
             </a:fld>
             <a:endParaRPr lang="en-GB"/>
           </a:p>
@@ -13893,7 +13908,7 @@
           <p:cNvPr id="5" name="Fußzeilenplatzhalter 4">
             <a:extLst>
               <a:ext uri="{FF2B5EF4-FFF2-40B4-BE49-F238E27FC236}">
-                <a16:creationId xmlns:a16="http://schemas.microsoft.com/office/drawing/2014/main" id="{1D795492-10BA-4BAB-B397-1997D998A6DF}"/>
+                <a16:creationId xmlns:a16="http://schemas.microsoft.com/office/drawing/2014/main" id="{87429537-6092-4ECC-B951-BD64EF04EF1C}"/>
               </a:ext>
             </a:extLst>
           </p:cNvPr>
@@ -13921,7 +13936,7 @@
           <p:cNvPr id="6" name="Foliennummernplatzhalter 5">
             <a:extLst>
               <a:ext uri="{FF2B5EF4-FFF2-40B4-BE49-F238E27FC236}">
-                <a16:creationId xmlns:a16="http://schemas.microsoft.com/office/drawing/2014/main" id="{37002A22-55D2-4314-81A1-3E53399D23DD}"/>
+                <a16:creationId xmlns:a16="http://schemas.microsoft.com/office/drawing/2014/main" id="{A66AA061-191F-41FD-B392-8CD4D343BA64}"/>
               </a:ext>
             </a:extLst>
           </p:cNvPr>
@@ -13950,7 +13965,7 @@
           <p:cNvPr id="7" name="Grafik 6">
             <a:extLst>
               <a:ext uri="{FF2B5EF4-FFF2-40B4-BE49-F238E27FC236}">
-                <a16:creationId xmlns:a16="http://schemas.microsoft.com/office/drawing/2014/main" id="{044E9C9C-177F-4C78-8D6D-A0609B482E88}"/>
+                <a16:creationId xmlns:a16="http://schemas.microsoft.com/office/drawing/2014/main" id="{0242E2E4-DA82-41C8-A398-9EE470656704}"/>
               </a:ext>
             </a:extLst>
           </p:cNvPr>
@@ -13978,7 +13993,7 @@
     </p:spTree>
     <p:extLst>
       <p:ext uri="{BB962C8B-B14F-4D97-AF65-F5344CB8AC3E}">
-        <p14:creationId xmlns:p14="http://schemas.microsoft.com/office/powerpoint/2010/main" val="3848895984"/>
+        <p14:creationId xmlns:p14="http://schemas.microsoft.com/office/powerpoint/2010/main" val="3561909853"/>
       </p:ext>
     </p:extLst>
   </p:cSld>
@@ -14010,6 +14025,217 @@
           <p:cNvPr id="2" name="Titel 1">
             <a:extLst>
               <a:ext uri="{FF2B5EF4-FFF2-40B4-BE49-F238E27FC236}">
+                <a16:creationId xmlns:a16="http://schemas.microsoft.com/office/drawing/2014/main" id="{55608B3A-95DB-45A6-9E9E-B132C9F37DB8}"/>
+              </a:ext>
+            </a:extLst>
+          </p:cNvPr>
+          <p:cNvSpPr>
+            <a:spLocks noGrp="1"/>
+          </p:cNvSpPr>
+          <p:nvPr>
+            <p:ph type="title"/>
+          </p:nvPr>
+        </p:nvSpPr>
+        <p:spPr/>
+        <p:txBody>
+          <a:bodyPr/>
+          <a:lstStyle/>
+          <a:p>
+            <a:r>
+              <a:rPr lang="de-DE" dirty="0"/>
+              <a:t>Gradient </a:t>
+            </a:r>
+            <a:r>
+              <a:rPr lang="de-DE" dirty="0" err="1"/>
+              <a:t>Descent</a:t>
+            </a:r>
+            <a:endParaRPr lang="en-GB" dirty="0"/>
+          </a:p>
+        </p:txBody>
+      </p:sp>
+      <p:sp>
+        <p:nvSpPr>
+          <p:cNvPr id="3" name="Inhaltsplatzhalter 2">
+            <a:extLst>
+              <a:ext uri="{FF2B5EF4-FFF2-40B4-BE49-F238E27FC236}">
+                <a16:creationId xmlns:a16="http://schemas.microsoft.com/office/drawing/2014/main" id="{CD954C63-1417-4D20-9B14-083A563ADA4B}"/>
+              </a:ext>
+            </a:extLst>
+          </p:cNvPr>
+          <p:cNvSpPr>
+            <a:spLocks noGrp="1"/>
+          </p:cNvSpPr>
+          <p:nvPr>
+            <p:ph idx="1"/>
+          </p:nvPr>
+        </p:nvSpPr>
+        <p:spPr/>
+        <p:txBody>
+          <a:bodyPr/>
+          <a:lstStyle/>
+          <a:p>
+            <a:pPr marL="0" indent="0">
+              <a:buNone/>
+            </a:pPr>
+            <a:r>
+              <a:rPr lang="de-DE" dirty="0"/>
+              <a:t>Definition</a:t>
+            </a:r>
+            <a:endParaRPr lang="en-GB" dirty="0"/>
+          </a:p>
+        </p:txBody>
+      </p:sp>
+      <p:sp>
+        <p:nvSpPr>
+          <p:cNvPr id="4" name="Datumsplatzhalter 3">
+            <a:extLst>
+              <a:ext uri="{FF2B5EF4-FFF2-40B4-BE49-F238E27FC236}">
+                <a16:creationId xmlns:a16="http://schemas.microsoft.com/office/drawing/2014/main" id="{E46BA8EF-32BB-4F3D-B123-40C3B72E013D}"/>
+              </a:ext>
+            </a:extLst>
+          </p:cNvPr>
+          <p:cNvSpPr>
+            <a:spLocks noGrp="1"/>
+          </p:cNvSpPr>
+          <p:nvPr>
+            <p:ph type="dt" sz="half" idx="10"/>
+          </p:nvPr>
+        </p:nvSpPr>
+        <p:spPr/>
+        <p:txBody>
+          <a:bodyPr/>
+          <a:lstStyle/>
+          <a:p>
+            <a:fld id="{D640B411-8FBB-45AA-9D73-8893D5C6FB80}" type="datetime1">
+              <a:rPr lang="en-GB" smtClean="0"/>
+              <a:t>03/01/2020</a:t>
+            </a:fld>
+            <a:endParaRPr lang="en-GB"/>
+          </a:p>
+        </p:txBody>
+      </p:sp>
+      <p:sp>
+        <p:nvSpPr>
+          <p:cNvPr id="5" name="Fußzeilenplatzhalter 4">
+            <a:extLst>
+              <a:ext uri="{FF2B5EF4-FFF2-40B4-BE49-F238E27FC236}">
+                <a16:creationId xmlns:a16="http://schemas.microsoft.com/office/drawing/2014/main" id="{87429537-6092-4ECC-B951-BD64EF04EF1C}"/>
+              </a:ext>
+            </a:extLst>
+          </p:cNvPr>
+          <p:cNvSpPr>
+            <a:spLocks noGrp="1"/>
+          </p:cNvSpPr>
+          <p:nvPr>
+            <p:ph type="ftr" sz="quarter" idx="11"/>
+          </p:nvPr>
+        </p:nvSpPr>
+        <p:spPr/>
+        <p:txBody>
+          <a:bodyPr/>
+          <a:lstStyle/>
+          <a:p>
+            <a:r>
+              <a:rPr lang="en-GB"/>
+              <a:t>Victor Wolf - MatNr 845615</a:t>
+            </a:r>
+          </a:p>
+        </p:txBody>
+      </p:sp>
+      <p:sp>
+        <p:nvSpPr>
+          <p:cNvPr id="6" name="Foliennummernplatzhalter 5">
+            <a:extLst>
+              <a:ext uri="{FF2B5EF4-FFF2-40B4-BE49-F238E27FC236}">
+                <a16:creationId xmlns:a16="http://schemas.microsoft.com/office/drawing/2014/main" id="{A66AA061-191F-41FD-B392-8CD4D343BA64}"/>
+              </a:ext>
+            </a:extLst>
+          </p:cNvPr>
+          <p:cNvSpPr>
+            <a:spLocks noGrp="1"/>
+          </p:cNvSpPr>
+          <p:nvPr>
+            <p:ph type="sldNum" sz="quarter" idx="12"/>
+          </p:nvPr>
+        </p:nvSpPr>
+        <p:spPr/>
+        <p:txBody>
+          <a:bodyPr/>
+          <a:lstStyle/>
+          <a:p>
+            <a:fld id="{C83A9D47-5F05-47CE-B9DC-CA0DD84831B9}" type="slidenum">
+              <a:rPr lang="en-GB" smtClean="0"/>
+              <a:t>13</a:t>
+            </a:fld>
+            <a:endParaRPr lang="en-GB"/>
+          </a:p>
+        </p:txBody>
+      </p:sp>
+      <p:pic>
+        <p:nvPicPr>
+          <p:cNvPr id="7" name="Grafik 6">
+            <a:extLst>
+              <a:ext uri="{FF2B5EF4-FFF2-40B4-BE49-F238E27FC236}">
+                <a16:creationId xmlns:a16="http://schemas.microsoft.com/office/drawing/2014/main" id="{0F7A5708-B689-4587-9E07-A3D663D348CF}"/>
+              </a:ext>
+            </a:extLst>
+          </p:cNvPr>
+          <p:cNvPicPr>
+            <a:picLocks noChangeAspect="1"/>
+          </p:cNvPicPr>
+          <p:nvPr/>
+        </p:nvPicPr>
+        <p:blipFill>
+          <a:blip r:embed="rId2"/>
+          <a:stretch>
+            <a:fillRect/>
+          </a:stretch>
+        </p:blipFill>
+        <p:spPr>
+          <a:xfrm>
+            <a:off x="2170546" y="3191669"/>
+            <a:ext cx="8105775" cy="1657350"/>
+          </a:xfrm>
+          <a:prstGeom prst="rect">
+            <a:avLst/>
+          </a:prstGeom>
+        </p:spPr>
+      </p:pic>
+    </p:spTree>
+    <p:extLst>
+      <p:ext uri="{BB962C8B-B14F-4D97-AF65-F5344CB8AC3E}">
+        <p14:creationId xmlns:p14="http://schemas.microsoft.com/office/powerpoint/2010/main" val="3154900828"/>
+      </p:ext>
+    </p:extLst>
+  </p:cSld>
+  <p:clrMapOvr>
+    <a:masterClrMapping/>
+  </p:clrMapOvr>
+</p:sld>
+</file>
+
+<file path=ppt/slides/slide14.xml><?xml version="1.0" encoding="utf-8"?>
+<p:sld xmlns:a="http://schemas.openxmlformats.org/drawingml/2006/main" xmlns:r="http://schemas.openxmlformats.org/officeDocument/2006/relationships" xmlns:p="http://schemas.openxmlformats.org/presentationml/2006/main">
+  <p:cSld>
+    <p:spTree>
+      <p:nvGrpSpPr>
+        <p:cNvPr id="1" name=""/>
+        <p:cNvGrpSpPr/>
+        <p:nvPr/>
+      </p:nvGrpSpPr>
+      <p:grpSpPr>
+        <a:xfrm>
+          <a:off x="0" y="0"/>
+          <a:ext cx="0" cy="0"/>
+          <a:chOff x="0" y="0"/>
+          <a:chExt cx="0" cy="0"/>
+        </a:xfrm>
+      </p:grpSpPr>
+      <p:sp>
+        <p:nvSpPr>
+          <p:cNvPr id="2" name="Titel 1">
+            <a:extLst>
+              <a:ext uri="{FF2B5EF4-FFF2-40B4-BE49-F238E27FC236}">
                 <a16:creationId xmlns:a16="http://schemas.microsoft.com/office/drawing/2014/main" id="{A60BF619-DAAB-4C73-A8F9-DBE5C447B473}"/>
               </a:ext>
             </a:extLst>
@@ -14256,7 +14482,7 @@
           <a:p>
             <a:fld id="{D640B411-8FBB-45AA-9D73-8893D5C6FB80}" type="datetime1">
               <a:rPr lang="en-GB" smtClean="0"/>
-              <a:t>30/12/2019</a:t>
+              <a:t>03/01/2020</a:t>
             </a:fld>
             <a:endParaRPr lang="en-GB"/>
           </a:p>
@@ -14313,7 +14539,7 @@
           <a:p>
             <a:fld id="{C83A9D47-5F05-47CE-B9DC-CA0DD84831B9}" type="slidenum">
               <a:rPr lang="en-GB" smtClean="0"/>
-              <a:t>13</a:t>
+              <a:t>14</a:t>
             </a:fld>
             <a:endParaRPr lang="en-GB"/>
           </a:p>
@@ -14667,7 +14893,7 @@
 </p:sld>
 </file>
 
-<file path=ppt/slides/slide14.xml><?xml version="1.0" encoding="utf-8"?>
+<file path=ppt/slides/slide15.xml><?xml version="1.0" encoding="utf-8"?>
 <p:sld xmlns:a="http://schemas.openxmlformats.org/drawingml/2006/main" xmlns:r="http://schemas.openxmlformats.org/officeDocument/2006/relationships" xmlns:p="http://schemas.openxmlformats.org/presentationml/2006/main">
   <p:cSld>
     <p:spTree>
@@ -14734,10 +14960,32 @@
           <a:bodyPr/>
           <a:lstStyle/>
           <a:p>
-            <a:pPr marL="0" indent="0">
-              <a:buNone/>
-            </a:pPr>
+            <a:r>
+              <a:rPr lang="de-DE" dirty="0" err="1"/>
+              <a:t>Stochastic</a:t>
+            </a:r>
+            <a:r>
+              <a:rPr lang="de-DE" dirty="0"/>
+              <a:t> Gradient </a:t>
+            </a:r>
+            <a:r>
+              <a:rPr lang="de-DE" dirty="0" err="1"/>
+              <a:t>Descent</a:t>
+            </a:r>
             <a:endParaRPr lang="de-DE" dirty="0"/>
+          </a:p>
+          <a:p>
+            <a:r>
+              <a:rPr lang="de-DE" dirty="0" err="1"/>
+              <a:t>Adagrad</a:t>
+            </a:r>
+            <a:endParaRPr lang="de-DE" dirty="0"/>
+          </a:p>
+          <a:p>
+            <a:r>
+              <a:rPr lang="de-DE" dirty="0"/>
+              <a:t>ADAM</a:t>
+            </a:r>
           </a:p>
         </p:txBody>
       </p:sp>
@@ -14764,7 +15012,7 @@
           <a:p>
             <a:fld id="{D640B411-8FBB-45AA-9D73-8893D5C6FB80}" type="datetime1">
               <a:rPr lang="en-GB" smtClean="0"/>
-              <a:t>30/12/2019</a:t>
+              <a:t>03/01/2020</a:t>
             </a:fld>
             <a:endParaRPr lang="en-GB"/>
           </a:p>
@@ -14821,7 +15069,7 @@
           <a:p>
             <a:fld id="{C83A9D47-5F05-47CE-B9DC-CA0DD84831B9}" type="slidenum">
               <a:rPr lang="en-GB" smtClean="0"/>
-              <a:t>14</a:t>
+              <a:t>15</a:t>
             </a:fld>
             <a:endParaRPr lang="en-GB"/>
           </a:p>
@@ -14831,6 +15079,1034 @@
     <p:extLst>
       <p:ext uri="{BB962C8B-B14F-4D97-AF65-F5344CB8AC3E}">
         <p14:creationId xmlns:p14="http://schemas.microsoft.com/office/powerpoint/2010/main" val="324114904"/>
+      </p:ext>
+    </p:extLst>
+  </p:cSld>
+  <p:clrMapOvr>
+    <a:masterClrMapping/>
+  </p:clrMapOvr>
+  <p:timing>
+    <p:tnLst>
+      <p:par>
+        <p:cTn id="1" dur="indefinite" restart="never" nodeType="tmRoot">
+          <p:childTnLst>
+            <p:seq concurrent="1" nextAc="seek">
+              <p:cTn id="2" dur="indefinite" nodeType="mainSeq">
+                <p:childTnLst>
+                  <p:par>
+                    <p:cTn id="3" fill="hold">
+                      <p:stCondLst>
+                        <p:cond delay="indefinite"/>
+                      </p:stCondLst>
+                      <p:childTnLst>
+                        <p:par>
+                          <p:cTn id="4" fill="hold">
+                            <p:stCondLst>
+                              <p:cond delay="0"/>
+                            </p:stCondLst>
+                            <p:childTnLst>
+                              <p:par>
+                                <p:cTn id="5" presetID="10" presetClass="entr" presetSubtype="0" fill="hold" grpId="0" nodeType="clickEffect">
+                                  <p:stCondLst>
+                                    <p:cond delay="0"/>
+                                  </p:stCondLst>
+                                  <p:childTnLst>
+                                    <p:set>
+                                      <p:cBhvr>
+                                        <p:cTn id="6" dur="1" fill="hold">
+                                          <p:stCondLst>
+                                            <p:cond delay="0"/>
+                                          </p:stCondLst>
+                                        </p:cTn>
+                                        <p:tgtEl>
+                                          <p:spTgt spid="3">
+                                            <p:txEl>
+                                              <p:pRg st="0" end="0"/>
+                                            </p:txEl>
+                                          </p:spTgt>
+                                        </p:tgtEl>
+                                        <p:attrNameLst>
+                                          <p:attrName>style.visibility</p:attrName>
+                                        </p:attrNameLst>
+                                      </p:cBhvr>
+                                      <p:to>
+                                        <p:strVal val="visible"/>
+                                      </p:to>
+                                    </p:set>
+                                    <p:animEffect transition="in" filter="fade">
+                                      <p:cBhvr>
+                                        <p:cTn id="7" dur="500"/>
+                                        <p:tgtEl>
+                                          <p:spTgt spid="3">
+                                            <p:txEl>
+                                              <p:pRg st="0" end="0"/>
+                                            </p:txEl>
+                                          </p:spTgt>
+                                        </p:tgtEl>
+                                      </p:cBhvr>
+                                    </p:animEffect>
+                                  </p:childTnLst>
+                                </p:cTn>
+                              </p:par>
+                            </p:childTnLst>
+                          </p:cTn>
+                        </p:par>
+                      </p:childTnLst>
+                    </p:cTn>
+                  </p:par>
+                  <p:par>
+                    <p:cTn id="8" fill="hold">
+                      <p:stCondLst>
+                        <p:cond delay="indefinite"/>
+                      </p:stCondLst>
+                      <p:childTnLst>
+                        <p:par>
+                          <p:cTn id="9" fill="hold">
+                            <p:stCondLst>
+                              <p:cond delay="0"/>
+                            </p:stCondLst>
+                            <p:childTnLst>
+                              <p:par>
+                                <p:cTn id="10" presetID="10" presetClass="entr" presetSubtype="0" fill="hold" grpId="0" nodeType="clickEffect">
+                                  <p:stCondLst>
+                                    <p:cond delay="0"/>
+                                  </p:stCondLst>
+                                  <p:childTnLst>
+                                    <p:set>
+                                      <p:cBhvr>
+                                        <p:cTn id="11" dur="1" fill="hold">
+                                          <p:stCondLst>
+                                            <p:cond delay="0"/>
+                                          </p:stCondLst>
+                                        </p:cTn>
+                                        <p:tgtEl>
+                                          <p:spTgt spid="3">
+                                            <p:txEl>
+                                              <p:pRg st="1" end="1"/>
+                                            </p:txEl>
+                                          </p:spTgt>
+                                        </p:tgtEl>
+                                        <p:attrNameLst>
+                                          <p:attrName>style.visibility</p:attrName>
+                                        </p:attrNameLst>
+                                      </p:cBhvr>
+                                      <p:to>
+                                        <p:strVal val="visible"/>
+                                      </p:to>
+                                    </p:set>
+                                    <p:animEffect transition="in" filter="fade">
+                                      <p:cBhvr>
+                                        <p:cTn id="12" dur="500"/>
+                                        <p:tgtEl>
+                                          <p:spTgt spid="3">
+                                            <p:txEl>
+                                              <p:pRg st="1" end="1"/>
+                                            </p:txEl>
+                                          </p:spTgt>
+                                        </p:tgtEl>
+                                      </p:cBhvr>
+                                    </p:animEffect>
+                                  </p:childTnLst>
+                                </p:cTn>
+                              </p:par>
+                            </p:childTnLst>
+                          </p:cTn>
+                        </p:par>
+                      </p:childTnLst>
+                    </p:cTn>
+                  </p:par>
+                  <p:par>
+                    <p:cTn id="13" fill="hold">
+                      <p:stCondLst>
+                        <p:cond delay="indefinite"/>
+                      </p:stCondLst>
+                      <p:childTnLst>
+                        <p:par>
+                          <p:cTn id="14" fill="hold">
+                            <p:stCondLst>
+                              <p:cond delay="0"/>
+                            </p:stCondLst>
+                            <p:childTnLst>
+                              <p:par>
+                                <p:cTn id="15" presetID="10" presetClass="entr" presetSubtype="0" fill="hold" grpId="0" nodeType="clickEffect">
+                                  <p:stCondLst>
+                                    <p:cond delay="0"/>
+                                  </p:stCondLst>
+                                  <p:childTnLst>
+                                    <p:set>
+                                      <p:cBhvr>
+                                        <p:cTn id="16" dur="1" fill="hold">
+                                          <p:stCondLst>
+                                            <p:cond delay="0"/>
+                                          </p:stCondLst>
+                                        </p:cTn>
+                                        <p:tgtEl>
+                                          <p:spTgt spid="3">
+                                            <p:txEl>
+                                              <p:pRg st="2" end="2"/>
+                                            </p:txEl>
+                                          </p:spTgt>
+                                        </p:tgtEl>
+                                        <p:attrNameLst>
+                                          <p:attrName>style.visibility</p:attrName>
+                                        </p:attrNameLst>
+                                      </p:cBhvr>
+                                      <p:to>
+                                        <p:strVal val="visible"/>
+                                      </p:to>
+                                    </p:set>
+                                    <p:animEffect transition="in" filter="fade">
+                                      <p:cBhvr>
+                                        <p:cTn id="17" dur="500"/>
+                                        <p:tgtEl>
+                                          <p:spTgt spid="3">
+                                            <p:txEl>
+                                              <p:pRg st="2" end="2"/>
+                                            </p:txEl>
+                                          </p:spTgt>
+                                        </p:tgtEl>
+                                      </p:cBhvr>
+                                    </p:animEffect>
+                                  </p:childTnLst>
+                                </p:cTn>
+                              </p:par>
+                            </p:childTnLst>
+                          </p:cTn>
+                        </p:par>
+                      </p:childTnLst>
+                    </p:cTn>
+                  </p:par>
+                </p:childTnLst>
+              </p:cTn>
+              <p:prevCondLst>
+                <p:cond evt="onPrev" delay="0">
+                  <p:tgtEl>
+                    <p:sldTgt/>
+                  </p:tgtEl>
+                </p:cond>
+              </p:prevCondLst>
+              <p:nextCondLst>
+                <p:cond evt="onNext" delay="0">
+                  <p:tgtEl>
+                    <p:sldTgt/>
+                  </p:tgtEl>
+                </p:cond>
+              </p:nextCondLst>
+            </p:seq>
+          </p:childTnLst>
+        </p:cTn>
+      </p:par>
+    </p:tnLst>
+    <p:bldLst>
+      <p:bldP spid="3" grpId="0" build="p"/>
+    </p:bldLst>
+  </p:timing>
+</p:sld>
+</file>
+
+<file path=ppt/slides/slide16.xml><?xml version="1.0" encoding="utf-8"?>
+<p:sld xmlns:a="http://schemas.openxmlformats.org/drawingml/2006/main" xmlns:r="http://schemas.openxmlformats.org/officeDocument/2006/relationships" xmlns:p="http://schemas.openxmlformats.org/presentationml/2006/main">
+  <p:cSld>
+    <p:spTree>
+      <p:nvGrpSpPr>
+        <p:cNvPr id="1" name=""/>
+        <p:cNvGrpSpPr/>
+        <p:nvPr/>
+      </p:nvGrpSpPr>
+      <p:grpSpPr>
+        <a:xfrm>
+          <a:off x="0" y="0"/>
+          <a:ext cx="0" cy="0"/>
+          <a:chOff x="0" y="0"/>
+          <a:chExt cx="0" cy="0"/>
+        </a:xfrm>
+      </p:grpSpPr>
+      <p:sp>
+        <p:nvSpPr>
+          <p:cNvPr id="2" name="Titel 1">
+            <a:extLst>
+              <a:ext uri="{FF2B5EF4-FFF2-40B4-BE49-F238E27FC236}">
+                <a16:creationId xmlns:a16="http://schemas.microsoft.com/office/drawing/2014/main" id="{ACB13446-C68C-46E1-9B51-23E7CA52CE2B}"/>
+              </a:ext>
+            </a:extLst>
+          </p:cNvPr>
+          <p:cNvSpPr>
+            <a:spLocks noGrp="1"/>
+          </p:cNvSpPr>
+          <p:nvPr>
+            <p:ph type="title"/>
+          </p:nvPr>
+        </p:nvSpPr>
+        <p:spPr/>
+        <p:txBody>
+          <a:bodyPr/>
+          <a:lstStyle/>
+          <a:p>
+            <a:r>
+              <a:rPr lang="de-DE" dirty="0"/>
+              <a:t>Optimierungsmethoden</a:t>
+            </a:r>
+            <a:endParaRPr lang="en-GB" dirty="0"/>
+          </a:p>
+        </p:txBody>
+      </p:sp>
+      <p:sp>
+        <p:nvSpPr>
+          <p:cNvPr id="3" name="Inhaltsplatzhalter 2">
+            <a:extLst>
+              <a:ext uri="{FF2B5EF4-FFF2-40B4-BE49-F238E27FC236}">
+                <a16:creationId xmlns:a16="http://schemas.microsoft.com/office/drawing/2014/main" id="{3AFF6117-9625-4409-AECB-84AA286CB8FB}"/>
+              </a:ext>
+            </a:extLst>
+          </p:cNvPr>
+          <p:cNvSpPr>
+            <a:spLocks noGrp="1"/>
+          </p:cNvSpPr>
+          <p:nvPr>
+            <p:ph idx="1"/>
+          </p:nvPr>
+        </p:nvSpPr>
+        <p:spPr/>
+        <p:txBody>
+          <a:bodyPr/>
+          <a:lstStyle/>
+          <a:p>
+            <a:pPr marL="0" indent="0">
+              <a:buNone/>
+            </a:pPr>
+            <a:r>
+              <a:rPr lang="de-DE" dirty="0" err="1"/>
+              <a:t>Stochastic</a:t>
+            </a:r>
+            <a:r>
+              <a:rPr lang="de-DE" dirty="0"/>
+              <a:t> Gradient </a:t>
+            </a:r>
+            <a:r>
+              <a:rPr lang="de-DE" dirty="0" err="1"/>
+              <a:t>Descent</a:t>
+            </a:r>
+            <a:r>
+              <a:rPr lang="de-DE" dirty="0"/>
+              <a:t>:</a:t>
+            </a:r>
+          </a:p>
+          <a:p>
+            <a:pPr marL="0" indent="0">
+              <a:buNone/>
+            </a:pPr>
+            <a:endParaRPr lang="en-GB" dirty="0"/>
+          </a:p>
+        </p:txBody>
+      </p:sp>
+      <p:sp>
+        <p:nvSpPr>
+          <p:cNvPr id="4" name="Datumsplatzhalter 3">
+            <a:extLst>
+              <a:ext uri="{FF2B5EF4-FFF2-40B4-BE49-F238E27FC236}">
+                <a16:creationId xmlns:a16="http://schemas.microsoft.com/office/drawing/2014/main" id="{54510F15-DCBA-427F-BB29-A40805B88596}"/>
+              </a:ext>
+            </a:extLst>
+          </p:cNvPr>
+          <p:cNvSpPr>
+            <a:spLocks noGrp="1"/>
+          </p:cNvSpPr>
+          <p:nvPr>
+            <p:ph type="dt" sz="half" idx="10"/>
+          </p:nvPr>
+        </p:nvSpPr>
+        <p:spPr/>
+        <p:txBody>
+          <a:bodyPr/>
+          <a:lstStyle/>
+          <a:p>
+            <a:fld id="{D640B411-8FBB-45AA-9D73-8893D5C6FB80}" type="datetime1">
+              <a:rPr lang="en-GB" smtClean="0"/>
+              <a:t>03/01/2020</a:t>
+            </a:fld>
+            <a:endParaRPr lang="en-GB"/>
+          </a:p>
+        </p:txBody>
+      </p:sp>
+      <p:sp>
+        <p:nvSpPr>
+          <p:cNvPr id="5" name="Fußzeilenplatzhalter 4">
+            <a:extLst>
+              <a:ext uri="{FF2B5EF4-FFF2-40B4-BE49-F238E27FC236}">
+                <a16:creationId xmlns:a16="http://schemas.microsoft.com/office/drawing/2014/main" id="{8F00A738-A681-4A73-8954-77BF58E050F9}"/>
+              </a:ext>
+            </a:extLst>
+          </p:cNvPr>
+          <p:cNvSpPr>
+            <a:spLocks noGrp="1"/>
+          </p:cNvSpPr>
+          <p:nvPr>
+            <p:ph type="ftr" sz="quarter" idx="11"/>
+          </p:nvPr>
+        </p:nvSpPr>
+        <p:spPr/>
+        <p:txBody>
+          <a:bodyPr/>
+          <a:lstStyle/>
+          <a:p>
+            <a:r>
+              <a:rPr lang="en-GB"/>
+              <a:t>Victor Wolf - MatNr 845615</a:t>
+            </a:r>
+          </a:p>
+        </p:txBody>
+      </p:sp>
+      <p:sp>
+        <p:nvSpPr>
+          <p:cNvPr id="6" name="Foliennummernplatzhalter 5">
+            <a:extLst>
+              <a:ext uri="{FF2B5EF4-FFF2-40B4-BE49-F238E27FC236}">
+                <a16:creationId xmlns:a16="http://schemas.microsoft.com/office/drawing/2014/main" id="{F4BAEDDF-B849-4577-9185-AE8BAFB602D6}"/>
+              </a:ext>
+            </a:extLst>
+          </p:cNvPr>
+          <p:cNvSpPr>
+            <a:spLocks noGrp="1"/>
+          </p:cNvSpPr>
+          <p:nvPr>
+            <p:ph type="sldNum" sz="quarter" idx="12"/>
+          </p:nvPr>
+        </p:nvSpPr>
+        <p:spPr/>
+        <p:txBody>
+          <a:bodyPr/>
+          <a:lstStyle/>
+          <a:p>
+            <a:fld id="{C83A9D47-5F05-47CE-B9DC-CA0DD84831B9}" type="slidenum">
+              <a:rPr lang="en-GB" smtClean="0"/>
+              <a:t>16</a:t>
+            </a:fld>
+            <a:endParaRPr lang="en-GB"/>
+          </a:p>
+        </p:txBody>
+      </p:sp>
+      <p:pic>
+        <p:nvPicPr>
+          <p:cNvPr id="7" name="Grafik 6">
+            <a:extLst>
+              <a:ext uri="{FF2B5EF4-FFF2-40B4-BE49-F238E27FC236}">
+                <a16:creationId xmlns:a16="http://schemas.microsoft.com/office/drawing/2014/main" id="{0C3779D7-259E-4A04-B847-6093334F8CC5}"/>
+              </a:ext>
+            </a:extLst>
+          </p:cNvPr>
+          <p:cNvPicPr>
+            <a:picLocks noChangeAspect="1"/>
+          </p:cNvPicPr>
+          <p:nvPr/>
+        </p:nvPicPr>
+        <p:blipFill>
+          <a:blip r:embed="rId2"/>
+          <a:stretch>
+            <a:fillRect/>
+          </a:stretch>
+        </p:blipFill>
+        <p:spPr>
+          <a:xfrm>
+            <a:off x="1875271" y="3320256"/>
+            <a:ext cx="8324850" cy="1400175"/>
+          </a:xfrm>
+          <a:prstGeom prst="rect">
+            <a:avLst/>
+          </a:prstGeom>
+        </p:spPr>
+      </p:pic>
+    </p:spTree>
+    <p:extLst>
+      <p:ext uri="{BB962C8B-B14F-4D97-AF65-F5344CB8AC3E}">
+        <p14:creationId xmlns:p14="http://schemas.microsoft.com/office/powerpoint/2010/main" val="1033444122"/>
+      </p:ext>
+    </p:extLst>
+  </p:cSld>
+  <p:clrMapOvr>
+    <a:masterClrMapping/>
+  </p:clrMapOvr>
+</p:sld>
+</file>
+
+<file path=ppt/slides/slide17.xml><?xml version="1.0" encoding="utf-8"?>
+<p:sld xmlns:a="http://schemas.openxmlformats.org/drawingml/2006/main" xmlns:r="http://schemas.openxmlformats.org/officeDocument/2006/relationships" xmlns:p="http://schemas.openxmlformats.org/presentationml/2006/main">
+  <p:cSld>
+    <p:spTree>
+      <p:nvGrpSpPr>
+        <p:cNvPr id="1" name=""/>
+        <p:cNvGrpSpPr/>
+        <p:nvPr/>
+      </p:nvGrpSpPr>
+      <p:grpSpPr>
+        <a:xfrm>
+          <a:off x="0" y="0"/>
+          <a:ext cx="0" cy="0"/>
+          <a:chOff x="0" y="0"/>
+          <a:chExt cx="0" cy="0"/>
+        </a:xfrm>
+      </p:grpSpPr>
+      <p:sp>
+        <p:nvSpPr>
+          <p:cNvPr id="2" name="Titel 1">
+            <a:extLst>
+              <a:ext uri="{FF2B5EF4-FFF2-40B4-BE49-F238E27FC236}">
+                <a16:creationId xmlns:a16="http://schemas.microsoft.com/office/drawing/2014/main" id="{E8A172E8-DCC7-44C3-BA2E-485AEB120CB0}"/>
+              </a:ext>
+            </a:extLst>
+          </p:cNvPr>
+          <p:cNvSpPr>
+            <a:spLocks noGrp="1"/>
+          </p:cNvSpPr>
+          <p:nvPr>
+            <p:ph type="title"/>
+          </p:nvPr>
+        </p:nvSpPr>
+        <p:spPr/>
+        <p:txBody>
+          <a:bodyPr/>
+          <a:lstStyle/>
+          <a:p>
+            <a:r>
+              <a:rPr lang="de-DE" dirty="0"/>
+              <a:t>Optimierungsmethoden</a:t>
+            </a:r>
+            <a:endParaRPr lang="en-GB" dirty="0"/>
+          </a:p>
+        </p:txBody>
+      </p:sp>
+      <p:sp>
+        <p:nvSpPr>
+          <p:cNvPr id="3" name="Inhaltsplatzhalter 2">
+            <a:extLst>
+              <a:ext uri="{FF2B5EF4-FFF2-40B4-BE49-F238E27FC236}">
+                <a16:creationId xmlns:a16="http://schemas.microsoft.com/office/drawing/2014/main" id="{D98B009C-28C6-47B1-B797-D9A026656C84}"/>
+              </a:ext>
+            </a:extLst>
+          </p:cNvPr>
+          <p:cNvSpPr>
+            <a:spLocks noGrp="1"/>
+          </p:cNvSpPr>
+          <p:nvPr>
+            <p:ph idx="1"/>
+          </p:nvPr>
+        </p:nvSpPr>
+        <p:spPr/>
+        <p:txBody>
+          <a:bodyPr/>
+          <a:lstStyle/>
+          <a:p>
+            <a:pPr marL="0" indent="0">
+              <a:buNone/>
+            </a:pPr>
+            <a:r>
+              <a:rPr lang="de-DE" dirty="0" err="1"/>
+              <a:t>Adagrad</a:t>
+            </a:r>
+            <a:r>
+              <a:rPr lang="de-DE" dirty="0"/>
+              <a:t>:</a:t>
+            </a:r>
+            <a:endParaRPr lang="en-GB" dirty="0"/>
+          </a:p>
+        </p:txBody>
+      </p:sp>
+      <p:sp>
+        <p:nvSpPr>
+          <p:cNvPr id="4" name="Datumsplatzhalter 3">
+            <a:extLst>
+              <a:ext uri="{FF2B5EF4-FFF2-40B4-BE49-F238E27FC236}">
+                <a16:creationId xmlns:a16="http://schemas.microsoft.com/office/drawing/2014/main" id="{6244C2F6-33AD-4179-9A0F-26A15CD96BD3}"/>
+              </a:ext>
+            </a:extLst>
+          </p:cNvPr>
+          <p:cNvSpPr>
+            <a:spLocks noGrp="1"/>
+          </p:cNvSpPr>
+          <p:nvPr>
+            <p:ph type="dt" sz="half" idx="10"/>
+          </p:nvPr>
+        </p:nvSpPr>
+        <p:spPr/>
+        <p:txBody>
+          <a:bodyPr/>
+          <a:lstStyle/>
+          <a:p>
+            <a:fld id="{D640B411-8FBB-45AA-9D73-8893D5C6FB80}" type="datetime1">
+              <a:rPr lang="en-GB" smtClean="0"/>
+              <a:t>03/01/2020</a:t>
+            </a:fld>
+            <a:endParaRPr lang="en-GB"/>
+          </a:p>
+        </p:txBody>
+      </p:sp>
+      <p:sp>
+        <p:nvSpPr>
+          <p:cNvPr id="5" name="Fußzeilenplatzhalter 4">
+            <a:extLst>
+              <a:ext uri="{FF2B5EF4-FFF2-40B4-BE49-F238E27FC236}">
+                <a16:creationId xmlns:a16="http://schemas.microsoft.com/office/drawing/2014/main" id="{C95BB800-E76F-4FDE-9239-DEF0A013A410}"/>
+              </a:ext>
+            </a:extLst>
+          </p:cNvPr>
+          <p:cNvSpPr>
+            <a:spLocks noGrp="1"/>
+          </p:cNvSpPr>
+          <p:nvPr>
+            <p:ph type="ftr" sz="quarter" idx="11"/>
+          </p:nvPr>
+        </p:nvSpPr>
+        <p:spPr/>
+        <p:txBody>
+          <a:bodyPr/>
+          <a:lstStyle/>
+          <a:p>
+            <a:r>
+              <a:rPr lang="en-GB"/>
+              <a:t>Victor Wolf - MatNr 845615</a:t>
+            </a:r>
+          </a:p>
+        </p:txBody>
+      </p:sp>
+      <p:sp>
+        <p:nvSpPr>
+          <p:cNvPr id="6" name="Foliennummernplatzhalter 5">
+            <a:extLst>
+              <a:ext uri="{FF2B5EF4-FFF2-40B4-BE49-F238E27FC236}">
+                <a16:creationId xmlns:a16="http://schemas.microsoft.com/office/drawing/2014/main" id="{763EE36C-8F0F-413B-8356-AB9C1A5E4382}"/>
+              </a:ext>
+            </a:extLst>
+          </p:cNvPr>
+          <p:cNvSpPr>
+            <a:spLocks noGrp="1"/>
+          </p:cNvSpPr>
+          <p:nvPr>
+            <p:ph type="sldNum" sz="quarter" idx="12"/>
+          </p:nvPr>
+        </p:nvSpPr>
+        <p:spPr/>
+        <p:txBody>
+          <a:bodyPr/>
+          <a:lstStyle/>
+          <a:p>
+            <a:fld id="{C83A9D47-5F05-47CE-B9DC-CA0DD84831B9}" type="slidenum">
+              <a:rPr lang="en-GB" smtClean="0"/>
+              <a:t>17</a:t>
+            </a:fld>
+            <a:endParaRPr lang="en-GB"/>
+          </a:p>
+        </p:txBody>
+      </p:sp>
+      <p:pic>
+        <p:nvPicPr>
+          <p:cNvPr id="7" name="Grafik 6">
+            <a:extLst>
+              <a:ext uri="{FF2B5EF4-FFF2-40B4-BE49-F238E27FC236}">
+                <a16:creationId xmlns:a16="http://schemas.microsoft.com/office/drawing/2014/main" id="{4AE1ECB3-17C4-46E7-90A8-F8C0FEFCB9BC}"/>
+              </a:ext>
+            </a:extLst>
+          </p:cNvPr>
+          <p:cNvPicPr>
+            <a:picLocks noChangeAspect="1"/>
+          </p:cNvPicPr>
+          <p:nvPr/>
+        </p:nvPicPr>
+        <p:blipFill>
+          <a:blip r:embed="rId2"/>
+          <a:stretch>
+            <a:fillRect/>
+          </a:stretch>
+        </p:blipFill>
+        <p:spPr>
+          <a:xfrm>
+            <a:off x="2974756" y="2776867"/>
+            <a:ext cx="6239309" cy="3014334"/>
+          </a:xfrm>
+          <a:prstGeom prst="rect">
+            <a:avLst/>
+          </a:prstGeom>
+        </p:spPr>
+      </p:pic>
+    </p:spTree>
+    <p:extLst>
+      <p:ext uri="{BB962C8B-B14F-4D97-AF65-F5344CB8AC3E}">
+        <p14:creationId xmlns:p14="http://schemas.microsoft.com/office/powerpoint/2010/main" val="1968119130"/>
+      </p:ext>
+    </p:extLst>
+  </p:cSld>
+  <p:clrMapOvr>
+    <a:masterClrMapping/>
+  </p:clrMapOvr>
+</p:sld>
+</file>
+
+<file path=ppt/slides/slide18.xml><?xml version="1.0" encoding="utf-8"?>
+<p:sld xmlns:a="http://schemas.openxmlformats.org/drawingml/2006/main" xmlns:r="http://schemas.openxmlformats.org/officeDocument/2006/relationships" xmlns:p="http://schemas.openxmlformats.org/presentationml/2006/main">
+  <p:cSld>
+    <p:spTree>
+      <p:nvGrpSpPr>
+        <p:cNvPr id="1" name=""/>
+        <p:cNvGrpSpPr/>
+        <p:nvPr/>
+      </p:nvGrpSpPr>
+      <p:grpSpPr>
+        <a:xfrm>
+          <a:off x="0" y="0"/>
+          <a:ext cx="0" cy="0"/>
+          <a:chOff x="0" y="0"/>
+          <a:chExt cx="0" cy="0"/>
+        </a:xfrm>
+      </p:grpSpPr>
+      <p:sp>
+        <p:nvSpPr>
+          <p:cNvPr id="2" name="Titel 1">
+            <a:extLst>
+              <a:ext uri="{FF2B5EF4-FFF2-40B4-BE49-F238E27FC236}">
+                <a16:creationId xmlns:a16="http://schemas.microsoft.com/office/drawing/2014/main" id="{B7CF06AD-CF9E-45C8-9043-1D55BBF56D3F}"/>
+              </a:ext>
+            </a:extLst>
+          </p:cNvPr>
+          <p:cNvSpPr>
+            <a:spLocks noGrp="1"/>
+          </p:cNvSpPr>
+          <p:nvPr>
+            <p:ph type="title"/>
+          </p:nvPr>
+        </p:nvSpPr>
+        <p:spPr/>
+        <p:txBody>
+          <a:bodyPr/>
+          <a:lstStyle/>
+          <a:p>
+            <a:r>
+              <a:rPr lang="de-DE" dirty="0"/>
+              <a:t>Optimierungsmethoden</a:t>
+            </a:r>
+            <a:endParaRPr lang="en-GB" dirty="0"/>
+          </a:p>
+        </p:txBody>
+      </p:sp>
+      <p:sp>
+        <p:nvSpPr>
+          <p:cNvPr id="3" name="Inhaltsplatzhalter 2">
+            <a:extLst>
+              <a:ext uri="{FF2B5EF4-FFF2-40B4-BE49-F238E27FC236}">
+                <a16:creationId xmlns:a16="http://schemas.microsoft.com/office/drawing/2014/main" id="{78759F66-67F9-4137-BFAB-5EF41629EC76}"/>
+              </a:ext>
+            </a:extLst>
+          </p:cNvPr>
+          <p:cNvSpPr>
+            <a:spLocks noGrp="1"/>
+          </p:cNvSpPr>
+          <p:nvPr>
+            <p:ph idx="1"/>
+          </p:nvPr>
+        </p:nvSpPr>
+        <p:spPr/>
+        <p:txBody>
+          <a:bodyPr/>
+          <a:lstStyle/>
+          <a:p>
+            <a:pPr marL="0" indent="0">
+              <a:buNone/>
+            </a:pPr>
+            <a:r>
+              <a:rPr lang="de-DE" dirty="0"/>
+              <a:t>ADAM</a:t>
+            </a:r>
+            <a:endParaRPr lang="en-GB" dirty="0"/>
+          </a:p>
+        </p:txBody>
+      </p:sp>
+      <p:sp>
+        <p:nvSpPr>
+          <p:cNvPr id="4" name="Datumsplatzhalter 3">
+            <a:extLst>
+              <a:ext uri="{FF2B5EF4-FFF2-40B4-BE49-F238E27FC236}">
+                <a16:creationId xmlns:a16="http://schemas.microsoft.com/office/drawing/2014/main" id="{4F0F091A-A0F9-48C3-BA5D-0A3C05F6624E}"/>
+              </a:ext>
+            </a:extLst>
+          </p:cNvPr>
+          <p:cNvSpPr>
+            <a:spLocks noGrp="1"/>
+          </p:cNvSpPr>
+          <p:nvPr>
+            <p:ph type="dt" sz="half" idx="10"/>
+          </p:nvPr>
+        </p:nvSpPr>
+        <p:spPr/>
+        <p:txBody>
+          <a:bodyPr/>
+          <a:lstStyle/>
+          <a:p>
+            <a:fld id="{D640B411-8FBB-45AA-9D73-8893D5C6FB80}" type="datetime1">
+              <a:rPr lang="en-GB" smtClean="0"/>
+              <a:t>03/01/2020</a:t>
+            </a:fld>
+            <a:endParaRPr lang="en-GB"/>
+          </a:p>
+        </p:txBody>
+      </p:sp>
+      <p:sp>
+        <p:nvSpPr>
+          <p:cNvPr id="5" name="Fußzeilenplatzhalter 4">
+            <a:extLst>
+              <a:ext uri="{FF2B5EF4-FFF2-40B4-BE49-F238E27FC236}">
+                <a16:creationId xmlns:a16="http://schemas.microsoft.com/office/drawing/2014/main" id="{C871A45D-D81B-4496-BC64-5E0B7C1CDC6E}"/>
+              </a:ext>
+            </a:extLst>
+          </p:cNvPr>
+          <p:cNvSpPr>
+            <a:spLocks noGrp="1"/>
+          </p:cNvSpPr>
+          <p:nvPr>
+            <p:ph type="ftr" sz="quarter" idx="11"/>
+          </p:nvPr>
+        </p:nvSpPr>
+        <p:spPr/>
+        <p:txBody>
+          <a:bodyPr/>
+          <a:lstStyle/>
+          <a:p>
+            <a:r>
+              <a:rPr lang="en-GB"/>
+              <a:t>Victor Wolf - MatNr 845615</a:t>
+            </a:r>
+          </a:p>
+        </p:txBody>
+      </p:sp>
+      <p:sp>
+        <p:nvSpPr>
+          <p:cNvPr id="6" name="Foliennummernplatzhalter 5">
+            <a:extLst>
+              <a:ext uri="{FF2B5EF4-FFF2-40B4-BE49-F238E27FC236}">
+                <a16:creationId xmlns:a16="http://schemas.microsoft.com/office/drawing/2014/main" id="{8F8188D1-2347-4DEB-AD0B-5BDE7FA6F5EB}"/>
+              </a:ext>
+            </a:extLst>
+          </p:cNvPr>
+          <p:cNvSpPr>
+            <a:spLocks noGrp="1"/>
+          </p:cNvSpPr>
+          <p:nvPr>
+            <p:ph type="sldNum" sz="quarter" idx="12"/>
+          </p:nvPr>
+        </p:nvSpPr>
+        <p:spPr/>
+        <p:txBody>
+          <a:bodyPr/>
+          <a:lstStyle/>
+          <a:p>
+            <a:fld id="{C83A9D47-5F05-47CE-B9DC-CA0DD84831B9}" type="slidenum">
+              <a:rPr lang="en-GB" smtClean="0"/>
+              <a:t>18</a:t>
+            </a:fld>
+            <a:endParaRPr lang="en-GB"/>
+          </a:p>
+        </p:txBody>
+      </p:sp>
+      <p:pic>
+        <p:nvPicPr>
+          <p:cNvPr id="8" name="Grafik 7">
+            <a:extLst>
+              <a:ext uri="{FF2B5EF4-FFF2-40B4-BE49-F238E27FC236}">
+                <a16:creationId xmlns:a16="http://schemas.microsoft.com/office/drawing/2014/main" id="{0D12A4EA-93A3-4507-B120-7081A280CA78}"/>
+              </a:ext>
+            </a:extLst>
+          </p:cNvPr>
+          <p:cNvPicPr>
+            <a:picLocks noChangeAspect="1"/>
+          </p:cNvPicPr>
+          <p:nvPr/>
+        </p:nvPicPr>
+        <p:blipFill>
+          <a:blip r:embed="rId2"/>
+          <a:stretch>
+            <a:fillRect/>
+          </a:stretch>
+        </p:blipFill>
+        <p:spPr>
+          <a:xfrm>
+            <a:off x="3107850" y="2378985"/>
+            <a:ext cx="5973122" cy="3412216"/>
+          </a:xfrm>
+          <a:prstGeom prst="rect">
+            <a:avLst/>
+          </a:prstGeom>
+        </p:spPr>
+      </p:pic>
+    </p:spTree>
+    <p:extLst>
+      <p:ext uri="{BB962C8B-B14F-4D97-AF65-F5344CB8AC3E}">
+        <p14:creationId xmlns:p14="http://schemas.microsoft.com/office/powerpoint/2010/main" val="1943717504"/>
+      </p:ext>
+    </p:extLst>
+  </p:cSld>
+  <p:clrMapOvr>
+    <a:masterClrMapping/>
+  </p:clrMapOvr>
+</p:sld>
+</file>
+
+<file path=ppt/slides/slide19.xml><?xml version="1.0" encoding="utf-8"?>
+<p:sld xmlns:a="http://schemas.openxmlformats.org/drawingml/2006/main" xmlns:r="http://schemas.openxmlformats.org/officeDocument/2006/relationships" xmlns:p="http://schemas.openxmlformats.org/presentationml/2006/main">
+  <p:cSld>
+    <p:spTree>
+      <p:nvGrpSpPr>
+        <p:cNvPr id="1" name=""/>
+        <p:cNvGrpSpPr/>
+        <p:nvPr/>
+      </p:nvGrpSpPr>
+      <p:grpSpPr>
+        <a:xfrm>
+          <a:off x="0" y="0"/>
+          <a:ext cx="0" cy="0"/>
+          <a:chOff x="0" y="0"/>
+          <a:chExt cx="0" cy="0"/>
+        </a:xfrm>
+      </p:grpSpPr>
+      <p:sp>
+        <p:nvSpPr>
+          <p:cNvPr id="2" name="Titel 1">
+            <a:extLst>
+              <a:ext uri="{FF2B5EF4-FFF2-40B4-BE49-F238E27FC236}">
+                <a16:creationId xmlns:a16="http://schemas.microsoft.com/office/drawing/2014/main" id="{382040B5-28B0-4EC5-B806-4714CA5272FB}"/>
+              </a:ext>
+            </a:extLst>
+          </p:cNvPr>
+          <p:cNvSpPr>
+            <a:spLocks noGrp="1"/>
+          </p:cNvSpPr>
+          <p:nvPr>
+            <p:ph type="title"/>
+          </p:nvPr>
+        </p:nvSpPr>
+        <p:spPr/>
+        <p:txBody>
+          <a:bodyPr/>
+          <a:lstStyle/>
+          <a:p>
+            <a:r>
+              <a:rPr lang="de-DE" dirty="0"/>
+              <a:t>Python Programm</a:t>
+            </a:r>
+            <a:endParaRPr lang="en-GB" dirty="0"/>
+          </a:p>
+        </p:txBody>
+      </p:sp>
+      <p:sp>
+        <p:nvSpPr>
+          <p:cNvPr id="3" name="Textplatzhalter 2">
+            <a:extLst>
+              <a:ext uri="{FF2B5EF4-FFF2-40B4-BE49-F238E27FC236}">
+                <a16:creationId xmlns:a16="http://schemas.microsoft.com/office/drawing/2014/main" id="{F6E9386E-565B-4F6C-BCD9-FFA909CAA246}"/>
+              </a:ext>
+            </a:extLst>
+          </p:cNvPr>
+          <p:cNvSpPr>
+            <a:spLocks noGrp="1"/>
+          </p:cNvSpPr>
+          <p:nvPr>
+            <p:ph type="body" idx="1"/>
+          </p:nvPr>
+        </p:nvSpPr>
+        <p:spPr/>
+        <p:txBody>
+          <a:bodyPr/>
+          <a:lstStyle/>
+          <a:p>
+            <a:endParaRPr lang="en-GB"/>
+          </a:p>
+        </p:txBody>
+      </p:sp>
+      <p:sp>
+        <p:nvSpPr>
+          <p:cNvPr id="4" name="Datumsplatzhalter 3">
+            <a:extLst>
+              <a:ext uri="{FF2B5EF4-FFF2-40B4-BE49-F238E27FC236}">
+                <a16:creationId xmlns:a16="http://schemas.microsoft.com/office/drawing/2014/main" id="{DD639415-7F43-4F7C-B38C-396D688FB59B}"/>
+              </a:ext>
+            </a:extLst>
+          </p:cNvPr>
+          <p:cNvSpPr>
+            <a:spLocks noGrp="1"/>
+          </p:cNvSpPr>
+          <p:nvPr>
+            <p:ph type="dt" sz="half" idx="10"/>
+          </p:nvPr>
+        </p:nvSpPr>
+        <p:spPr/>
+        <p:txBody>
+          <a:bodyPr/>
+          <a:lstStyle/>
+          <a:p>
+            <a:fld id="{624899AD-5E2A-4D32-8E4B-0C9C99FAC641}" type="datetime1">
+              <a:rPr lang="en-GB" smtClean="0"/>
+              <a:t>03/01/2020</a:t>
+            </a:fld>
+            <a:endParaRPr lang="en-GB"/>
+          </a:p>
+        </p:txBody>
+      </p:sp>
+      <p:sp>
+        <p:nvSpPr>
+          <p:cNvPr id="5" name="Fußzeilenplatzhalter 4">
+            <a:extLst>
+              <a:ext uri="{FF2B5EF4-FFF2-40B4-BE49-F238E27FC236}">
+                <a16:creationId xmlns:a16="http://schemas.microsoft.com/office/drawing/2014/main" id="{0451F12F-9D48-4A47-B117-73ABE0535D1C}"/>
+              </a:ext>
+            </a:extLst>
+          </p:cNvPr>
+          <p:cNvSpPr>
+            <a:spLocks noGrp="1"/>
+          </p:cNvSpPr>
+          <p:nvPr>
+            <p:ph type="ftr" sz="quarter" idx="11"/>
+          </p:nvPr>
+        </p:nvSpPr>
+        <p:spPr/>
+        <p:txBody>
+          <a:bodyPr/>
+          <a:lstStyle/>
+          <a:p>
+            <a:r>
+              <a:rPr lang="en-GB"/>
+              <a:t>Victor Wolf - MatNr 845615</a:t>
+            </a:r>
+          </a:p>
+        </p:txBody>
+      </p:sp>
+      <p:sp>
+        <p:nvSpPr>
+          <p:cNvPr id="6" name="Foliennummernplatzhalter 5">
+            <a:extLst>
+              <a:ext uri="{FF2B5EF4-FFF2-40B4-BE49-F238E27FC236}">
+                <a16:creationId xmlns:a16="http://schemas.microsoft.com/office/drawing/2014/main" id="{D8A1F610-EDF7-4B28-B22B-121B3F07CA1F}"/>
+              </a:ext>
+            </a:extLst>
+          </p:cNvPr>
+          <p:cNvSpPr>
+            <a:spLocks noGrp="1"/>
+          </p:cNvSpPr>
+          <p:nvPr>
+            <p:ph type="sldNum" sz="quarter" idx="12"/>
+          </p:nvPr>
+        </p:nvSpPr>
+        <p:spPr/>
+        <p:txBody>
+          <a:bodyPr/>
+          <a:lstStyle/>
+          <a:p>
+            <a:fld id="{C83A9D47-5F05-47CE-B9DC-CA0DD84831B9}" type="slidenum">
+              <a:rPr lang="en-GB" smtClean="0"/>
+              <a:t>19</a:t>
+            </a:fld>
+            <a:endParaRPr lang="en-GB"/>
+          </a:p>
+        </p:txBody>
+      </p:sp>
+    </p:spTree>
+    <p:extLst>
+      <p:ext uri="{BB962C8B-B14F-4D97-AF65-F5344CB8AC3E}">
+        <p14:creationId xmlns:p14="http://schemas.microsoft.com/office/powerpoint/2010/main" val="3905388664"/>
       </p:ext>
     </p:extLst>
   </p:cSld>
@@ -15009,7 +16285,7 @@
           <a:p>
             <a:fld id="{D640B411-8FBB-45AA-9D73-8893D5C6FB80}" type="datetime1">
               <a:rPr lang="en-GB" smtClean="0"/>
-              <a:t>30/12/2019</a:t>
+              <a:t>03/01/2020</a:t>
             </a:fld>
             <a:endParaRPr lang="en-GB"/>
           </a:p>
@@ -15545,6 +16821,1967 @@
 </p:sld>
 </file>
 
+<file path=ppt/slides/slide20.xml><?xml version="1.0" encoding="utf-8"?>
+<p:sld xmlns:a="http://schemas.openxmlformats.org/drawingml/2006/main" xmlns:r="http://schemas.openxmlformats.org/officeDocument/2006/relationships" xmlns:p="http://schemas.openxmlformats.org/presentationml/2006/main">
+  <p:cSld>
+    <p:spTree>
+      <p:nvGrpSpPr>
+        <p:cNvPr id="1" name=""/>
+        <p:cNvGrpSpPr/>
+        <p:nvPr/>
+      </p:nvGrpSpPr>
+      <p:grpSpPr>
+        <a:xfrm>
+          <a:off x="0" y="0"/>
+          <a:ext cx="0" cy="0"/>
+          <a:chOff x="0" y="0"/>
+          <a:chExt cx="0" cy="0"/>
+        </a:xfrm>
+      </p:grpSpPr>
+      <p:sp>
+        <p:nvSpPr>
+          <p:cNvPr id="2" name="Titel 1">
+            <a:extLst>
+              <a:ext uri="{FF2B5EF4-FFF2-40B4-BE49-F238E27FC236}">
+                <a16:creationId xmlns:a16="http://schemas.microsoft.com/office/drawing/2014/main" id="{81D68627-0FD4-49E2-B881-7A7E47B7AECA}"/>
+              </a:ext>
+            </a:extLst>
+          </p:cNvPr>
+          <p:cNvSpPr>
+            <a:spLocks noGrp="1"/>
+          </p:cNvSpPr>
+          <p:nvPr>
+            <p:ph type="title"/>
+          </p:nvPr>
+        </p:nvSpPr>
+        <p:spPr/>
+        <p:txBody>
+          <a:bodyPr/>
+          <a:lstStyle/>
+          <a:p>
+            <a:endParaRPr lang="en-GB"/>
+          </a:p>
+        </p:txBody>
+      </p:sp>
+      <p:sp>
+        <p:nvSpPr>
+          <p:cNvPr id="4" name="Datumsplatzhalter 3">
+            <a:extLst>
+              <a:ext uri="{FF2B5EF4-FFF2-40B4-BE49-F238E27FC236}">
+                <a16:creationId xmlns:a16="http://schemas.microsoft.com/office/drawing/2014/main" id="{07AE8353-B4AD-4433-83F9-046BC2DD4E18}"/>
+              </a:ext>
+            </a:extLst>
+          </p:cNvPr>
+          <p:cNvSpPr>
+            <a:spLocks noGrp="1"/>
+          </p:cNvSpPr>
+          <p:nvPr>
+            <p:ph type="dt" sz="half" idx="10"/>
+          </p:nvPr>
+        </p:nvSpPr>
+        <p:spPr/>
+        <p:txBody>
+          <a:bodyPr/>
+          <a:lstStyle/>
+          <a:p>
+            <a:fld id="{D640B411-8FBB-45AA-9D73-8893D5C6FB80}" type="datetime1">
+              <a:rPr lang="en-GB" smtClean="0"/>
+              <a:t>03/01/2020</a:t>
+            </a:fld>
+            <a:endParaRPr lang="en-GB"/>
+          </a:p>
+        </p:txBody>
+      </p:sp>
+      <p:sp>
+        <p:nvSpPr>
+          <p:cNvPr id="5" name="Fußzeilenplatzhalter 4">
+            <a:extLst>
+              <a:ext uri="{FF2B5EF4-FFF2-40B4-BE49-F238E27FC236}">
+                <a16:creationId xmlns:a16="http://schemas.microsoft.com/office/drawing/2014/main" id="{AD5CD0AB-C768-465F-BF18-AC1F43D02937}"/>
+              </a:ext>
+            </a:extLst>
+          </p:cNvPr>
+          <p:cNvSpPr>
+            <a:spLocks noGrp="1"/>
+          </p:cNvSpPr>
+          <p:nvPr>
+            <p:ph type="ftr" sz="quarter" idx="11"/>
+          </p:nvPr>
+        </p:nvSpPr>
+        <p:spPr/>
+        <p:txBody>
+          <a:bodyPr/>
+          <a:lstStyle/>
+          <a:p>
+            <a:r>
+              <a:rPr lang="en-GB"/>
+              <a:t>Victor Wolf - MatNr 845615</a:t>
+            </a:r>
+          </a:p>
+        </p:txBody>
+      </p:sp>
+      <p:sp>
+        <p:nvSpPr>
+          <p:cNvPr id="6" name="Foliennummernplatzhalter 5">
+            <a:extLst>
+              <a:ext uri="{FF2B5EF4-FFF2-40B4-BE49-F238E27FC236}">
+                <a16:creationId xmlns:a16="http://schemas.microsoft.com/office/drawing/2014/main" id="{6D09A5B3-F273-4C68-B7FE-87E3FB23F9CF}"/>
+              </a:ext>
+            </a:extLst>
+          </p:cNvPr>
+          <p:cNvSpPr>
+            <a:spLocks noGrp="1"/>
+          </p:cNvSpPr>
+          <p:nvPr>
+            <p:ph type="sldNum" sz="quarter" idx="12"/>
+          </p:nvPr>
+        </p:nvSpPr>
+        <p:spPr/>
+        <p:txBody>
+          <a:bodyPr/>
+          <a:lstStyle/>
+          <a:p>
+            <a:fld id="{C83A9D47-5F05-47CE-B9DC-CA0DD84831B9}" type="slidenum">
+              <a:rPr lang="en-GB" smtClean="0"/>
+              <a:t>20</a:t>
+            </a:fld>
+            <a:endParaRPr lang="en-GB"/>
+          </a:p>
+        </p:txBody>
+      </p:sp>
+      <p:pic>
+        <p:nvPicPr>
+          <p:cNvPr id="10" name="Inhaltsplatzhalter 9">
+            <a:extLst>
+              <a:ext uri="{FF2B5EF4-FFF2-40B4-BE49-F238E27FC236}">
+                <a16:creationId xmlns:a16="http://schemas.microsoft.com/office/drawing/2014/main" id="{D4A96D7C-7585-4C06-8102-D109600F9230}"/>
+              </a:ext>
+            </a:extLst>
+          </p:cNvPr>
+          <p:cNvPicPr>
+            <a:picLocks noGrp="1" noChangeAspect="1"/>
+          </p:cNvPicPr>
+          <p:nvPr>
+            <p:ph idx="1"/>
+          </p:nvPr>
+        </p:nvPicPr>
+        <p:blipFill>
+          <a:blip r:embed="rId2"/>
+          <a:stretch>
+            <a:fillRect/>
+          </a:stretch>
+        </p:blipFill>
+        <p:spPr>
+          <a:xfrm>
+            <a:off x="2152988" y="842319"/>
+            <a:ext cx="7882847" cy="5040955"/>
+          </a:xfrm>
+          <a:prstGeom prst="rect">
+            <a:avLst/>
+          </a:prstGeom>
+        </p:spPr>
+      </p:pic>
+    </p:spTree>
+    <p:extLst>
+      <p:ext uri="{BB962C8B-B14F-4D97-AF65-F5344CB8AC3E}">
+        <p14:creationId xmlns:p14="http://schemas.microsoft.com/office/powerpoint/2010/main" val="2046872840"/>
+      </p:ext>
+    </p:extLst>
+  </p:cSld>
+  <p:clrMapOvr>
+    <a:masterClrMapping/>
+  </p:clrMapOvr>
+</p:sld>
+</file>
+
+<file path=ppt/slides/slide21.xml><?xml version="1.0" encoding="utf-8"?>
+<p:sld xmlns:a="http://schemas.openxmlformats.org/drawingml/2006/main" xmlns:r="http://schemas.openxmlformats.org/officeDocument/2006/relationships" xmlns:p="http://schemas.openxmlformats.org/presentationml/2006/main">
+  <p:cSld>
+    <p:spTree>
+      <p:nvGrpSpPr>
+        <p:cNvPr id="1" name=""/>
+        <p:cNvGrpSpPr/>
+        <p:nvPr/>
+      </p:nvGrpSpPr>
+      <p:grpSpPr>
+        <a:xfrm>
+          <a:off x="0" y="0"/>
+          <a:ext cx="0" cy="0"/>
+          <a:chOff x="0" y="0"/>
+          <a:chExt cx="0" cy="0"/>
+        </a:xfrm>
+      </p:grpSpPr>
+      <p:sp>
+        <p:nvSpPr>
+          <p:cNvPr id="2" name="Titel 1">
+            <a:extLst>
+              <a:ext uri="{FF2B5EF4-FFF2-40B4-BE49-F238E27FC236}">
+                <a16:creationId xmlns:a16="http://schemas.microsoft.com/office/drawing/2014/main" id="{577134F7-63A7-4B19-A12D-E977A78C255D}"/>
+              </a:ext>
+            </a:extLst>
+          </p:cNvPr>
+          <p:cNvSpPr>
+            <a:spLocks noGrp="1"/>
+          </p:cNvSpPr>
+          <p:nvPr>
+            <p:ph type="title"/>
+          </p:nvPr>
+        </p:nvSpPr>
+        <p:spPr/>
+        <p:txBody>
+          <a:bodyPr/>
+          <a:lstStyle/>
+          <a:p>
+            <a:r>
+              <a:rPr lang="de-DE" dirty="0"/>
+              <a:t>Python </a:t>
+            </a:r>
+            <a:r>
+              <a:rPr lang="de-DE" dirty="0" err="1"/>
+              <a:t>Program</a:t>
+            </a:r>
+            <a:r>
+              <a:rPr lang="de-DE" dirty="0"/>
+              <a:t>	</a:t>
+            </a:r>
+            <a:endParaRPr lang="en-GB" dirty="0"/>
+          </a:p>
+        </p:txBody>
+      </p:sp>
+      <p:sp>
+        <p:nvSpPr>
+          <p:cNvPr id="3" name="Inhaltsplatzhalter 2">
+            <a:extLst>
+              <a:ext uri="{FF2B5EF4-FFF2-40B4-BE49-F238E27FC236}">
+                <a16:creationId xmlns:a16="http://schemas.microsoft.com/office/drawing/2014/main" id="{CB9CA1A0-3247-4858-90A8-21FB4278FD79}"/>
+              </a:ext>
+            </a:extLst>
+          </p:cNvPr>
+          <p:cNvSpPr>
+            <a:spLocks noGrp="1"/>
+          </p:cNvSpPr>
+          <p:nvPr>
+            <p:ph idx="1"/>
+          </p:nvPr>
+        </p:nvSpPr>
+        <p:spPr/>
+        <p:txBody>
+          <a:bodyPr/>
+          <a:lstStyle/>
+          <a:p>
+            <a:pPr marL="0" indent="0">
+              <a:buNone/>
+            </a:pPr>
+            <a:r>
+              <a:rPr lang="de-DE" dirty="0"/>
+              <a:t>Frameworks:</a:t>
+            </a:r>
+          </a:p>
+          <a:p>
+            <a:pPr lvl="1"/>
+            <a:r>
+              <a:rPr lang="de-DE" dirty="0"/>
+              <a:t>Keras</a:t>
+            </a:r>
+          </a:p>
+          <a:p>
+            <a:pPr lvl="1"/>
+            <a:r>
+              <a:rPr lang="de-DE" dirty="0" err="1"/>
+              <a:t>Scikit-learn</a:t>
+            </a:r>
+            <a:endParaRPr lang="de-DE" dirty="0"/>
+          </a:p>
+          <a:p>
+            <a:pPr lvl="1"/>
+            <a:r>
+              <a:rPr lang="de-DE" dirty="0"/>
+              <a:t>Pandas</a:t>
+            </a:r>
+          </a:p>
+          <a:p>
+            <a:pPr lvl="1"/>
+            <a:r>
+              <a:rPr lang="de-DE" dirty="0" err="1"/>
+              <a:t>Numpy</a:t>
+            </a:r>
+            <a:endParaRPr lang="en-GB" dirty="0"/>
+          </a:p>
+        </p:txBody>
+      </p:sp>
+      <p:sp>
+        <p:nvSpPr>
+          <p:cNvPr id="4" name="Datumsplatzhalter 3">
+            <a:extLst>
+              <a:ext uri="{FF2B5EF4-FFF2-40B4-BE49-F238E27FC236}">
+                <a16:creationId xmlns:a16="http://schemas.microsoft.com/office/drawing/2014/main" id="{A58D60EE-3DA4-4039-8F21-EEB236EC10A8}"/>
+              </a:ext>
+            </a:extLst>
+          </p:cNvPr>
+          <p:cNvSpPr>
+            <a:spLocks noGrp="1"/>
+          </p:cNvSpPr>
+          <p:nvPr>
+            <p:ph type="dt" sz="half" idx="10"/>
+          </p:nvPr>
+        </p:nvSpPr>
+        <p:spPr/>
+        <p:txBody>
+          <a:bodyPr/>
+          <a:lstStyle/>
+          <a:p>
+            <a:fld id="{D640B411-8FBB-45AA-9D73-8893D5C6FB80}" type="datetime1">
+              <a:rPr lang="en-GB" smtClean="0"/>
+              <a:t>03/01/2020</a:t>
+            </a:fld>
+            <a:endParaRPr lang="en-GB"/>
+          </a:p>
+        </p:txBody>
+      </p:sp>
+      <p:sp>
+        <p:nvSpPr>
+          <p:cNvPr id="5" name="Fußzeilenplatzhalter 4">
+            <a:extLst>
+              <a:ext uri="{FF2B5EF4-FFF2-40B4-BE49-F238E27FC236}">
+                <a16:creationId xmlns:a16="http://schemas.microsoft.com/office/drawing/2014/main" id="{289E22CF-67EB-4CA8-9B1F-36D857C2B0E7}"/>
+              </a:ext>
+            </a:extLst>
+          </p:cNvPr>
+          <p:cNvSpPr>
+            <a:spLocks noGrp="1"/>
+          </p:cNvSpPr>
+          <p:nvPr>
+            <p:ph type="ftr" sz="quarter" idx="11"/>
+          </p:nvPr>
+        </p:nvSpPr>
+        <p:spPr/>
+        <p:txBody>
+          <a:bodyPr/>
+          <a:lstStyle/>
+          <a:p>
+            <a:r>
+              <a:rPr lang="en-GB"/>
+              <a:t>Victor Wolf - MatNr 845615</a:t>
+            </a:r>
+          </a:p>
+        </p:txBody>
+      </p:sp>
+      <p:sp>
+        <p:nvSpPr>
+          <p:cNvPr id="6" name="Foliennummernplatzhalter 5">
+            <a:extLst>
+              <a:ext uri="{FF2B5EF4-FFF2-40B4-BE49-F238E27FC236}">
+                <a16:creationId xmlns:a16="http://schemas.microsoft.com/office/drawing/2014/main" id="{454DDD9D-B239-4119-A5A6-3F234BACC814}"/>
+              </a:ext>
+            </a:extLst>
+          </p:cNvPr>
+          <p:cNvSpPr>
+            <a:spLocks noGrp="1"/>
+          </p:cNvSpPr>
+          <p:nvPr>
+            <p:ph type="sldNum" sz="quarter" idx="12"/>
+          </p:nvPr>
+        </p:nvSpPr>
+        <p:spPr/>
+        <p:txBody>
+          <a:bodyPr/>
+          <a:lstStyle/>
+          <a:p>
+            <a:fld id="{C83A9D47-5F05-47CE-B9DC-CA0DD84831B9}" type="slidenum">
+              <a:rPr lang="en-GB" smtClean="0"/>
+              <a:t>21</a:t>
+            </a:fld>
+            <a:endParaRPr lang="en-GB"/>
+          </a:p>
+        </p:txBody>
+      </p:sp>
+    </p:spTree>
+    <p:extLst>
+      <p:ext uri="{BB962C8B-B14F-4D97-AF65-F5344CB8AC3E}">
+        <p14:creationId xmlns:p14="http://schemas.microsoft.com/office/powerpoint/2010/main" val="867155135"/>
+      </p:ext>
+    </p:extLst>
+  </p:cSld>
+  <p:clrMapOvr>
+    <a:masterClrMapping/>
+  </p:clrMapOvr>
+</p:sld>
+</file>
+
+<file path=ppt/slides/slide22.xml><?xml version="1.0" encoding="utf-8"?>
+<p:sld xmlns:a="http://schemas.openxmlformats.org/drawingml/2006/main" xmlns:r="http://schemas.openxmlformats.org/officeDocument/2006/relationships" xmlns:p="http://schemas.openxmlformats.org/presentationml/2006/main">
+  <p:cSld>
+    <p:spTree>
+      <p:nvGrpSpPr>
+        <p:cNvPr id="1" name=""/>
+        <p:cNvGrpSpPr/>
+        <p:nvPr/>
+      </p:nvGrpSpPr>
+      <p:grpSpPr>
+        <a:xfrm>
+          <a:off x="0" y="0"/>
+          <a:ext cx="0" cy="0"/>
+          <a:chOff x="0" y="0"/>
+          <a:chExt cx="0" cy="0"/>
+        </a:xfrm>
+      </p:grpSpPr>
+      <p:sp>
+        <p:nvSpPr>
+          <p:cNvPr id="2" name="Titel 1">
+            <a:extLst>
+              <a:ext uri="{FF2B5EF4-FFF2-40B4-BE49-F238E27FC236}">
+                <a16:creationId xmlns:a16="http://schemas.microsoft.com/office/drawing/2014/main" id="{9B85A87E-7890-404B-A186-E2FE7D0C0034}"/>
+              </a:ext>
+            </a:extLst>
+          </p:cNvPr>
+          <p:cNvSpPr>
+            <a:spLocks noGrp="1"/>
+          </p:cNvSpPr>
+          <p:nvPr>
+            <p:ph type="title"/>
+          </p:nvPr>
+        </p:nvSpPr>
+        <p:spPr/>
+        <p:txBody>
+          <a:bodyPr/>
+          <a:lstStyle/>
+          <a:p>
+            <a:r>
+              <a:rPr lang="de-DE" dirty="0"/>
+              <a:t>Evaluation</a:t>
+            </a:r>
+            <a:endParaRPr lang="en-GB" dirty="0"/>
+          </a:p>
+        </p:txBody>
+      </p:sp>
+      <p:sp>
+        <p:nvSpPr>
+          <p:cNvPr id="3" name="Textplatzhalter 2">
+            <a:extLst>
+              <a:ext uri="{FF2B5EF4-FFF2-40B4-BE49-F238E27FC236}">
+                <a16:creationId xmlns:a16="http://schemas.microsoft.com/office/drawing/2014/main" id="{B8DDC065-7457-4491-9F96-E94A2615CB41}"/>
+              </a:ext>
+            </a:extLst>
+          </p:cNvPr>
+          <p:cNvSpPr>
+            <a:spLocks noGrp="1"/>
+          </p:cNvSpPr>
+          <p:nvPr>
+            <p:ph type="body" idx="1"/>
+          </p:nvPr>
+        </p:nvSpPr>
+        <p:spPr/>
+        <p:txBody>
+          <a:bodyPr/>
+          <a:lstStyle/>
+          <a:p>
+            <a:endParaRPr lang="en-GB"/>
+          </a:p>
+        </p:txBody>
+      </p:sp>
+      <p:sp>
+        <p:nvSpPr>
+          <p:cNvPr id="4" name="Datumsplatzhalter 3">
+            <a:extLst>
+              <a:ext uri="{FF2B5EF4-FFF2-40B4-BE49-F238E27FC236}">
+                <a16:creationId xmlns:a16="http://schemas.microsoft.com/office/drawing/2014/main" id="{8BA0603B-C906-4D17-9F99-CC4A84A4DFC6}"/>
+              </a:ext>
+            </a:extLst>
+          </p:cNvPr>
+          <p:cNvSpPr>
+            <a:spLocks noGrp="1"/>
+          </p:cNvSpPr>
+          <p:nvPr>
+            <p:ph type="dt" sz="half" idx="10"/>
+          </p:nvPr>
+        </p:nvSpPr>
+        <p:spPr/>
+        <p:txBody>
+          <a:bodyPr/>
+          <a:lstStyle/>
+          <a:p>
+            <a:fld id="{624899AD-5E2A-4D32-8E4B-0C9C99FAC641}" type="datetime1">
+              <a:rPr lang="en-GB" smtClean="0"/>
+              <a:t>03/01/2020</a:t>
+            </a:fld>
+            <a:endParaRPr lang="en-GB"/>
+          </a:p>
+        </p:txBody>
+      </p:sp>
+      <p:sp>
+        <p:nvSpPr>
+          <p:cNvPr id="5" name="Fußzeilenplatzhalter 4">
+            <a:extLst>
+              <a:ext uri="{FF2B5EF4-FFF2-40B4-BE49-F238E27FC236}">
+                <a16:creationId xmlns:a16="http://schemas.microsoft.com/office/drawing/2014/main" id="{5B7849E7-6144-4A2E-91F2-6ED571189A92}"/>
+              </a:ext>
+            </a:extLst>
+          </p:cNvPr>
+          <p:cNvSpPr>
+            <a:spLocks noGrp="1"/>
+          </p:cNvSpPr>
+          <p:nvPr>
+            <p:ph type="ftr" sz="quarter" idx="11"/>
+          </p:nvPr>
+        </p:nvSpPr>
+        <p:spPr/>
+        <p:txBody>
+          <a:bodyPr/>
+          <a:lstStyle/>
+          <a:p>
+            <a:r>
+              <a:rPr lang="en-GB"/>
+              <a:t>Victor Wolf - MatNr 845615</a:t>
+            </a:r>
+          </a:p>
+        </p:txBody>
+      </p:sp>
+      <p:sp>
+        <p:nvSpPr>
+          <p:cNvPr id="6" name="Foliennummernplatzhalter 5">
+            <a:extLst>
+              <a:ext uri="{FF2B5EF4-FFF2-40B4-BE49-F238E27FC236}">
+                <a16:creationId xmlns:a16="http://schemas.microsoft.com/office/drawing/2014/main" id="{63849BF8-3138-43C4-90EE-2B44F33DE165}"/>
+              </a:ext>
+            </a:extLst>
+          </p:cNvPr>
+          <p:cNvSpPr>
+            <a:spLocks noGrp="1"/>
+          </p:cNvSpPr>
+          <p:nvPr>
+            <p:ph type="sldNum" sz="quarter" idx="12"/>
+          </p:nvPr>
+        </p:nvSpPr>
+        <p:spPr/>
+        <p:txBody>
+          <a:bodyPr/>
+          <a:lstStyle/>
+          <a:p>
+            <a:fld id="{C83A9D47-5F05-47CE-B9DC-CA0DD84831B9}" type="slidenum">
+              <a:rPr lang="en-GB" smtClean="0"/>
+              <a:t>22</a:t>
+            </a:fld>
+            <a:endParaRPr lang="en-GB"/>
+          </a:p>
+        </p:txBody>
+      </p:sp>
+    </p:spTree>
+    <p:extLst>
+      <p:ext uri="{BB962C8B-B14F-4D97-AF65-F5344CB8AC3E}">
+        <p14:creationId xmlns:p14="http://schemas.microsoft.com/office/powerpoint/2010/main" val="3307546973"/>
+      </p:ext>
+    </p:extLst>
+  </p:cSld>
+  <p:clrMapOvr>
+    <a:masterClrMapping/>
+  </p:clrMapOvr>
+</p:sld>
+</file>
+
+<file path=ppt/slides/slide23.xml><?xml version="1.0" encoding="utf-8"?>
+<p:sld xmlns:a="http://schemas.openxmlformats.org/drawingml/2006/main" xmlns:r="http://schemas.openxmlformats.org/officeDocument/2006/relationships" xmlns:p="http://schemas.openxmlformats.org/presentationml/2006/main">
+  <p:cSld>
+    <p:spTree>
+      <p:nvGrpSpPr>
+        <p:cNvPr id="1" name=""/>
+        <p:cNvGrpSpPr/>
+        <p:nvPr/>
+      </p:nvGrpSpPr>
+      <p:grpSpPr>
+        <a:xfrm>
+          <a:off x="0" y="0"/>
+          <a:ext cx="0" cy="0"/>
+          <a:chOff x="0" y="0"/>
+          <a:chExt cx="0" cy="0"/>
+        </a:xfrm>
+      </p:grpSpPr>
+      <p:sp>
+        <p:nvSpPr>
+          <p:cNvPr id="2" name="Titel 1">
+            <a:extLst>
+              <a:ext uri="{FF2B5EF4-FFF2-40B4-BE49-F238E27FC236}">
+                <a16:creationId xmlns:a16="http://schemas.microsoft.com/office/drawing/2014/main" id="{9A44ACB6-C7E2-4930-9F65-7EF92C693AA2}"/>
+              </a:ext>
+            </a:extLst>
+          </p:cNvPr>
+          <p:cNvSpPr>
+            <a:spLocks noGrp="1"/>
+          </p:cNvSpPr>
+          <p:nvPr>
+            <p:ph type="title"/>
+          </p:nvPr>
+        </p:nvSpPr>
+        <p:spPr/>
+        <p:txBody>
+          <a:bodyPr/>
+          <a:lstStyle/>
+          <a:p>
+            <a:r>
+              <a:rPr lang="de-DE" dirty="0"/>
+              <a:t>Evaluation</a:t>
+            </a:r>
+            <a:endParaRPr lang="en-GB" dirty="0"/>
+          </a:p>
+        </p:txBody>
+      </p:sp>
+      <p:sp>
+        <p:nvSpPr>
+          <p:cNvPr id="3" name="Inhaltsplatzhalter 2">
+            <a:extLst>
+              <a:ext uri="{FF2B5EF4-FFF2-40B4-BE49-F238E27FC236}">
+                <a16:creationId xmlns:a16="http://schemas.microsoft.com/office/drawing/2014/main" id="{A3EB04B8-133A-42DD-9EBF-0075584F8578}"/>
+              </a:ext>
+            </a:extLst>
+          </p:cNvPr>
+          <p:cNvSpPr>
+            <a:spLocks noGrp="1"/>
+          </p:cNvSpPr>
+          <p:nvPr>
+            <p:ph idx="1"/>
+          </p:nvPr>
+        </p:nvSpPr>
+        <p:spPr/>
+        <p:txBody>
+          <a:bodyPr/>
+          <a:lstStyle/>
+          <a:p>
+            <a:r>
+              <a:rPr lang="de-DE" dirty="0"/>
+              <a:t>Zwei Datensätze, ein Regressionsdatensatz, ein Klassifikationsdatensatz</a:t>
+            </a:r>
+          </a:p>
+          <a:p>
+            <a:r>
+              <a:rPr lang="de-DE" dirty="0"/>
+              <a:t>Metriken:</a:t>
+            </a:r>
+          </a:p>
+          <a:p>
+            <a:pPr lvl="1"/>
+            <a:r>
+              <a:rPr lang="de-DE" dirty="0"/>
+              <a:t>MSE - mittlere quadratische Abweichung</a:t>
+            </a:r>
+          </a:p>
+          <a:p>
+            <a:pPr lvl="1"/>
+            <a:r>
+              <a:rPr lang="en-GB" dirty="0"/>
+              <a:t>MAE - </a:t>
+            </a:r>
+            <a:r>
+              <a:rPr lang="en-GB" dirty="0" err="1"/>
+              <a:t>mittlere</a:t>
+            </a:r>
+            <a:r>
+              <a:rPr lang="en-GB" dirty="0"/>
+              <a:t> absolute </a:t>
+            </a:r>
+            <a:r>
+              <a:rPr lang="en-GB" dirty="0" err="1"/>
+              <a:t>Abweichung</a:t>
+            </a:r>
+            <a:endParaRPr lang="en-GB" dirty="0"/>
+          </a:p>
+          <a:p>
+            <a:pPr lvl="1"/>
+            <a:r>
+              <a:rPr lang="en-GB" dirty="0" err="1"/>
+              <a:t>Binäre</a:t>
+            </a:r>
+            <a:r>
+              <a:rPr lang="en-GB" dirty="0"/>
+              <a:t> </a:t>
+            </a:r>
+            <a:r>
+              <a:rPr lang="en-GB" dirty="0" err="1"/>
+              <a:t>Kreuzentropie</a:t>
+            </a:r>
+            <a:endParaRPr lang="en-GB" dirty="0"/>
+          </a:p>
+          <a:p>
+            <a:pPr lvl="1"/>
+            <a:r>
+              <a:rPr lang="en-GB" dirty="0"/>
+              <a:t>Accuracy</a:t>
+            </a:r>
+          </a:p>
+        </p:txBody>
+      </p:sp>
+      <p:sp>
+        <p:nvSpPr>
+          <p:cNvPr id="4" name="Datumsplatzhalter 3">
+            <a:extLst>
+              <a:ext uri="{FF2B5EF4-FFF2-40B4-BE49-F238E27FC236}">
+                <a16:creationId xmlns:a16="http://schemas.microsoft.com/office/drawing/2014/main" id="{78CB2477-FA4A-429B-A21A-98B878ED496A}"/>
+              </a:ext>
+            </a:extLst>
+          </p:cNvPr>
+          <p:cNvSpPr>
+            <a:spLocks noGrp="1"/>
+          </p:cNvSpPr>
+          <p:nvPr>
+            <p:ph type="dt" sz="half" idx="10"/>
+          </p:nvPr>
+        </p:nvSpPr>
+        <p:spPr/>
+        <p:txBody>
+          <a:bodyPr/>
+          <a:lstStyle/>
+          <a:p>
+            <a:fld id="{D640B411-8FBB-45AA-9D73-8893D5C6FB80}" type="datetime1">
+              <a:rPr lang="en-GB" smtClean="0"/>
+              <a:t>03/01/2020</a:t>
+            </a:fld>
+            <a:endParaRPr lang="en-GB"/>
+          </a:p>
+        </p:txBody>
+      </p:sp>
+      <p:sp>
+        <p:nvSpPr>
+          <p:cNvPr id="5" name="Fußzeilenplatzhalter 4">
+            <a:extLst>
+              <a:ext uri="{FF2B5EF4-FFF2-40B4-BE49-F238E27FC236}">
+                <a16:creationId xmlns:a16="http://schemas.microsoft.com/office/drawing/2014/main" id="{3020F8BE-72A8-4823-B200-D8831E835A1F}"/>
+              </a:ext>
+            </a:extLst>
+          </p:cNvPr>
+          <p:cNvSpPr>
+            <a:spLocks noGrp="1"/>
+          </p:cNvSpPr>
+          <p:nvPr>
+            <p:ph type="ftr" sz="quarter" idx="11"/>
+          </p:nvPr>
+        </p:nvSpPr>
+        <p:spPr/>
+        <p:txBody>
+          <a:bodyPr/>
+          <a:lstStyle/>
+          <a:p>
+            <a:r>
+              <a:rPr lang="en-GB"/>
+              <a:t>Victor Wolf - MatNr 845615</a:t>
+            </a:r>
+          </a:p>
+        </p:txBody>
+      </p:sp>
+      <p:sp>
+        <p:nvSpPr>
+          <p:cNvPr id="6" name="Foliennummernplatzhalter 5">
+            <a:extLst>
+              <a:ext uri="{FF2B5EF4-FFF2-40B4-BE49-F238E27FC236}">
+                <a16:creationId xmlns:a16="http://schemas.microsoft.com/office/drawing/2014/main" id="{09F5A2DC-76F1-4501-9B35-1E7129D7CFBD}"/>
+              </a:ext>
+            </a:extLst>
+          </p:cNvPr>
+          <p:cNvSpPr>
+            <a:spLocks noGrp="1"/>
+          </p:cNvSpPr>
+          <p:nvPr>
+            <p:ph type="sldNum" sz="quarter" idx="12"/>
+          </p:nvPr>
+        </p:nvSpPr>
+        <p:spPr/>
+        <p:txBody>
+          <a:bodyPr/>
+          <a:lstStyle/>
+          <a:p>
+            <a:fld id="{C83A9D47-5F05-47CE-B9DC-CA0DD84831B9}" type="slidenum">
+              <a:rPr lang="en-GB" smtClean="0"/>
+              <a:t>23</a:t>
+            </a:fld>
+            <a:endParaRPr lang="en-GB"/>
+          </a:p>
+        </p:txBody>
+      </p:sp>
+    </p:spTree>
+    <p:extLst>
+      <p:ext uri="{BB962C8B-B14F-4D97-AF65-F5344CB8AC3E}">
+        <p14:creationId xmlns:p14="http://schemas.microsoft.com/office/powerpoint/2010/main" val="2142663466"/>
+      </p:ext>
+    </p:extLst>
+  </p:cSld>
+  <p:clrMapOvr>
+    <a:masterClrMapping/>
+  </p:clrMapOvr>
+</p:sld>
+</file>
+
+<file path=ppt/slides/slide24.xml><?xml version="1.0" encoding="utf-8"?>
+<p:sld xmlns:a="http://schemas.openxmlformats.org/drawingml/2006/main" xmlns:r="http://schemas.openxmlformats.org/officeDocument/2006/relationships" xmlns:p="http://schemas.openxmlformats.org/presentationml/2006/main">
+  <p:cSld>
+    <p:spTree>
+      <p:nvGrpSpPr>
+        <p:cNvPr id="1" name=""/>
+        <p:cNvGrpSpPr/>
+        <p:nvPr/>
+      </p:nvGrpSpPr>
+      <p:grpSpPr>
+        <a:xfrm>
+          <a:off x="0" y="0"/>
+          <a:ext cx="0" cy="0"/>
+          <a:chOff x="0" y="0"/>
+          <a:chExt cx="0" cy="0"/>
+        </a:xfrm>
+      </p:grpSpPr>
+      <p:sp>
+        <p:nvSpPr>
+          <p:cNvPr id="2" name="Titel 1">
+            <a:extLst>
+              <a:ext uri="{FF2B5EF4-FFF2-40B4-BE49-F238E27FC236}">
+                <a16:creationId xmlns:a16="http://schemas.microsoft.com/office/drawing/2014/main" id="{6551256B-3008-4864-83C0-3E0FF02FFA18}"/>
+              </a:ext>
+            </a:extLst>
+          </p:cNvPr>
+          <p:cNvSpPr>
+            <a:spLocks noGrp="1"/>
+          </p:cNvSpPr>
+          <p:nvPr>
+            <p:ph type="title"/>
+          </p:nvPr>
+        </p:nvSpPr>
+        <p:spPr/>
+        <p:txBody>
+          <a:bodyPr/>
+          <a:lstStyle/>
+          <a:p>
+            <a:r>
+              <a:rPr lang="de-DE" dirty="0"/>
+              <a:t>Evaluation </a:t>
+            </a:r>
+            <a:endParaRPr lang="en-GB" dirty="0"/>
+          </a:p>
+        </p:txBody>
+      </p:sp>
+      <p:sp>
+        <p:nvSpPr>
+          <p:cNvPr id="3" name="Inhaltsplatzhalter 2">
+            <a:extLst>
+              <a:ext uri="{FF2B5EF4-FFF2-40B4-BE49-F238E27FC236}">
+                <a16:creationId xmlns:a16="http://schemas.microsoft.com/office/drawing/2014/main" id="{6F451E84-1BEE-4A26-8A19-798E0F9538C3}"/>
+              </a:ext>
+            </a:extLst>
+          </p:cNvPr>
+          <p:cNvSpPr>
+            <a:spLocks noGrp="1"/>
+          </p:cNvSpPr>
+          <p:nvPr>
+            <p:ph idx="1"/>
+          </p:nvPr>
+        </p:nvSpPr>
+        <p:spPr/>
+        <p:txBody>
+          <a:bodyPr/>
+          <a:lstStyle/>
+          <a:p>
+            <a:pPr marL="0" indent="0">
+              <a:buNone/>
+            </a:pPr>
+            <a:r>
+              <a:rPr lang="de-DE" dirty="0"/>
+              <a:t>Netzstruktur:</a:t>
+            </a:r>
+          </a:p>
+          <a:p>
+            <a:pPr marL="0" indent="0">
+              <a:buNone/>
+            </a:pPr>
+            <a:endParaRPr lang="en-GB" dirty="0"/>
+          </a:p>
+        </p:txBody>
+      </p:sp>
+      <p:sp>
+        <p:nvSpPr>
+          <p:cNvPr id="4" name="Datumsplatzhalter 3">
+            <a:extLst>
+              <a:ext uri="{FF2B5EF4-FFF2-40B4-BE49-F238E27FC236}">
+                <a16:creationId xmlns:a16="http://schemas.microsoft.com/office/drawing/2014/main" id="{0C64F70E-6E0B-439D-B272-39227E7F3A6C}"/>
+              </a:ext>
+            </a:extLst>
+          </p:cNvPr>
+          <p:cNvSpPr>
+            <a:spLocks noGrp="1"/>
+          </p:cNvSpPr>
+          <p:nvPr>
+            <p:ph type="dt" sz="half" idx="10"/>
+          </p:nvPr>
+        </p:nvSpPr>
+        <p:spPr/>
+        <p:txBody>
+          <a:bodyPr/>
+          <a:lstStyle/>
+          <a:p>
+            <a:fld id="{D640B411-8FBB-45AA-9D73-8893D5C6FB80}" type="datetime1">
+              <a:rPr lang="en-GB" smtClean="0"/>
+              <a:t>03/01/2020</a:t>
+            </a:fld>
+            <a:endParaRPr lang="en-GB"/>
+          </a:p>
+        </p:txBody>
+      </p:sp>
+      <p:sp>
+        <p:nvSpPr>
+          <p:cNvPr id="5" name="Fußzeilenplatzhalter 4">
+            <a:extLst>
+              <a:ext uri="{FF2B5EF4-FFF2-40B4-BE49-F238E27FC236}">
+                <a16:creationId xmlns:a16="http://schemas.microsoft.com/office/drawing/2014/main" id="{FDDA71B0-CD83-4A96-A554-832D8A7F819D}"/>
+              </a:ext>
+            </a:extLst>
+          </p:cNvPr>
+          <p:cNvSpPr>
+            <a:spLocks noGrp="1"/>
+          </p:cNvSpPr>
+          <p:nvPr>
+            <p:ph type="ftr" sz="quarter" idx="11"/>
+          </p:nvPr>
+        </p:nvSpPr>
+        <p:spPr/>
+        <p:txBody>
+          <a:bodyPr/>
+          <a:lstStyle/>
+          <a:p>
+            <a:r>
+              <a:rPr lang="en-GB"/>
+              <a:t>Victor Wolf - MatNr 845615</a:t>
+            </a:r>
+          </a:p>
+        </p:txBody>
+      </p:sp>
+      <p:sp>
+        <p:nvSpPr>
+          <p:cNvPr id="6" name="Foliennummernplatzhalter 5">
+            <a:extLst>
+              <a:ext uri="{FF2B5EF4-FFF2-40B4-BE49-F238E27FC236}">
+                <a16:creationId xmlns:a16="http://schemas.microsoft.com/office/drawing/2014/main" id="{7D2731DE-1AA5-4C00-93FD-BF964B8007C3}"/>
+              </a:ext>
+            </a:extLst>
+          </p:cNvPr>
+          <p:cNvSpPr>
+            <a:spLocks noGrp="1"/>
+          </p:cNvSpPr>
+          <p:nvPr>
+            <p:ph type="sldNum" sz="quarter" idx="12"/>
+          </p:nvPr>
+        </p:nvSpPr>
+        <p:spPr/>
+        <p:txBody>
+          <a:bodyPr/>
+          <a:lstStyle/>
+          <a:p>
+            <a:fld id="{C83A9D47-5F05-47CE-B9DC-CA0DD84831B9}" type="slidenum">
+              <a:rPr lang="en-GB" smtClean="0"/>
+              <a:t>24</a:t>
+            </a:fld>
+            <a:endParaRPr lang="en-GB"/>
+          </a:p>
+        </p:txBody>
+      </p:sp>
+      <p:pic>
+        <p:nvPicPr>
+          <p:cNvPr id="7" name="Grafik 6">
+            <a:extLst>
+              <a:ext uri="{FF2B5EF4-FFF2-40B4-BE49-F238E27FC236}">
+                <a16:creationId xmlns:a16="http://schemas.microsoft.com/office/drawing/2014/main" id="{99F79BF0-A8E0-4141-9043-7AB3F2F3B2C0}"/>
+              </a:ext>
+            </a:extLst>
+          </p:cNvPr>
+          <p:cNvPicPr>
+            <a:picLocks noChangeAspect="1"/>
+          </p:cNvPicPr>
+          <p:nvPr/>
+        </p:nvPicPr>
+        <p:blipFill>
+          <a:blip r:embed="rId2"/>
+          <a:stretch>
+            <a:fillRect/>
+          </a:stretch>
+        </p:blipFill>
+        <p:spPr>
+          <a:xfrm>
+            <a:off x="1955798" y="3277394"/>
+            <a:ext cx="8277225" cy="1485900"/>
+          </a:xfrm>
+          <a:prstGeom prst="rect">
+            <a:avLst/>
+          </a:prstGeom>
+        </p:spPr>
+      </p:pic>
+    </p:spTree>
+    <p:extLst>
+      <p:ext uri="{BB962C8B-B14F-4D97-AF65-F5344CB8AC3E}">
+        <p14:creationId xmlns:p14="http://schemas.microsoft.com/office/powerpoint/2010/main" val="1379325489"/>
+      </p:ext>
+    </p:extLst>
+  </p:cSld>
+  <p:clrMapOvr>
+    <a:masterClrMapping/>
+  </p:clrMapOvr>
+</p:sld>
+</file>
+
+<file path=ppt/slides/slide25.xml><?xml version="1.0" encoding="utf-8"?>
+<p:sld xmlns:a="http://schemas.openxmlformats.org/drawingml/2006/main" xmlns:r="http://schemas.openxmlformats.org/officeDocument/2006/relationships" xmlns:p="http://schemas.openxmlformats.org/presentationml/2006/main">
+  <p:cSld>
+    <p:spTree>
+      <p:nvGrpSpPr>
+        <p:cNvPr id="1" name=""/>
+        <p:cNvGrpSpPr/>
+        <p:nvPr/>
+      </p:nvGrpSpPr>
+      <p:grpSpPr>
+        <a:xfrm>
+          <a:off x="0" y="0"/>
+          <a:ext cx="0" cy="0"/>
+          <a:chOff x="0" y="0"/>
+          <a:chExt cx="0" cy="0"/>
+        </a:xfrm>
+      </p:grpSpPr>
+      <p:sp>
+        <p:nvSpPr>
+          <p:cNvPr id="2" name="Titel 1">
+            <a:extLst>
+              <a:ext uri="{FF2B5EF4-FFF2-40B4-BE49-F238E27FC236}">
+                <a16:creationId xmlns:a16="http://schemas.microsoft.com/office/drawing/2014/main" id="{D39B2CF1-0E8B-48AB-BE30-047C57D1EA3C}"/>
+              </a:ext>
+            </a:extLst>
+          </p:cNvPr>
+          <p:cNvSpPr>
+            <a:spLocks noGrp="1"/>
+          </p:cNvSpPr>
+          <p:nvPr>
+            <p:ph type="title"/>
+          </p:nvPr>
+        </p:nvSpPr>
+        <p:spPr/>
+        <p:txBody>
+          <a:bodyPr/>
+          <a:lstStyle/>
+          <a:p>
+            <a:r>
+              <a:rPr lang="de-DE" dirty="0"/>
+              <a:t>Evaluation</a:t>
+            </a:r>
+            <a:endParaRPr lang="en-GB" dirty="0"/>
+          </a:p>
+        </p:txBody>
+      </p:sp>
+      <p:sp>
+        <p:nvSpPr>
+          <p:cNvPr id="3" name="Inhaltsplatzhalter 2">
+            <a:extLst>
+              <a:ext uri="{FF2B5EF4-FFF2-40B4-BE49-F238E27FC236}">
+                <a16:creationId xmlns:a16="http://schemas.microsoft.com/office/drawing/2014/main" id="{441F6F2D-E84D-42CC-A8E7-4488F9E970EA}"/>
+              </a:ext>
+            </a:extLst>
+          </p:cNvPr>
+          <p:cNvSpPr>
+            <a:spLocks noGrp="1"/>
+          </p:cNvSpPr>
+          <p:nvPr>
+            <p:ph idx="1"/>
+          </p:nvPr>
+        </p:nvSpPr>
+        <p:spPr/>
+        <p:txBody>
+          <a:bodyPr/>
+          <a:lstStyle/>
+          <a:p>
+            <a:pPr marL="0" indent="0">
+              <a:buNone/>
+            </a:pPr>
+            <a:r>
+              <a:rPr lang="de-DE" dirty="0"/>
+              <a:t>Erwartung:</a:t>
+            </a:r>
+          </a:p>
+          <a:p>
+            <a:pPr lvl="1"/>
+            <a:r>
+              <a:rPr lang="de-DE" dirty="0"/>
+              <a:t>ADAM sollte am besten performen</a:t>
+            </a:r>
+          </a:p>
+          <a:p>
+            <a:pPr lvl="1"/>
+            <a:r>
+              <a:rPr lang="de-DE" dirty="0" err="1"/>
+              <a:t>Adagrad</a:t>
+            </a:r>
+            <a:r>
+              <a:rPr lang="de-DE" dirty="0"/>
+              <a:t> ebenfalls gut </a:t>
+            </a:r>
+          </a:p>
+          <a:p>
+            <a:pPr lvl="1"/>
+            <a:r>
+              <a:rPr lang="de-DE" dirty="0" err="1"/>
+              <a:t>Stochastic</a:t>
+            </a:r>
+            <a:r>
+              <a:rPr lang="de-DE" dirty="0"/>
+              <a:t> Gradient </a:t>
+            </a:r>
+            <a:r>
+              <a:rPr lang="de-DE" dirty="0" err="1"/>
+              <a:t>Descent</a:t>
+            </a:r>
+            <a:r>
+              <a:rPr lang="de-DE" dirty="0"/>
+              <a:t> eher schlecht</a:t>
+            </a:r>
+          </a:p>
+        </p:txBody>
+      </p:sp>
+      <p:sp>
+        <p:nvSpPr>
+          <p:cNvPr id="4" name="Datumsplatzhalter 3">
+            <a:extLst>
+              <a:ext uri="{FF2B5EF4-FFF2-40B4-BE49-F238E27FC236}">
+                <a16:creationId xmlns:a16="http://schemas.microsoft.com/office/drawing/2014/main" id="{76593C2A-E1C9-4C1E-AD6D-4E85E141BAD0}"/>
+              </a:ext>
+            </a:extLst>
+          </p:cNvPr>
+          <p:cNvSpPr>
+            <a:spLocks noGrp="1"/>
+          </p:cNvSpPr>
+          <p:nvPr>
+            <p:ph type="dt" sz="half" idx="10"/>
+          </p:nvPr>
+        </p:nvSpPr>
+        <p:spPr/>
+        <p:txBody>
+          <a:bodyPr/>
+          <a:lstStyle/>
+          <a:p>
+            <a:fld id="{D640B411-8FBB-45AA-9D73-8893D5C6FB80}" type="datetime1">
+              <a:rPr lang="en-GB" smtClean="0"/>
+              <a:t>03/01/2020</a:t>
+            </a:fld>
+            <a:endParaRPr lang="en-GB"/>
+          </a:p>
+        </p:txBody>
+      </p:sp>
+      <p:sp>
+        <p:nvSpPr>
+          <p:cNvPr id="5" name="Fußzeilenplatzhalter 4">
+            <a:extLst>
+              <a:ext uri="{FF2B5EF4-FFF2-40B4-BE49-F238E27FC236}">
+                <a16:creationId xmlns:a16="http://schemas.microsoft.com/office/drawing/2014/main" id="{947EDD9C-109F-4AB3-BA8A-781FB7C384D4}"/>
+              </a:ext>
+            </a:extLst>
+          </p:cNvPr>
+          <p:cNvSpPr>
+            <a:spLocks noGrp="1"/>
+          </p:cNvSpPr>
+          <p:nvPr>
+            <p:ph type="ftr" sz="quarter" idx="11"/>
+          </p:nvPr>
+        </p:nvSpPr>
+        <p:spPr/>
+        <p:txBody>
+          <a:bodyPr/>
+          <a:lstStyle/>
+          <a:p>
+            <a:r>
+              <a:rPr lang="en-GB"/>
+              <a:t>Victor Wolf - MatNr 845615</a:t>
+            </a:r>
+          </a:p>
+        </p:txBody>
+      </p:sp>
+      <p:sp>
+        <p:nvSpPr>
+          <p:cNvPr id="6" name="Foliennummernplatzhalter 5">
+            <a:extLst>
+              <a:ext uri="{FF2B5EF4-FFF2-40B4-BE49-F238E27FC236}">
+                <a16:creationId xmlns:a16="http://schemas.microsoft.com/office/drawing/2014/main" id="{FA3DD286-8C9C-422C-A1C8-EF181350F54B}"/>
+              </a:ext>
+            </a:extLst>
+          </p:cNvPr>
+          <p:cNvSpPr>
+            <a:spLocks noGrp="1"/>
+          </p:cNvSpPr>
+          <p:nvPr>
+            <p:ph type="sldNum" sz="quarter" idx="12"/>
+          </p:nvPr>
+        </p:nvSpPr>
+        <p:spPr/>
+        <p:txBody>
+          <a:bodyPr/>
+          <a:lstStyle/>
+          <a:p>
+            <a:fld id="{C83A9D47-5F05-47CE-B9DC-CA0DD84831B9}" type="slidenum">
+              <a:rPr lang="en-GB" smtClean="0"/>
+              <a:t>25</a:t>
+            </a:fld>
+            <a:endParaRPr lang="en-GB"/>
+          </a:p>
+        </p:txBody>
+      </p:sp>
+    </p:spTree>
+    <p:extLst>
+      <p:ext uri="{BB962C8B-B14F-4D97-AF65-F5344CB8AC3E}">
+        <p14:creationId xmlns:p14="http://schemas.microsoft.com/office/powerpoint/2010/main" val="2478395743"/>
+      </p:ext>
+    </p:extLst>
+  </p:cSld>
+  <p:clrMapOvr>
+    <a:masterClrMapping/>
+  </p:clrMapOvr>
+</p:sld>
+</file>
+
+<file path=ppt/slides/slide26.xml><?xml version="1.0" encoding="utf-8"?>
+<p:sld xmlns:a="http://schemas.openxmlformats.org/drawingml/2006/main" xmlns:r="http://schemas.openxmlformats.org/officeDocument/2006/relationships" xmlns:p="http://schemas.openxmlformats.org/presentationml/2006/main">
+  <p:cSld>
+    <p:spTree>
+      <p:nvGrpSpPr>
+        <p:cNvPr id="1" name=""/>
+        <p:cNvGrpSpPr/>
+        <p:nvPr/>
+      </p:nvGrpSpPr>
+      <p:grpSpPr>
+        <a:xfrm>
+          <a:off x="0" y="0"/>
+          <a:ext cx="0" cy="0"/>
+          <a:chOff x="0" y="0"/>
+          <a:chExt cx="0" cy="0"/>
+        </a:xfrm>
+      </p:grpSpPr>
+      <p:sp>
+        <p:nvSpPr>
+          <p:cNvPr id="2" name="Titel 1">
+            <a:extLst>
+              <a:ext uri="{FF2B5EF4-FFF2-40B4-BE49-F238E27FC236}">
+                <a16:creationId xmlns:a16="http://schemas.microsoft.com/office/drawing/2014/main" id="{A7FE5B06-2524-45B1-BA7F-3132AC9921AB}"/>
+              </a:ext>
+            </a:extLst>
+          </p:cNvPr>
+          <p:cNvSpPr>
+            <a:spLocks noGrp="1"/>
+          </p:cNvSpPr>
+          <p:nvPr>
+            <p:ph type="title"/>
+          </p:nvPr>
+        </p:nvSpPr>
+        <p:spPr/>
+        <p:txBody>
+          <a:bodyPr/>
+          <a:lstStyle/>
+          <a:p>
+            <a:r>
+              <a:rPr lang="de-DE" dirty="0" err="1"/>
+              <a:t>Evalutation</a:t>
+            </a:r>
+            <a:endParaRPr lang="en-GB" dirty="0"/>
+          </a:p>
+        </p:txBody>
+      </p:sp>
+      <p:sp>
+        <p:nvSpPr>
+          <p:cNvPr id="3" name="Inhaltsplatzhalter 2">
+            <a:extLst>
+              <a:ext uri="{FF2B5EF4-FFF2-40B4-BE49-F238E27FC236}">
+                <a16:creationId xmlns:a16="http://schemas.microsoft.com/office/drawing/2014/main" id="{A04F6BD2-D6AA-4BE3-B3BB-CF37C14519B6}"/>
+              </a:ext>
+            </a:extLst>
+          </p:cNvPr>
+          <p:cNvSpPr>
+            <a:spLocks noGrp="1"/>
+          </p:cNvSpPr>
+          <p:nvPr>
+            <p:ph idx="1"/>
+          </p:nvPr>
+        </p:nvSpPr>
+        <p:spPr/>
+        <p:txBody>
+          <a:bodyPr/>
+          <a:lstStyle/>
+          <a:p>
+            <a:endParaRPr lang="en-GB"/>
+          </a:p>
+        </p:txBody>
+      </p:sp>
+      <p:sp>
+        <p:nvSpPr>
+          <p:cNvPr id="4" name="Datumsplatzhalter 3">
+            <a:extLst>
+              <a:ext uri="{FF2B5EF4-FFF2-40B4-BE49-F238E27FC236}">
+                <a16:creationId xmlns:a16="http://schemas.microsoft.com/office/drawing/2014/main" id="{D55F494C-C361-47A3-B076-CD735FA33A64}"/>
+              </a:ext>
+            </a:extLst>
+          </p:cNvPr>
+          <p:cNvSpPr>
+            <a:spLocks noGrp="1"/>
+          </p:cNvSpPr>
+          <p:nvPr>
+            <p:ph type="dt" sz="half" idx="10"/>
+          </p:nvPr>
+        </p:nvSpPr>
+        <p:spPr/>
+        <p:txBody>
+          <a:bodyPr/>
+          <a:lstStyle/>
+          <a:p>
+            <a:fld id="{D640B411-8FBB-45AA-9D73-8893D5C6FB80}" type="datetime1">
+              <a:rPr lang="en-GB" smtClean="0"/>
+              <a:t>03/01/2020</a:t>
+            </a:fld>
+            <a:endParaRPr lang="en-GB"/>
+          </a:p>
+        </p:txBody>
+      </p:sp>
+      <p:sp>
+        <p:nvSpPr>
+          <p:cNvPr id="5" name="Fußzeilenplatzhalter 4">
+            <a:extLst>
+              <a:ext uri="{FF2B5EF4-FFF2-40B4-BE49-F238E27FC236}">
+                <a16:creationId xmlns:a16="http://schemas.microsoft.com/office/drawing/2014/main" id="{B247FDA3-4C40-4264-8C92-7404741CCE43}"/>
+              </a:ext>
+            </a:extLst>
+          </p:cNvPr>
+          <p:cNvSpPr>
+            <a:spLocks noGrp="1"/>
+          </p:cNvSpPr>
+          <p:nvPr>
+            <p:ph type="ftr" sz="quarter" idx="11"/>
+          </p:nvPr>
+        </p:nvSpPr>
+        <p:spPr/>
+        <p:txBody>
+          <a:bodyPr/>
+          <a:lstStyle/>
+          <a:p>
+            <a:r>
+              <a:rPr lang="en-GB"/>
+              <a:t>Victor Wolf - MatNr 845615</a:t>
+            </a:r>
+          </a:p>
+        </p:txBody>
+      </p:sp>
+      <p:sp>
+        <p:nvSpPr>
+          <p:cNvPr id="6" name="Foliennummernplatzhalter 5">
+            <a:extLst>
+              <a:ext uri="{FF2B5EF4-FFF2-40B4-BE49-F238E27FC236}">
+                <a16:creationId xmlns:a16="http://schemas.microsoft.com/office/drawing/2014/main" id="{0E01553F-8C80-4806-8A60-5EBC906D9770}"/>
+              </a:ext>
+            </a:extLst>
+          </p:cNvPr>
+          <p:cNvSpPr>
+            <a:spLocks noGrp="1"/>
+          </p:cNvSpPr>
+          <p:nvPr>
+            <p:ph type="sldNum" sz="quarter" idx="12"/>
+          </p:nvPr>
+        </p:nvSpPr>
+        <p:spPr/>
+        <p:txBody>
+          <a:bodyPr/>
+          <a:lstStyle/>
+          <a:p>
+            <a:fld id="{C83A9D47-5F05-47CE-B9DC-CA0DD84831B9}" type="slidenum">
+              <a:rPr lang="en-GB" smtClean="0"/>
+              <a:t>26</a:t>
+            </a:fld>
+            <a:endParaRPr lang="en-GB"/>
+          </a:p>
+        </p:txBody>
+      </p:sp>
+      <p:pic>
+        <p:nvPicPr>
+          <p:cNvPr id="7" name="Grafik 6">
+            <a:extLst>
+              <a:ext uri="{FF2B5EF4-FFF2-40B4-BE49-F238E27FC236}">
+                <a16:creationId xmlns:a16="http://schemas.microsoft.com/office/drawing/2014/main" id="{3143374E-7278-4616-868B-6A2710A63895}"/>
+              </a:ext>
+            </a:extLst>
+          </p:cNvPr>
+          <p:cNvPicPr>
+            <a:picLocks noChangeAspect="1"/>
+          </p:cNvPicPr>
+          <p:nvPr/>
+        </p:nvPicPr>
+        <p:blipFill>
+          <a:blip r:embed="rId2"/>
+          <a:stretch>
+            <a:fillRect/>
+          </a:stretch>
+        </p:blipFill>
+        <p:spPr>
+          <a:xfrm>
+            <a:off x="3717923" y="3239294"/>
+            <a:ext cx="4752975" cy="1562100"/>
+          </a:xfrm>
+          <a:prstGeom prst="rect">
+            <a:avLst/>
+          </a:prstGeom>
+        </p:spPr>
+      </p:pic>
+    </p:spTree>
+    <p:extLst>
+      <p:ext uri="{BB962C8B-B14F-4D97-AF65-F5344CB8AC3E}">
+        <p14:creationId xmlns:p14="http://schemas.microsoft.com/office/powerpoint/2010/main" val="1939027138"/>
+      </p:ext>
+    </p:extLst>
+  </p:cSld>
+  <p:clrMapOvr>
+    <a:masterClrMapping/>
+  </p:clrMapOvr>
+</p:sld>
+</file>
+
+<file path=ppt/slides/slide27.xml><?xml version="1.0" encoding="utf-8"?>
+<p:sld xmlns:a="http://schemas.openxmlformats.org/drawingml/2006/main" xmlns:r="http://schemas.openxmlformats.org/officeDocument/2006/relationships" xmlns:p="http://schemas.openxmlformats.org/presentationml/2006/main">
+  <p:cSld>
+    <p:spTree>
+      <p:nvGrpSpPr>
+        <p:cNvPr id="1" name=""/>
+        <p:cNvGrpSpPr/>
+        <p:nvPr/>
+      </p:nvGrpSpPr>
+      <p:grpSpPr>
+        <a:xfrm>
+          <a:off x="0" y="0"/>
+          <a:ext cx="0" cy="0"/>
+          <a:chOff x="0" y="0"/>
+          <a:chExt cx="0" cy="0"/>
+        </a:xfrm>
+      </p:grpSpPr>
+      <p:sp>
+        <p:nvSpPr>
+          <p:cNvPr id="2" name="Titel 1">
+            <a:extLst>
+              <a:ext uri="{FF2B5EF4-FFF2-40B4-BE49-F238E27FC236}">
+                <a16:creationId xmlns:a16="http://schemas.microsoft.com/office/drawing/2014/main" id="{450C879C-2DAE-4570-9F3B-20C4C1553A32}"/>
+              </a:ext>
+            </a:extLst>
+          </p:cNvPr>
+          <p:cNvSpPr>
+            <a:spLocks noGrp="1"/>
+          </p:cNvSpPr>
+          <p:nvPr>
+            <p:ph type="title"/>
+          </p:nvPr>
+        </p:nvSpPr>
+        <p:spPr/>
+        <p:txBody>
+          <a:bodyPr/>
+          <a:lstStyle/>
+          <a:p>
+            <a:r>
+              <a:rPr lang="de-DE" dirty="0"/>
+              <a:t>Evaluation</a:t>
+            </a:r>
+            <a:endParaRPr lang="en-GB" dirty="0"/>
+          </a:p>
+        </p:txBody>
+      </p:sp>
+      <p:pic>
+        <p:nvPicPr>
+          <p:cNvPr id="8" name="Inhaltsplatzhalter 7">
+            <a:extLst>
+              <a:ext uri="{FF2B5EF4-FFF2-40B4-BE49-F238E27FC236}">
+                <a16:creationId xmlns:a16="http://schemas.microsoft.com/office/drawing/2014/main" id="{F7DC40FA-A078-45A9-9274-900625AD3F85}"/>
+              </a:ext>
+            </a:extLst>
+          </p:cNvPr>
+          <p:cNvPicPr>
+            <a:picLocks noGrp="1" noChangeAspect="1"/>
+          </p:cNvPicPr>
+          <p:nvPr>
+            <p:ph idx="1"/>
+          </p:nvPr>
+        </p:nvPicPr>
+        <p:blipFill>
+          <a:blip r:embed="rId2">
+            <a:extLst>
+              <a:ext uri="{28A0092B-C50C-407E-A947-70E740481C1C}">
+                <a14:useLocalDpi xmlns:a14="http://schemas.microsoft.com/office/drawing/2010/main" val="0"/>
+              </a:ext>
+            </a:extLst>
+          </a:blip>
+          <a:stretch>
+            <a:fillRect/>
+          </a:stretch>
+        </p:blipFill>
+        <p:spPr>
+          <a:xfrm>
+            <a:off x="3807056" y="2097088"/>
+            <a:ext cx="4574711" cy="3541712"/>
+          </a:xfrm>
+        </p:spPr>
+      </p:pic>
+      <p:sp>
+        <p:nvSpPr>
+          <p:cNvPr id="4" name="Datumsplatzhalter 3">
+            <a:extLst>
+              <a:ext uri="{FF2B5EF4-FFF2-40B4-BE49-F238E27FC236}">
+                <a16:creationId xmlns:a16="http://schemas.microsoft.com/office/drawing/2014/main" id="{89C6505C-A10E-4531-B822-5BB3BBE6D8AE}"/>
+              </a:ext>
+            </a:extLst>
+          </p:cNvPr>
+          <p:cNvSpPr>
+            <a:spLocks noGrp="1"/>
+          </p:cNvSpPr>
+          <p:nvPr>
+            <p:ph type="dt" sz="half" idx="10"/>
+          </p:nvPr>
+        </p:nvSpPr>
+        <p:spPr/>
+        <p:txBody>
+          <a:bodyPr/>
+          <a:lstStyle/>
+          <a:p>
+            <a:fld id="{D640B411-8FBB-45AA-9D73-8893D5C6FB80}" type="datetime1">
+              <a:rPr lang="en-GB" smtClean="0"/>
+              <a:t>03/01/2020</a:t>
+            </a:fld>
+            <a:endParaRPr lang="en-GB"/>
+          </a:p>
+        </p:txBody>
+      </p:sp>
+      <p:sp>
+        <p:nvSpPr>
+          <p:cNvPr id="5" name="Fußzeilenplatzhalter 4">
+            <a:extLst>
+              <a:ext uri="{FF2B5EF4-FFF2-40B4-BE49-F238E27FC236}">
+                <a16:creationId xmlns:a16="http://schemas.microsoft.com/office/drawing/2014/main" id="{3ADE6F6B-819B-407B-8271-672E9ABE9EDF}"/>
+              </a:ext>
+            </a:extLst>
+          </p:cNvPr>
+          <p:cNvSpPr>
+            <a:spLocks noGrp="1"/>
+          </p:cNvSpPr>
+          <p:nvPr>
+            <p:ph type="ftr" sz="quarter" idx="11"/>
+          </p:nvPr>
+        </p:nvSpPr>
+        <p:spPr/>
+        <p:txBody>
+          <a:bodyPr/>
+          <a:lstStyle/>
+          <a:p>
+            <a:r>
+              <a:rPr lang="en-GB"/>
+              <a:t>Victor Wolf - MatNr 845615</a:t>
+            </a:r>
+          </a:p>
+        </p:txBody>
+      </p:sp>
+      <p:sp>
+        <p:nvSpPr>
+          <p:cNvPr id="6" name="Foliennummernplatzhalter 5">
+            <a:extLst>
+              <a:ext uri="{FF2B5EF4-FFF2-40B4-BE49-F238E27FC236}">
+                <a16:creationId xmlns:a16="http://schemas.microsoft.com/office/drawing/2014/main" id="{0065310D-0460-4AA9-84CA-F361002BB43D}"/>
+              </a:ext>
+            </a:extLst>
+          </p:cNvPr>
+          <p:cNvSpPr>
+            <a:spLocks noGrp="1"/>
+          </p:cNvSpPr>
+          <p:nvPr>
+            <p:ph type="sldNum" sz="quarter" idx="12"/>
+          </p:nvPr>
+        </p:nvSpPr>
+        <p:spPr/>
+        <p:txBody>
+          <a:bodyPr/>
+          <a:lstStyle/>
+          <a:p>
+            <a:fld id="{C83A9D47-5F05-47CE-B9DC-CA0DD84831B9}" type="slidenum">
+              <a:rPr lang="en-GB" smtClean="0"/>
+              <a:t>27</a:t>
+            </a:fld>
+            <a:endParaRPr lang="en-GB"/>
+          </a:p>
+        </p:txBody>
+      </p:sp>
+    </p:spTree>
+    <p:extLst>
+      <p:ext uri="{BB962C8B-B14F-4D97-AF65-F5344CB8AC3E}">
+        <p14:creationId xmlns:p14="http://schemas.microsoft.com/office/powerpoint/2010/main" val="1877618814"/>
+      </p:ext>
+    </p:extLst>
+  </p:cSld>
+  <p:clrMapOvr>
+    <a:masterClrMapping/>
+  </p:clrMapOvr>
+</p:sld>
+</file>
+
+<file path=ppt/slides/slide28.xml><?xml version="1.0" encoding="utf-8"?>
+<p:sld xmlns:a="http://schemas.openxmlformats.org/drawingml/2006/main" xmlns:r="http://schemas.openxmlformats.org/officeDocument/2006/relationships" xmlns:p="http://schemas.openxmlformats.org/presentationml/2006/main">
+  <p:cSld>
+    <p:spTree>
+      <p:nvGrpSpPr>
+        <p:cNvPr id="1" name=""/>
+        <p:cNvGrpSpPr/>
+        <p:nvPr/>
+      </p:nvGrpSpPr>
+      <p:grpSpPr>
+        <a:xfrm>
+          <a:off x="0" y="0"/>
+          <a:ext cx="0" cy="0"/>
+          <a:chOff x="0" y="0"/>
+          <a:chExt cx="0" cy="0"/>
+        </a:xfrm>
+      </p:grpSpPr>
+      <p:sp>
+        <p:nvSpPr>
+          <p:cNvPr id="2" name="Titel 1">
+            <a:extLst>
+              <a:ext uri="{FF2B5EF4-FFF2-40B4-BE49-F238E27FC236}">
+                <a16:creationId xmlns:a16="http://schemas.microsoft.com/office/drawing/2014/main" id="{0E923879-5FBE-4B4B-B819-4FEB295A8CCF}"/>
+              </a:ext>
+            </a:extLst>
+          </p:cNvPr>
+          <p:cNvSpPr>
+            <a:spLocks noGrp="1"/>
+          </p:cNvSpPr>
+          <p:nvPr>
+            <p:ph type="title"/>
+          </p:nvPr>
+        </p:nvSpPr>
+        <p:spPr/>
+        <p:txBody>
+          <a:bodyPr/>
+          <a:lstStyle/>
+          <a:p>
+            <a:r>
+              <a:rPr lang="de-DE" dirty="0"/>
+              <a:t>Evaluation</a:t>
+            </a:r>
+            <a:endParaRPr lang="en-GB" dirty="0"/>
+          </a:p>
+        </p:txBody>
+      </p:sp>
+      <p:sp>
+        <p:nvSpPr>
+          <p:cNvPr id="3" name="Inhaltsplatzhalter 2">
+            <a:extLst>
+              <a:ext uri="{FF2B5EF4-FFF2-40B4-BE49-F238E27FC236}">
+                <a16:creationId xmlns:a16="http://schemas.microsoft.com/office/drawing/2014/main" id="{2FA4AFE2-5A52-4A27-9E30-14A04389F1C6}"/>
+              </a:ext>
+            </a:extLst>
+          </p:cNvPr>
+          <p:cNvSpPr>
+            <a:spLocks noGrp="1"/>
+          </p:cNvSpPr>
+          <p:nvPr>
+            <p:ph idx="1"/>
+          </p:nvPr>
+        </p:nvSpPr>
+        <p:spPr/>
+        <p:txBody>
+          <a:bodyPr/>
+          <a:lstStyle/>
+          <a:p>
+            <a:endParaRPr lang="en-GB"/>
+          </a:p>
+        </p:txBody>
+      </p:sp>
+      <p:sp>
+        <p:nvSpPr>
+          <p:cNvPr id="4" name="Datumsplatzhalter 3">
+            <a:extLst>
+              <a:ext uri="{FF2B5EF4-FFF2-40B4-BE49-F238E27FC236}">
+                <a16:creationId xmlns:a16="http://schemas.microsoft.com/office/drawing/2014/main" id="{EAA91188-996C-4BCA-B1EA-25B935835FDD}"/>
+              </a:ext>
+            </a:extLst>
+          </p:cNvPr>
+          <p:cNvSpPr>
+            <a:spLocks noGrp="1"/>
+          </p:cNvSpPr>
+          <p:nvPr>
+            <p:ph type="dt" sz="half" idx="10"/>
+          </p:nvPr>
+        </p:nvSpPr>
+        <p:spPr/>
+        <p:txBody>
+          <a:bodyPr/>
+          <a:lstStyle/>
+          <a:p>
+            <a:fld id="{D640B411-8FBB-45AA-9D73-8893D5C6FB80}" type="datetime1">
+              <a:rPr lang="en-GB" smtClean="0"/>
+              <a:t>03/01/2020</a:t>
+            </a:fld>
+            <a:endParaRPr lang="en-GB"/>
+          </a:p>
+        </p:txBody>
+      </p:sp>
+      <p:sp>
+        <p:nvSpPr>
+          <p:cNvPr id="5" name="Fußzeilenplatzhalter 4">
+            <a:extLst>
+              <a:ext uri="{FF2B5EF4-FFF2-40B4-BE49-F238E27FC236}">
+                <a16:creationId xmlns:a16="http://schemas.microsoft.com/office/drawing/2014/main" id="{308E2E10-81C5-4B5F-BEEE-6827220523F4}"/>
+              </a:ext>
+            </a:extLst>
+          </p:cNvPr>
+          <p:cNvSpPr>
+            <a:spLocks noGrp="1"/>
+          </p:cNvSpPr>
+          <p:nvPr>
+            <p:ph type="ftr" sz="quarter" idx="11"/>
+          </p:nvPr>
+        </p:nvSpPr>
+        <p:spPr/>
+        <p:txBody>
+          <a:bodyPr/>
+          <a:lstStyle/>
+          <a:p>
+            <a:r>
+              <a:rPr lang="en-GB"/>
+              <a:t>Victor Wolf - MatNr 845615</a:t>
+            </a:r>
+          </a:p>
+        </p:txBody>
+      </p:sp>
+      <p:sp>
+        <p:nvSpPr>
+          <p:cNvPr id="6" name="Foliennummernplatzhalter 5">
+            <a:extLst>
+              <a:ext uri="{FF2B5EF4-FFF2-40B4-BE49-F238E27FC236}">
+                <a16:creationId xmlns:a16="http://schemas.microsoft.com/office/drawing/2014/main" id="{A5AF9F83-D705-4135-BB51-7AD9D92FC6EA}"/>
+              </a:ext>
+            </a:extLst>
+          </p:cNvPr>
+          <p:cNvSpPr>
+            <a:spLocks noGrp="1"/>
+          </p:cNvSpPr>
+          <p:nvPr>
+            <p:ph type="sldNum" sz="quarter" idx="12"/>
+          </p:nvPr>
+        </p:nvSpPr>
+        <p:spPr/>
+        <p:txBody>
+          <a:bodyPr/>
+          <a:lstStyle/>
+          <a:p>
+            <a:fld id="{C83A9D47-5F05-47CE-B9DC-CA0DD84831B9}" type="slidenum">
+              <a:rPr lang="en-GB" smtClean="0"/>
+              <a:t>28</a:t>
+            </a:fld>
+            <a:endParaRPr lang="en-GB"/>
+          </a:p>
+        </p:txBody>
+      </p:sp>
+      <p:pic>
+        <p:nvPicPr>
+          <p:cNvPr id="7" name="Grafik 6">
+            <a:extLst>
+              <a:ext uri="{FF2B5EF4-FFF2-40B4-BE49-F238E27FC236}">
+                <a16:creationId xmlns:a16="http://schemas.microsoft.com/office/drawing/2014/main" id="{204ED169-AFCC-451A-9D24-48369338238B}"/>
+              </a:ext>
+            </a:extLst>
+          </p:cNvPr>
+          <p:cNvPicPr>
+            <a:picLocks noChangeAspect="1"/>
+          </p:cNvPicPr>
+          <p:nvPr/>
+        </p:nvPicPr>
+        <p:blipFill>
+          <a:blip r:embed="rId2"/>
+          <a:stretch>
+            <a:fillRect/>
+          </a:stretch>
+        </p:blipFill>
+        <p:spPr>
+          <a:xfrm>
+            <a:off x="3703636" y="3220244"/>
+            <a:ext cx="4781550" cy="1600200"/>
+          </a:xfrm>
+          <a:prstGeom prst="rect">
+            <a:avLst/>
+          </a:prstGeom>
+        </p:spPr>
+      </p:pic>
+    </p:spTree>
+    <p:extLst>
+      <p:ext uri="{BB962C8B-B14F-4D97-AF65-F5344CB8AC3E}">
+        <p14:creationId xmlns:p14="http://schemas.microsoft.com/office/powerpoint/2010/main" val="3533310067"/>
+      </p:ext>
+    </p:extLst>
+  </p:cSld>
+  <p:clrMapOvr>
+    <a:masterClrMapping/>
+  </p:clrMapOvr>
+</p:sld>
+</file>
+
+<file path=ppt/slides/slide29.xml><?xml version="1.0" encoding="utf-8"?>
+<p:sld xmlns:a="http://schemas.openxmlformats.org/drawingml/2006/main" xmlns:r="http://schemas.openxmlformats.org/officeDocument/2006/relationships" xmlns:p="http://schemas.openxmlformats.org/presentationml/2006/main">
+  <p:cSld>
+    <p:spTree>
+      <p:nvGrpSpPr>
+        <p:cNvPr id="1" name=""/>
+        <p:cNvGrpSpPr/>
+        <p:nvPr/>
+      </p:nvGrpSpPr>
+      <p:grpSpPr>
+        <a:xfrm>
+          <a:off x="0" y="0"/>
+          <a:ext cx="0" cy="0"/>
+          <a:chOff x="0" y="0"/>
+          <a:chExt cx="0" cy="0"/>
+        </a:xfrm>
+      </p:grpSpPr>
+      <p:sp>
+        <p:nvSpPr>
+          <p:cNvPr id="2" name="Titel 1">
+            <a:extLst>
+              <a:ext uri="{FF2B5EF4-FFF2-40B4-BE49-F238E27FC236}">
+                <a16:creationId xmlns:a16="http://schemas.microsoft.com/office/drawing/2014/main" id="{A065F595-8D0F-408C-A1B8-D05F48A6D1A6}"/>
+              </a:ext>
+            </a:extLst>
+          </p:cNvPr>
+          <p:cNvSpPr>
+            <a:spLocks noGrp="1"/>
+          </p:cNvSpPr>
+          <p:nvPr>
+            <p:ph type="title"/>
+          </p:nvPr>
+        </p:nvSpPr>
+        <p:spPr/>
+        <p:txBody>
+          <a:bodyPr/>
+          <a:lstStyle/>
+          <a:p>
+            <a:r>
+              <a:rPr lang="de-DE" dirty="0"/>
+              <a:t>Fazit</a:t>
+            </a:r>
+            <a:endParaRPr lang="en-GB" dirty="0"/>
+          </a:p>
+        </p:txBody>
+      </p:sp>
+      <p:sp>
+        <p:nvSpPr>
+          <p:cNvPr id="3" name="Textplatzhalter 2">
+            <a:extLst>
+              <a:ext uri="{FF2B5EF4-FFF2-40B4-BE49-F238E27FC236}">
+                <a16:creationId xmlns:a16="http://schemas.microsoft.com/office/drawing/2014/main" id="{02138CD9-3663-42D7-BC43-B893B57A7FC4}"/>
+              </a:ext>
+            </a:extLst>
+          </p:cNvPr>
+          <p:cNvSpPr>
+            <a:spLocks noGrp="1"/>
+          </p:cNvSpPr>
+          <p:nvPr>
+            <p:ph type="body" idx="1"/>
+          </p:nvPr>
+        </p:nvSpPr>
+        <p:spPr/>
+        <p:txBody>
+          <a:bodyPr/>
+          <a:lstStyle/>
+          <a:p>
+            <a:endParaRPr lang="en-GB"/>
+          </a:p>
+        </p:txBody>
+      </p:sp>
+      <p:sp>
+        <p:nvSpPr>
+          <p:cNvPr id="4" name="Datumsplatzhalter 3">
+            <a:extLst>
+              <a:ext uri="{FF2B5EF4-FFF2-40B4-BE49-F238E27FC236}">
+                <a16:creationId xmlns:a16="http://schemas.microsoft.com/office/drawing/2014/main" id="{3E349C1D-D2F3-47A9-BE47-B8C579C6B91F}"/>
+              </a:ext>
+            </a:extLst>
+          </p:cNvPr>
+          <p:cNvSpPr>
+            <a:spLocks noGrp="1"/>
+          </p:cNvSpPr>
+          <p:nvPr>
+            <p:ph type="dt" sz="half" idx="10"/>
+          </p:nvPr>
+        </p:nvSpPr>
+        <p:spPr/>
+        <p:txBody>
+          <a:bodyPr/>
+          <a:lstStyle/>
+          <a:p>
+            <a:fld id="{624899AD-5E2A-4D32-8E4B-0C9C99FAC641}" type="datetime1">
+              <a:rPr lang="en-GB" smtClean="0"/>
+              <a:t>03/01/2020</a:t>
+            </a:fld>
+            <a:endParaRPr lang="en-GB"/>
+          </a:p>
+        </p:txBody>
+      </p:sp>
+      <p:sp>
+        <p:nvSpPr>
+          <p:cNvPr id="5" name="Fußzeilenplatzhalter 4">
+            <a:extLst>
+              <a:ext uri="{FF2B5EF4-FFF2-40B4-BE49-F238E27FC236}">
+                <a16:creationId xmlns:a16="http://schemas.microsoft.com/office/drawing/2014/main" id="{00CB1195-9B07-4ACC-B058-A05D4CA0CAE6}"/>
+              </a:ext>
+            </a:extLst>
+          </p:cNvPr>
+          <p:cNvSpPr>
+            <a:spLocks noGrp="1"/>
+          </p:cNvSpPr>
+          <p:nvPr>
+            <p:ph type="ftr" sz="quarter" idx="11"/>
+          </p:nvPr>
+        </p:nvSpPr>
+        <p:spPr/>
+        <p:txBody>
+          <a:bodyPr/>
+          <a:lstStyle/>
+          <a:p>
+            <a:r>
+              <a:rPr lang="en-GB"/>
+              <a:t>Victor Wolf - MatNr 845615</a:t>
+            </a:r>
+          </a:p>
+        </p:txBody>
+      </p:sp>
+      <p:sp>
+        <p:nvSpPr>
+          <p:cNvPr id="6" name="Foliennummernplatzhalter 5">
+            <a:extLst>
+              <a:ext uri="{FF2B5EF4-FFF2-40B4-BE49-F238E27FC236}">
+                <a16:creationId xmlns:a16="http://schemas.microsoft.com/office/drawing/2014/main" id="{41363A37-B085-41BA-B4FD-FB1B2C43EDAA}"/>
+              </a:ext>
+            </a:extLst>
+          </p:cNvPr>
+          <p:cNvSpPr>
+            <a:spLocks noGrp="1"/>
+          </p:cNvSpPr>
+          <p:nvPr>
+            <p:ph type="sldNum" sz="quarter" idx="12"/>
+          </p:nvPr>
+        </p:nvSpPr>
+        <p:spPr/>
+        <p:txBody>
+          <a:bodyPr/>
+          <a:lstStyle/>
+          <a:p>
+            <a:fld id="{C83A9D47-5F05-47CE-B9DC-CA0DD84831B9}" type="slidenum">
+              <a:rPr lang="en-GB" smtClean="0"/>
+              <a:t>29</a:t>
+            </a:fld>
+            <a:endParaRPr lang="en-GB"/>
+          </a:p>
+        </p:txBody>
+      </p:sp>
+    </p:spTree>
+    <p:extLst>
+      <p:ext uri="{BB962C8B-B14F-4D97-AF65-F5344CB8AC3E}">
+        <p14:creationId xmlns:p14="http://schemas.microsoft.com/office/powerpoint/2010/main" val="1836446269"/>
+      </p:ext>
+    </p:extLst>
+  </p:cSld>
+  <p:clrMapOvr>
+    <a:masterClrMapping/>
+  </p:clrMapOvr>
+</p:sld>
+</file>
+
 <file path=ppt/slides/slide3.xml><?xml version="1.0" encoding="utf-8"?>
 <p:sld xmlns:a="http://schemas.openxmlformats.org/drawingml/2006/main" xmlns:r="http://schemas.openxmlformats.org/officeDocument/2006/relationships" xmlns:p="http://schemas.openxmlformats.org/presentationml/2006/main">
   <p:cSld>
@@ -15616,7 +18853,24 @@
               <a:rPr lang="de-DE" dirty="0"/>
               <a:t>Viele verschiedene Optimierungsalgorithmen</a:t>
             </a:r>
-            <a:endParaRPr lang="en-GB" dirty="0"/>
+          </a:p>
+          <a:p>
+            <a:r>
+              <a:rPr lang="de-DE" dirty="0"/>
+              <a:t>Wahl des richtigen Optimierungsalgorithmus schwierig</a:t>
+            </a:r>
+          </a:p>
+          <a:p>
+            <a:r>
+              <a:rPr lang="de-DE" dirty="0"/>
+              <a:t>Evaluation Optimierungsalgorithmen</a:t>
+            </a:r>
+          </a:p>
+          <a:p>
+            <a:pPr marL="0" indent="0">
+              <a:buNone/>
+            </a:pPr>
+            <a:endParaRPr lang="de-DE" dirty="0"/>
           </a:p>
         </p:txBody>
       </p:sp>
@@ -15643,7 +18897,7 @@
           <a:p>
             <a:fld id="{D640B411-8FBB-45AA-9D73-8893D5C6FB80}" type="datetime1">
               <a:rPr lang="en-GB" smtClean="0"/>
-              <a:t>30/12/2019</a:t>
+              <a:t>03/01/2020</a:t>
             </a:fld>
             <a:endParaRPr lang="en-GB"/>
           </a:p>
@@ -15813,7 +19067,7 @@
           <a:p>
             <a:fld id="{624899AD-5E2A-4D32-8E4B-0C9C99FAC641}" type="datetime1">
               <a:rPr lang="en-GB" smtClean="0"/>
-              <a:t>30/12/2019</a:t>
+              <a:t>03/01/2020</a:t>
             </a:fld>
             <a:endParaRPr lang="en-GB"/>
           </a:p>
@@ -15958,7 +19212,7 @@
           <a:p>
             <a:fld id="{D640B411-8FBB-45AA-9D73-8893D5C6FB80}" type="datetime1">
               <a:rPr lang="en-GB" smtClean="0"/>
-              <a:t>30/12/2019</a:t>
+              <a:t>03/01/2020</a:t>
             </a:fld>
             <a:endParaRPr lang="en-GB"/>
           </a:p>
@@ -16141,7 +19395,7 @@
           <a:p>
             <a:fld id="{D640B411-8FBB-45AA-9D73-8893D5C6FB80}" type="datetime1">
               <a:rPr lang="en-GB" smtClean="0"/>
-              <a:t>30/12/2019</a:t>
+              <a:t>03/01/2020</a:t>
             </a:fld>
             <a:endParaRPr lang="en-GB"/>
           </a:p>
@@ -16318,7 +19572,7 @@
           <a:p>
             <a:fld id="{D640B411-8FBB-45AA-9D73-8893D5C6FB80}" type="datetime1">
               <a:rPr lang="en-GB" smtClean="0"/>
-              <a:t>30/12/2019</a:t>
+              <a:t>03/01/2020</a:t>
             </a:fld>
             <a:endParaRPr lang="en-GB"/>
           </a:p>
@@ -16530,7 +19784,7 @@
           <a:p>
             <a:fld id="{624899AD-5E2A-4D32-8E4B-0C9C99FAC641}" type="datetime1">
               <a:rPr lang="en-GB" smtClean="0"/>
-              <a:t>30/12/2019</a:t>
+              <a:t>03/01/2020</a:t>
             </a:fld>
             <a:endParaRPr lang="en-GB"/>
           </a:p>
@@ -16753,7 +20007,7 @@
           <a:p>
             <a:fld id="{D640B411-8FBB-45AA-9D73-8893D5C6FB80}" type="datetime1">
               <a:rPr lang="en-GB" smtClean="0"/>
-              <a:t>30/12/2019</a:t>
+              <a:t>03/01/2020</a:t>
             </a:fld>
             <a:endParaRPr lang="en-GB"/>
           </a:p>

--- a/docs/presentation/STIPresentation.pptx
+++ b/docs/presentation/STIPresentation.pptx
@@ -225,7 +225,7 @@
           <a:p>
             <a:fld id="{652C1117-C9C7-422C-B2EA-B04793B468EE}" type="datetimeFigureOut">
               <a:rPr lang="en-GB" smtClean="0"/>
-              <a:t>03/01/2020</a:t>
+              <a:t>17/01/2020</a:t>
             </a:fld>
             <a:endParaRPr lang="en-GB"/>
           </a:p>
@@ -493,6 +493,177 @@
 </p:notesMaster>
 </file>
 
+<file path=ppt/notesSlides/notesSlide1.xml><?xml version="1.0" encoding="utf-8"?>
+<p:notes xmlns:a="http://schemas.openxmlformats.org/drawingml/2006/main" xmlns:r="http://schemas.openxmlformats.org/officeDocument/2006/relationships" xmlns:p="http://schemas.openxmlformats.org/presentationml/2006/main">
+  <p:cSld>
+    <p:spTree>
+      <p:nvGrpSpPr>
+        <p:cNvPr id="1" name=""/>
+        <p:cNvGrpSpPr/>
+        <p:nvPr/>
+      </p:nvGrpSpPr>
+      <p:grpSpPr>
+        <a:xfrm>
+          <a:off x="0" y="0"/>
+          <a:ext cx="0" cy="0"/>
+          <a:chOff x="0" y="0"/>
+          <a:chExt cx="0" cy="0"/>
+        </a:xfrm>
+      </p:grpSpPr>
+      <p:sp>
+        <p:nvSpPr>
+          <p:cNvPr id="2" name="Folienbildplatzhalter 1"/>
+          <p:cNvSpPr>
+            <a:spLocks noGrp="1" noRot="1" noChangeAspect="1"/>
+          </p:cNvSpPr>
+          <p:nvPr>
+            <p:ph type="sldImg"/>
+          </p:nvPr>
+        </p:nvSpPr>
+        <p:spPr/>
+      </p:sp>
+      <p:sp>
+        <p:nvSpPr>
+          <p:cNvPr id="3" name="Notizenplatzhalter 2"/>
+          <p:cNvSpPr>
+            <a:spLocks noGrp="1"/>
+          </p:cNvSpPr>
+          <p:nvPr>
+            <p:ph type="body" idx="1"/>
+          </p:nvPr>
+        </p:nvSpPr>
+        <p:spPr/>
+        <p:txBody>
+          <a:bodyPr/>
+          <a:lstStyle/>
+          <a:p>
+            <a:r>
+              <a:rPr lang="de-DE" dirty="0"/>
+              <a:t>Feed Forward Netz. Input. Output nur in eine Richtung. </a:t>
+            </a:r>
+          </a:p>
+        </p:txBody>
+      </p:sp>
+      <p:sp>
+        <p:nvSpPr>
+          <p:cNvPr id="4" name="Foliennummernplatzhalter 3"/>
+          <p:cNvSpPr>
+            <a:spLocks noGrp="1"/>
+          </p:cNvSpPr>
+          <p:nvPr>
+            <p:ph type="sldNum" sz="quarter" idx="5"/>
+          </p:nvPr>
+        </p:nvSpPr>
+        <p:spPr/>
+        <p:txBody>
+          <a:bodyPr/>
+          <a:lstStyle/>
+          <a:p>
+            <a:fld id="{8FFA5B36-9E7B-4E78-BAF7-6E3ED840F400}" type="slidenum">
+              <a:rPr lang="en-GB" smtClean="0"/>
+              <a:t>5</a:t>
+            </a:fld>
+            <a:endParaRPr lang="en-GB"/>
+          </a:p>
+        </p:txBody>
+      </p:sp>
+    </p:spTree>
+    <p:extLst>
+      <p:ext uri="{BB962C8B-B14F-4D97-AF65-F5344CB8AC3E}">
+        <p14:creationId xmlns:p14="http://schemas.microsoft.com/office/powerpoint/2010/main" val="3846329048"/>
+      </p:ext>
+    </p:extLst>
+  </p:cSld>
+  <p:clrMapOvr>
+    <a:masterClrMapping/>
+  </p:clrMapOvr>
+</p:notes>
+</file>
+
+<file path=ppt/notesSlides/notesSlide2.xml><?xml version="1.0" encoding="utf-8"?>
+<p:notes xmlns:a="http://schemas.openxmlformats.org/drawingml/2006/main" xmlns:r="http://schemas.openxmlformats.org/officeDocument/2006/relationships" xmlns:p="http://schemas.openxmlformats.org/presentationml/2006/main">
+  <p:cSld>
+    <p:spTree>
+      <p:nvGrpSpPr>
+        <p:cNvPr id="1" name=""/>
+        <p:cNvGrpSpPr/>
+        <p:nvPr/>
+      </p:nvGrpSpPr>
+      <p:grpSpPr>
+        <a:xfrm>
+          <a:off x="0" y="0"/>
+          <a:ext cx="0" cy="0"/>
+          <a:chOff x="0" y="0"/>
+          <a:chExt cx="0" cy="0"/>
+        </a:xfrm>
+      </p:grpSpPr>
+      <p:sp>
+        <p:nvSpPr>
+          <p:cNvPr id="2" name="Folienbildplatzhalter 1"/>
+          <p:cNvSpPr>
+            <a:spLocks noGrp="1" noRot="1" noChangeAspect="1"/>
+          </p:cNvSpPr>
+          <p:nvPr>
+            <p:ph type="sldImg"/>
+          </p:nvPr>
+        </p:nvSpPr>
+        <p:spPr/>
+      </p:sp>
+      <p:sp>
+        <p:nvSpPr>
+          <p:cNvPr id="3" name="Notizenplatzhalter 2"/>
+          <p:cNvSpPr>
+            <a:spLocks noGrp="1"/>
+          </p:cNvSpPr>
+          <p:nvPr>
+            <p:ph type="body" idx="1"/>
+          </p:nvPr>
+        </p:nvSpPr>
+        <p:spPr/>
+        <p:txBody>
+          <a:bodyPr/>
+          <a:lstStyle/>
+          <a:p>
+            <a:endParaRPr lang="de-DE" dirty="0"/>
+          </a:p>
+        </p:txBody>
+      </p:sp>
+      <p:sp>
+        <p:nvSpPr>
+          <p:cNvPr id="4" name="Foliennummernplatzhalter 3"/>
+          <p:cNvSpPr>
+            <a:spLocks noGrp="1"/>
+          </p:cNvSpPr>
+          <p:nvPr>
+            <p:ph type="sldNum" sz="quarter" idx="5"/>
+          </p:nvPr>
+        </p:nvSpPr>
+        <p:spPr/>
+        <p:txBody>
+          <a:bodyPr/>
+          <a:lstStyle/>
+          <a:p>
+            <a:fld id="{8FFA5B36-9E7B-4E78-BAF7-6E3ED840F400}" type="slidenum">
+              <a:rPr lang="en-GB" smtClean="0"/>
+              <a:t>6</a:t>
+            </a:fld>
+            <a:endParaRPr lang="en-GB"/>
+          </a:p>
+        </p:txBody>
+      </p:sp>
+    </p:spTree>
+    <p:extLst>
+      <p:ext uri="{BB962C8B-B14F-4D97-AF65-F5344CB8AC3E}">
+        <p14:creationId xmlns:p14="http://schemas.microsoft.com/office/powerpoint/2010/main" val="636781361"/>
+      </p:ext>
+    </p:extLst>
+  </p:cSld>
+  <p:clrMapOvr>
+    <a:masterClrMapping/>
+  </p:clrMapOvr>
+</p:notes>
+</file>
+
 <file path=ppt/slideLayouts/slideLayout1.xml><?xml version="1.0" encoding="utf-8"?>
 <p:sldLayout xmlns:a="http://schemas.openxmlformats.org/drawingml/2006/main" xmlns:r="http://schemas.openxmlformats.org/officeDocument/2006/relationships" xmlns:p="http://schemas.openxmlformats.org/presentationml/2006/main" showMasterSp="0" type="title" preserve="1">
   <p:cSld name="Titelfolie">
@@ -550,7 +721,7 @@
           <a:noFill/>
           <a:extLst>
             <a:ext uri="{909E8E84-426E-40dd-AFC4-6F175D3DCCD1}">
-              <a14:hiddenFill xmlns:a14="http://schemas.microsoft.com/office/drawing/2010/main" xmlns="">
+              <a14:hiddenFill xmlns="" xmlns:a14="http://schemas.microsoft.com/office/drawing/2010/main">
                 <a:solidFill>
                   <a:srgbClr val="FFFFFF"/>
                 </a:solidFill>
@@ -609,7 +780,7 @@
             </a:ln>
             <a:extLst>
               <a:ext uri="{91240B29-F687-4f45-9708-019B960494DF}">
-                <a14:hiddenLine xmlns:a14="http://schemas.microsoft.com/office/drawing/2010/main" xmlns="" w="9525">
+                <a14:hiddenLine xmlns="" xmlns:a14="http://schemas.microsoft.com/office/drawing/2010/main" w="9525">
                   <a:solidFill>
                     <a:srgbClr val="000000"/>
                   </a:solidFill>
@@ -699,7 +870,7 @@
             </a:ln>
             <a:extLst>
               <a:ext uri="{91240B29-F687-4f45-9708-019B960494DF}">
-                <a14:hiddenLine xmlns:a14="http://schemas.microsoft.com/office/drawing/2010/main" xmlns="" w="9525">
+                <a14:hiddenLine xmlns="" xmlns:a14="http://schemas.microsoft.com/office/drawing/2010/main" w="9525">
                   <a:solidFill>
                     <a:srgbClr val="000000"/>
                   </a:solidFill>
@@ -789,7 +960,7 @@
             </a:ln>
             <a:extLst>
               <a:ext uri="{91240B29-F687-4f45-9708-019B960494DF}">
-                <a14:hiddenLine xmlns:a14="http://schemas.microsoft.com/office/drawing/2010/main" xmlns="" w="9525">
+                <a14:hiddenLine xmlns="" xmlns:a14="http://schemas.microsoft.com/office/drawing/2010/main" w="9525">
                   <a:solidFill>
                     <a:srgbClr val="000000"/>
                   </a:solidFill>
@@ -823,7 +994,7 @@
             </a:ln>
             <a:extLst>
               <a:ext uri="{91240B29-F687-4f45-9708-019B960494DF}">
-                <a14:hiddenLine xmlns:a14="http://schemas.microsoft.com/office/drawing/2010/main" xmlns="" w="9525">
+                <a14:hiddenLine xmlns="" xmlns:a14="http://schemas.microsoft.com/office/drawing/2010/main" w="9525">
                   <a:solidFill>
                     <a:srgbClr val="000000"/>
                   </a:solidFill>
@@ -913,7 +1084,7 @@
             </a:ln>
             <a:extLst>
               <a:ext uri="{91240B29-F687-4f45-9708-019B960494DF}">
-                <a14:hiddenLine xmlns:a14="http://schemas.microsoft.com/office/drawing/2010/main" xmlns="" w="9525">
+                <a14:hiddenLine xmlns="" xmlns:a14="http://schemas.microsoft.com/office/drawing/2010/main" w="9525">
                   <a:solidFill>
                     <a:srgbClr val="000000"/>
                   </a:solidFill>
@@ -975,7 +1146,7 @@
             </a:ln>
             <a:extLst>
               <a:ext uri="{91240B29-F687-4f45-9708-019B960494DF}">
-                <a14:hiddenLine xmlns:a14="http://schemas.microsoft.com/office/drawing/2010/main" xmlns="" w="9525">
+                <a14:hiddenLine xmlns="" xmlns:a14="http://schemas.microsoft.com/office/drawing/2010/main" w="9525">
                   <a:solidFill>
                     <a:srgbClr val="000000"/>
                   </a:solidFill>
@@ -1037,7 +1208,7 @@
             </a:ln>
             <a:extLst>
               <a:ext uri="{91240B29-F687-4f45-9708-019B960494DF}">
-                <a14:hiddenLine xmlns:a14="http://schemas.microsoft.com/office/drawing/2010/main" xmlns="" w="9525">
+                <a14:hiddenLine xmlns="" xmlns:a14="http://schemas.microsoft.com/office/drawing/2010/main" w="9525">
                   <a:solidFill>
                     <a:srgbClr val="000000"/>
                   </a:solidFill>
@@ -1127,7 +1298,7 @@
             </a:ln>
             <a:extLst>
               <a:ext uri="{91240B29-F687-4f45-9708-019B960494DF}">
-                <a14:hiddenLine xmlns:a14="http://schemas.microsoft.com/office/drawing/2010/main" xmlns="" w="9525">
+                <a14:hiddenLine xmlns="" xmlns:a14="http://schemas.microsoft.com/office/drawing/2010/main" w="9525">
                   <a:solidFill>
                     <a:srgbClr val="000000"/>
                   </a:solidFill>
@@ -1189,7 +1360,7 @@
             </a:ln>
             <a:extLst>
               <a:ext uri="{91240B29-F687-4f45-9708-019B960494DF}">
-                <a14:hiddenLine xmlns:a14="http://schemas.microsoft.com/office/drawing/2010/main" xmlns="" w="9525">
+                <a14:hiddenLine xmlns="" xmlns:a14="http://schemas.microsoft.com/office/drawing/2010/main" w="9525">
                   <a:solidFill>
                     <a:srgbClr val="000000"/>
                   </a:solidFill>
@@ -1251,7 +1422,7 @@
             </a:ln>
             <a:extLst>
               <a:ext uri="{91240B29-F687-4f45-9708-019B960494DF}">
-                <a14:hiddenLine xmlns:a14="http://schemas.microsoft.com/office/drawing/2010/main" xmlns="" w="9525">
+                <a14:hiddenLine xmlns="" xmlns:a14="http://schemas.microsoft.com/office/drawing/2010/main" w="9525">
                   <a:solidFill>
                     <a:srgbClr val="000000"/>
                   </a:solidFill>
@@ -1341,7 +1512,7 @@
             </a:ln>
             <a:extLst>
               <a:ext uri="{91240B29-F687-4f45-9708-019B960494DF}">
-                <a14:hiddenLine xmlns:a14="http://schemas.microsoft.com/office/drawing/2010/main" xmlns="" w="9525">
+                <a14:hiddenLine xmlns="" xmlns:a14="http://schemas.microsoft.com/office/drawing/2010/main" w="9525">
                   <a:solidFill>
                     <a:srgbClr val="000000"/>
                   </a:solidFill>
@@ -1431,7 +1602,7 @@
             </a:ln>
             <a:extLst>
               <a:ext uri="{91240B29-F687-4f45-9708-019B960494DF}">
-                <a14:hiddenLine xmlns:a14="http://schemas.microsoft.com/office/drawing/2010/main" xmlns="" w="9525">
+                <a14:hiddenLine xmlns="" xmlns:a14="http://schemas.microsoft.com/office/drawing/2010/main" w="9525">
                   <a:solidFill>
                     <a:srgbClr val="000000"/>
                   </a:solidFill>
@@ -1493,7 +1664,7 @@
             </a:ln>
             <a:extLst>
               <a:ext uri="{91240B29-F687-4f45-9708-019B960494DF}">
-                <a14:hiddenLine xmlns:a14="http://schemas.microsoft.com/office/drawing/2010/main" xmlns="" w="9525">
+                <a14:hiddenLine xmlns="" xmlns:a14="http://schemas.microsoft.com/office/drawing/2010/main" w="9525">
                   <a:solidFill>
                     <a:srgbClr val="000000"/>
                   </a:solidFill>
@@ -1603,7 +1774,7 @@
             </a:ln>
             <a:extLst>
               <a:ext uri="{91240B29-F687-4f45-9708-019B960494DF}">
-                <a14:hiddenLine xmlns:a14="http://schemas.microsoft.com/office/drawing/2010/main" xmlns="" w="9525">
+                <a14:hiddenLine xmlns="" xmlns:a14="http://schemas.microsoft.com/office/drawing/2010/main" w="9525">
                   <a:solidFill>
                     <a:srgbClr val="000000"/>
                   </a:solidFill>
@@ -1665,7 +1836,7 @@
             </a:ln>
             <a:extLst>
               <a:ext uri="{91240B29-F687-4f45-9708-019B960494DF}">
-                <a14:hiddenLine xmlns:a14="http://schemas.microsoft.com/office/drawing/2010/main" xmlns="" w="9525">
+                <a14:hiddenLine xmlns="" xmlns:a14="http://schemas.microsoft.com/office/drawing/2010/main" w="9525">
                   <a:solidFill>
                     <a:srgbClr val="000000"/>
                   </a:solidFill>
@@ -1755,7 +1926,7 @@
             </a:ln>
             <a:extLst>
               <a:ext uri="{91240B29-F687-4f45-9708-019B960494DF}">
-                <a14:hiddenLine xmlns:a14="http://schemas.microsoft.com/office/drawing/2010/main" xmlns="" w="9525">
+                <a14:hiddenLine xmlns="" xmlns:a14="http://schemas.microsoft.com/office/drawing/2010/main" w="9525">
                   <a:solidFill>
                     <a:srgbClr val="000000"/>
                   </a:solidFill>
@@ -1845,7 +2016,7 @@
             </a:ln>
             <a:extLst>
               <a:ext uri="{91240B29-F687-4f45-9708-019B960494DF}">
-                <a14:hiddenLine xmlns:a14="http://schemas.microsoft.com/office/drawing/2010/main" xmlns="" w="9525">
+                <a14:hiddenLine xmlns="" xmlns:a14="http://schemas.microsoft.com/office/drawing/2010/main" w="9525">
                   <a:solidFill>
                     <a:srgbClr val="000000"/>
                   </a:solidFill>
@@ -1907,7 +2078,7 @@
             </a:ln>
             <a:extLst>
               <a:ext uri="{91240B29-F687-4f45-9708-019B960494DF}">
-                <a14:hiddenLine xmlns:a14="http://schemas.microsoft.com/office/drawing/2010/main" xmlns="" w="9525">
+                <a14:hiddenLine xmlns="" xmlns:a14="http://schemas.microsoft.com/office/drawing/2010/main" w="9525">
                   <a:solidFill>
                     <a:srgbClr val="000000"/>
                   </a:solidFill>
@@ -1997,7 +2168,7 @@
             </a:ln>
             <a:extLst>
               <a:ext uri="{91240B29-F687-4f45-9708-019B960494DF}">
-                <a14:hiddenLine xmlns:a14="http://schemas.microsoft.com/office/drawing/2010/main" xmlns="" w="9525">
+                <a14:hiddenLine xmlns="" xmlns:a14="http://schemas.microsoft.com/office/drawing/2010/main" w="9525">
                   <a:solidFill>
                     <a:srgbClr val="000000"/>
                   </a:solidFill>
@@ -2087,7 +2258,7 @@
             </a:ln>
             <a:extLst>
               <a:ext uri="{91240B29-F687-4f45-9708-019B960494DF}">
-                <a14:hiddenLine xmlns:a14="http://schemas.microsoft.com/office/drawing/2010/main" xmlns="" w="9525">
+                <a14:hiddenLine xmlns="" xmlns:a14="http://schemas.microsoft.com/office/drawing/2010/main" w="9525">
                   <a:solidFill>
                     <a:srgbClr val="000000"/>
                   </a:solidFill>
@@ -2143,7 +2314,7 @@
             </a:ln>
             <a:extLst>
               <a:ext uri="{91240B29-F687-4f45-9708-019B960494DF}">
-                <a14:hiddenLine xmlns:a14="http://schemas.microsoft.com/office/drawing/2010/main" xmlns="" w="9525">
+                <a14:hiddenLine xmlns="" xmlns:a14="http://schemas.microsoft.com/office/drawing/2010/main" w="9525">
                   <a:solidFill>
                     <a:srgbClr val="000000"/>
                   </a:solidFill>
@@ -2233,7 +2404,7 @@
             </a:ln>
             <a:extLst>
               <a:ext uri="{91240B29-F687-4f45-9708-019B960494DF}">
-                <a14:hiddenLine xmlns:a14="http://schemas.microsoft.com/office/drawing/2010/main" xmlns="" w="9525">
+                <a14:hiddenLine xmlns="" xmlns:a14="http://schemas.microsoft.com/office/drawing/2010/main" w="9525">
                   <a:solidFill>
                     <a:srgbClr val="000000"/>
                   </a:solidFill>
@@ -2289,7 +2460,7 @@
             </a:ln>
             <a:extLst>
               <a:ext uri="{91240B29-F687-4f45-9708-019B960494DF}">
-                <a14:hiddenLine xmlns:a14="http://schemas.microsoft.com/office/drawing/2010/main" xmlns="" w="9525">
+                <a14:hiddenLine xmlns="" xmlns:a14="http://schemas.microsoft.com/office/drawing/2010/main" w="9525">
                   <a:solidFill>
                     <a:srgbClr val="000000"/>
                   </a:solidFill>
@@ -2379,7 +2550,7 @@
             </a:ln>
             <a:extLst>
               <a:ext uri="{91240B29-F687-4f45-9708-019B960494DF}">
-                <a14:hiddenLine xmlns:a14="http://schemas.microsoft.com/office/drawing/2010/main" xmlns="" w="9525">
+                <a14:hiddenLine xmlns="" xmlns:a14="http://schemas.microsoft.com/office/drawing/2010/main" w="9525">
                   <a:solidFill>
                     <a:srgbClr val="000000"/>
                   </a:solidFill>
@@ -2447,7 +2618,7 @@
             </a:ln>
             <a:extLst>
               <a:ext uri="{91240B29-F687-4f45-9708-019B960494DF}">
-                <a14:hiddenLine xmlns:a14="http://schemas.microsoft.com/office/drawing/2010/main" xmlns="" w="9525">
+                <a14:hiddenLine xmlns="" xmlns:a14="http://schemas.microsoft.com/office/drawing/2010/main" w="9525">
                   <a:solidFill>
                     <a:srgbClr val="000000"/>
                   </a:solidFill>
@@ -2537,7 +2708,7 @@
             </a:ln>
             <a:extLst>
               <a:ext uri="{91240B29-F687-4f45-9708-019B960494DF}">
-                <a14:hiddenLine xmlns:a14="http://schemas.microsoft.com/office/drawing/2010/main" xmlns="" w="9525">
+                <a14:hiddenLine xmlns="" xmlns:a14="http://schemas.microsoft.com/office/drawing/2010/main" w="9525">
                   <a:solidFill>
                     <a:srgbClr val="000000"/>
                   </a:solidFill>
@@ -2605,7 +2776,7 @@
             </a:ln>
             <a:extLst>
               <a:ext uri="{91240B29-F687-4f45-9708-019B960494DF}">
-                <a14:hiddenLine xmlns:a14="http://schemas.microsoft.com/office/drawing/2010/main" xmlns="" w="9525">
+                <a14:hiddenLine xmlns="" xmlns:a14="http://schemas.microsoft.com/office/drawing/2010/main" w="9525">
                   <a:solidFill>
                     <a:srgbClr val="000000"/>
                   </a:solidFill>
@@ -2695,7 +2866,7 @@
             </a:ln>
             <a:extLst>
               <a:ext uri="{91240B29-F687-4f45-9708-019B960494DF}">
-                <a14:hiddenLine xmlns:a14="http://schemas.microsoft.com/office/drawing/2010/main" xmlns="" w="9525">
+                <a14:hiddenLine xmlns="" xmlns:a14="http://schemas.microsoft.com/office/drawing/2010/main" w="9525">
                   <a:solidFill>
                     <a:srgbClr val="000000"/>
                   </a:solidFill>
@@ -2729,7 +2900,7 @@
             </a:ln>
             <a:extLst>
               <a:ext uri="{91240B29-F687-4f45-9708-019B960494DF}">
-                <a14:hiddenLine xmlns:a14="http://schemas.microsoft.com/office/drawing/2010/main" xmlns="" w="9525">
+                <a14:hiddenLine xmlns="" xmlns:a14="http://schemas.microsoft.com/office/drawing/2010/main" w="9525">
                   <a:solidFill>
                     <a:srgbClr val="000000"/>
                   </a:solidFill>
@@ -2819,7 +2990,7 @@
             </a:ln>
             <a:extLst>
               <a:ext uri="{91240B29-F687-4f45-9708-019B960494DF}">
-                <a14:hiddenLine xmlns:a14="http://schemas.microsoft.com/office/drawing/2010/main" xmlns="" w="9525">
+                <a14:hiddenLine xmlns="" xmlns:a14="http://schemas.microsoft.com/office/drawing/2010/main" w="9525">
                   <a:solidFill>
                     <a:srgbClr val="000000"/>
                   </a:solidFill>
@@ -2881,7 +3052,7 @@
             </a:ln>
             <a:extLst>
               <a:ext uri="{91240B29-F687-4f45-9708-019B960494DF}">
-                <a14:hiddenLine xmlns:a14="http://schemas.microsoft.com/office/drawing/2010/main" xmlns="" w="9525">
+                <a14:hiddenLine xmlns="" xmlns:a14="http://schemas.microsoft.com/office/drawing/2010/main" w="9525">
                   <a:solidFill>
                     <a:srgbClr val="000000"/>
                   </a:solidFill>
@@ -2943,7 +3114,7 @@
             </a:ln>
             <a:extLst>
               <a:ext uri="{91240B29-F687-4f45-9708-019B960494DF}">
-                <a14:hiddenLine xmlns:a14="http://schemas.microsoft.com/office/drawing/2010/main" xmlns="" w="9525">
+                <a14:hiddenLine xmlns="" xmlns:a14="http://schemas.microsoft.com/office/drawing/2010/main" w="9525">
                   <a:solidFill>
                     <a:srgbClr val="000000"/>
                   </a:solidFill>
@@ -3033,7 +3204,7 @@
             </a:ln>
             <a:extLst>
               <a:ext uri="{91240B29-F687-4f45-9708-019B960494DF}">
-                <a14:hiddenLine xmlns:a14="http://schemas.microsoft.com/office/drawing/2010/main" xmlns="" w="9525">
+                <a14:hiddenLine xmlns="" xmlns:a14="http://schemas.microsoft.com/office/drawing/2010/main" w="9525">
                   <a:solidFill>
                     <a:srgbClr val="000000"/>
                   </a:solidFill>
@@ -3101,7 +3272,7 @@
             </a:ln>
             <a:extLst>
               <a:ext uri="{91240B29-F687-4f45-9708-019B960494DF}">
-                <a14:hiddenLine xmlns:a14="http://schemas.microsoft.com/office/drawing/2010/main" xmlns="" w="9525">
+                <a14:hiddenLine xmlns="" xmlns:a14="http://schemas.microsoft.com/office/drawing/2010/main" w="9525">
                   <a:solidFill>
                     <a:srgbClr val="000000"/>
                   </a:solidFill>
@@ -3163,7 +3334,7 @@
             </a:ln>
             <a:extLst>
               <a:ext uri="{91240B29-F687-4f45-9708-019B960494DF}">
-                <a14:hiddenLine xmlns:a14="http://schemas.microsoft.com/office/drawing/2010/main" xmlns="" w="9525">
+                <a14:hiddenLine xmlns="" xmlns:a14="http://schemas.microsoft.com/office/drawing/2010/main" w="9525">
                   <a:solidFill>
                     <a:srgbClr val="000000"/>
                   </a:solidFill>
@@ -3253,7 +3424,7 @@
             </a:ln>
             <a:extLst>
               <a:ext uri="{91240B29-F687-4f45-9708-019B960494DF}">
-                <a14:hiddenLine xmlns:a14="http://schemas.microsoft.com/office/drawing/2010/main" xmlns="" w="9525">
+                <a14:hiddenLine xmlns="" xmlns:a14="http://schemas.microsoft.com/office/drawing/2010/main" w="9525">
                   <a:solidFill>
                     <a:srgbClr val="000000"/>
                   </a:solidFill>
@@ -3315,7 +3486,7 @@
             </a:ln>
             <a:extLst>
               <a:ext uri="{91240B29-F687-4f45-9708-019B960494DF}">
-                <a14:hiddenLine xmlns:a14="http://schemas.microsoft.com/office/drawing/2010/main" xmlns="" w="9525">
+                <a14:hiddenLine xmlns="" xmlns:a14="http://schemas.microsoft.com/office/drawing/2010/main" w="9525">
                   <a:solidFill>
                     <a:srgbClr val="000000"/>
                   </a:solidFill>
@@ -3405,7 +3576,7 @@
             </a:ln>
             <a:extLst>
               <a:ext uri="{91240B29-F687-4f45-9708-019B960494DF}">
-                <a14:hiddenLine xmlns:a14="http://schemas.microsoft.com/office/drawing/2010/main" xmlns="" w="9525">
+                <a14:hiddenLine xmlns="" xmlns:a14="http://schemas.microsoft.com/office/drawing/2010/main" w="9525">
                   <a:solidFill>
                     <a:srgbClr val="000000"/>
                   </a:solidFill>
@@ -3467,7 +3638,7 @@
             </a:ln>
             <a:extLst>
               <a:ext uri="{91240B29-F687-4f45-9708-019B960494DF}">
-                <a14:hiddenLine xmlns:a14="http://schemas.microsoft.com/office/drawing/2010/main" xmlns="" w="9525">
+                <a14:hiddenLine xmlns="" xmlns:a14="http://schemas.microsoft.com/office/drawing/2010/main" w="9525">
                   <a:solidFill>
                     <a:srgbClr val="000000"/>
                   </a:solidFill>
@@ -3557,7 +3728,7 @@
             </a:ln>
             <a:extLst>
               <a:ext uri="{91240B29-F687-4f45-9708-019B960494DF}">
-                <a14:hiddenLine xmlns:a14="http://schemas.microsoft.com/office/drawing/2010/main" xmlns="" w="9525">
+                <a14:hiddenLine xmlns="" xmlns:a14="http://schemas.microsoft.com/office/drawing/2010/main" w="9525">
                   <a:solidFill>
                     <a:srgbClr val="000000"/>
                   </a:solidFill>
@@ -3591,7 +3762,7 @@
             </a:ln>
             <a:extLst>
               <a:ext uri="{91240B29-F687-4f45-9708-019B960494DF}">
-                <a14:hiddenLine xmlns:a14="http://schemas.microsoft.com/office/drawing/2010/main" xmlns="" w="9525">
+                <a14:hiddenLine xmlns="" xmlns:a14="http://schemas.microsoft.com/office/drawing/2010/main" w="9525">
                   <a:solidFill>
                     <a:srgbClr val="000000"/>
                   </a:solidFill>
@@ -3656,7 +3827,7 @@
             </a:ln>
             <a:extLst>
               <a:ext uri="{91240B29-F687-4f45-9708-019B960494DF}">
-                <a14:hiddenLine xmlns:a14="http://schemas.microsoft.com/office/drawing/2010/main" xmlns="" w="9525">
+                <a14:hiddenLine xmlns="" xmlns:a14="http://schemas.microsoft.com/office/drawing/2010/main" w="9525">
                   <a:solidFill>
                     <a:srgbClr val="000000"/>
                   </a:solidFill>
@@ -3746,7 +3917,7 @@
             </a:ln>
             <a:extLst>
               <a:ext uri="{91240B29-F687-4f45-9708-019B960494DF}">
-                <a14:hiddenLine xmlns:a14="http://schemas.microsoft.com/office/drawing/2010/main" xmlns="" w="9525">
+                <a14:hiddenLine xmlns="" xmlns:a14="http://schemas.microsoft.com/office/drawing/2010/main" w="9525">
                   <a:solidFill>
                     <a:srgbClr val="000000"/>
                   </a:solidFill>
@@ -3808,7 +3979,7 @@
             </a:ln>
             <a:extLst>
               <a:ext uri="{91240B29-F687-4f45-9708-019B960494DF}">
-                <a14:hiddenLine xmlns:a14="http://schemas.microsoft.com/office/drawing/2010/main" xmlns="" w="9525">
+                <a14:hiddenLine xmlns="" xmlns:a14="http://schemas.microsoft.com/office/drawing/2010/main" w="9525">
                   <a:solidFill>
                     <a:srgbClr val="000000"/>
                   </a:solidFill>
@@ -3898,7 +4069,7 @@
             </a:ln>
             <a:extLst>
               <a:ext uri="{91240B29-F687-4f45-9708-019B960494DF}">
-                <a14:hiddenLine xmlns:a14="http://schemas.microsoft.com/office/drawing/2010/main" xmlns="" w="9525">
+                <a14:hiddenLine xmlns="" xmlns:a14="http://schemas.microsoft.com/office/drawing/2010/main" w="9525">
                   <a:solidFill>
                     <a:srgbClr val="000000"/>
                   </a:solidFill>
@@ -3988,7 +4159,7 @@
             </a:ln>
             <a:extLst>
               <a:ext uri="{91240B29-F687-4f45-9708-019B960494DF}">
-                <a14:hiddenLine xmlns:a14="http://schemas.microsoft.com/office/drawing/2010/main" xmlns="" w="9525">
+                <a14:hiddenLine xmlns="" xmlns:a14="http://schemas.microsoft.com/office/drawing/2010/main" w="9525">
                   <a:solidFill>
                     <a:srgbClr val="000000"/>
                   </a:solidFill>
@@ -4053,7 +4224,7 @@
             </a:ln>
             <a:extLst>
               <a:ext uri="{91240B29-F687-4f45-9708-019B960494DF}">
-                <a14:hiddenLine xmlns:a14="http://schemas.microsoft.com/office/drawing/2010/main" xmlns="" w="9525">
+                <a14:hiddenLine xmlns="" xmlns:a14="http://schemas.microsoft.com/office/drawing/2010/main" w="9525">
                   <a:solidFill>
                     <a:srgbClr val="000000"/>
                   </a:solidFill>
@@ -4115,7 +4286,7 @@
             </a:ln>
             <a:extLst>
               <a:ext uri="{91240B29-F687-4f45-9708-019B960494DF}">
-                <a14:hiddenLine xmlns:a14="http://schemas.microsoft.com/office/drawing/2010/main" xmlns="" w="9525">
+                <a14:hiddenLine xmlns="" xmlns:a14="http://schemas.microsoft.com/office/drawing/2010/main" w="9525">
                   <a:solidFill>
                     <a:srgbClr val="000000"/>
                   </a:solidFill>
@@ -4205,7 +4376,7 @@
             </a:ln>
             <a:extLst>
               <a:ext uri="{91240B29-F687-4f45-9708-019B960494DF}">
-                <a14:hiddenLine xmlns:a14="http://schemas.microsoft.com/office/drawing/2010/main" xmlns="" w="9525">
+                <a14:hiddenLine xmlns="" xmlns:a14="http://schemas.microsoft.com/office/drawing/2010/main" w="9525">
                   <a:solidFill>
                     <a:srgbClr val="000000"/>
                   </a:solidFill>
@@ -4295,7 +4466,7 @@
             </a:ln>
             <a:extLst>
               <a:ext uri="{91240B29-F687-4f45-9708-019B960494DF}">
-                <a14:hiddenLine xmlns:a14="http://schemas.microsoft.com/office/drawing/2010/main" xmlns="" w="9525">
+                <a14:hiddenLine xmlns="" xmlns:a14="http://schemas.microsoft.com/office/drawing/2010/main" w="9525">
                   <a:solidFill>
                     <a:srgbClr val="000000"/>
                   </a:solidFill>
@@ -4357,7 +4528,7 @@
             </a:ln>
             <a:extLst>
               <a:ext uri="{91240B29-F687-4f45-9708-019B960494DF}">
-                <a14:hiddenLine xmlns:a14="http://schemas.microsoft.com/office/drawing/2010/main" xmlns="" w="9525">
+                <a14:hiddenLine xmlns="" xmlns:a14="http://schemas.microsoft.com/office/drawing/2010/main" w="9525">
                   <a:solidFill>
                     <a:srgbClr val="000000"/>
                   </a:solidFill>
@@ -4477,7 +4648,7 @@
             </a:ln>
             <a:extLst>
               <a:ext uri="{91240B29-F687-4f45-9708-019B960494DF}">
-                <a14:hiddenLine xmlns:a14="http://schemas.microsoft.com/office/drawing/2010/main" xmlns="" w="9525">
+                <a14:hiddenLine xmlns="" xmlns:a14="http://schemas.microsoft.com/office/drawing/2010/main" w="9525">
                   <a:solidFill>
                     <a:srgbClr val="000000"/>
                   </a:solidFill>
@@ -4545,7 +4716,7 @@
             </a:ln>
             <a:extLst>
               <a:ext uri="{91240B29-F687-4f45-9708-019B960494DF}">
-                <a14:hiddenLine xmlns:a14="http://schemas.microsoft.com/office/drawing/2010/main" xmlns="" w="9525">
+                <a14:hiddenLine xmlns="" xmlns:a14="http://schemas.microsoft.com/office/drawing/2010/main" w="9525">
                   <a:solidFill>
                     <a:srgbClr val="000000"/>
                   </a:solidFill>
@@ -4635,7 +4806,7 @@
             </a:ln>
             <a:extLst>
               <a:ext uri="{91240B29-F687-4f45-9708-019B960494DF}">
-                <a14:hiddenLine xmlns:a14="http://schemas.microsoft.com/office/drawing/2010/main" xmlns="" w="9525">
+                <a14:hiddenLine xmlns="" xmlns:a14="http://schemas.microsoft.com/office/drawing/2010/main" w="9525">
                   <a:solidFill>
                     <a:srgbClr val="000000"/>
                   </a:solidFill>
@@ -4775,7 +4946,7 @@
           <a:p>
             <a:fld id="{D0EDE3D2-E32E-471A-969F-A1B8F1ACC0F1}" type="datetime1">
               <a:rPr lang="en-GB" smtClean="0"/>
-              <a:t>03/01/2020</a:t>
+              <a:t>17/01/2020</a:t>
             </a:fld>
             <a:endParaRPr lang="en-GB"/>
           </a:p>
@@ -5045,7 +5216,7 @@
           <a:p>
             <a:fld id="{AC477187-6477-4AC6-BCAC-686F76CD8A6B}" type="datetime1">
               <a:rPr lang="en-GB" smtClean="0"/>
-              <a:t>03/01/2020</a:t>
+              <a:t>17/01/2020</a:t>
             </a:fld>
             <a:endParaRPr lang="en-GB"/>
           </a:p>
@@ -5244,7 +5415,7 @@
           <a:p>
             <a:fld id="{C307E25A-9913-4E96-9584-C2134E3205E1}" type="datetime1">
               <a:rPr lang="en-GB" smtClean="0"/>
-              <a:t>03/01/2020</a:t>
+              <a:t>17/01/2020</a:t>
             </a:fld>
             <a:endParaRPr lang="en-GB"/>
           </a:p>
@@ -5510,7 +5681,7 @@
           <a:p>
             <a:fld id="{95CFAB98-7082-4207-9676-E524A6EB317A}" type="datetime1">
               <a:rPr lang="en-GB" smtClean="0"/>
-              <a:t>03/01/2020</a:t>
+              <a:t>17/01/2020</a:t>
             </a:fld>
             <a:endParaRPr lang="en-GB"/>
           </a:p>
@@ -5947,7 +6118,7 @@
           <a:p>
             <a:fld id="{0C857872-585D-4637-83C5-806E84F48E7A}" type="datetime1">
               <a:rPr lang="en-GB" smtClean="0"/>
-              <a:t>03/01/2020</a:t>
+              <a:t>17/01/2020</a:t>
             </a:fld>
             <a:endParaRPr lang="en-GB"/>
           </a:p>
@@ -6496,7 +6667,7 @@
           <a:p>
             <a:fld id="{580A8CE4-835F-4C4F-BDEC-234DC000404E}" type="datetime1">
               <a:rPr lang="en-GB" smtClean="0"/>
-              <a:t>03/01/2020</a:t>
+              <a:t>17/01/2020</a:t>
             </a:fld>
             <a:endParaRPr lang="en-GB"/>
           </a:p>
@@ -7219,7 +7390,7 @@
           <a:p>
             <a:fld id="{AA33DE30-7E60-4BAA-861C-9D1D3ADC24D3}" type="datetime1">
               <a:rPr lang="en-GB" smtClean="0"/>
-              <a:t>03/01/2020</a:t>
+              <a:t>17/01/2020</a:t>
             </a:fld>
             <a:endParaRPr lang="en-GB"/>
           </a:p>
@@ -7392,7 +7563,7 @@
           <a:p>
             <a:fld id="{23210FFB-473F-42C6-A8F4-F7CABFA638AA}" type="datetime1">
               <a:rPr lang="en-GB" smtClean="0"/>
-              <a:t>03/01/2020</a:t>
+              <a:t>17/01/2020</a:t>
             </a:fld>
             <a:endParaRPr lang="en-GB"/>
           </a:p>
@@ -7575,7 +7746,7 @@
           <a:p>
             <a:fld id="{4D7441CC-A35F-4712-9F0F-0F775F12CC9F}" type="datetime1">
               <a:rPr lang="en-GB" smtClean="0"/>
-              <a:t>03/01/2020</a:t>
+              <a:t>17/01/2020</a:t>
             </a:fld>
             <a:endParaRPr lang="en-GB"/>
           </a:p>
@@ -7748,7 +7919,7 @@
           <a:p>
             <a:fld id="{D640B411-8FBB-45AA-9D73-8893D5C6FB80}" type="datetime1">
               <a:rPr lang="en-GB" smtClean="0"/>
-              <a:t>03/01/2020</a:t>
+              <a:t>17/01/2020</a:t>
             </a:fld>
             <a:endParaRPr lang="en-GB"/>
           </a:p>
@@ -8001,7 +8172,7 @@
           <a:p>
             <a:fld id="{624899AD-5E2A-4D32-8E4B-0C9C99FAC641}" type="datetime1">
               <a:rPr lang="en-GB" smtClean="0"/>
-              <a:t>03/01/2020</a:t>
+              <a:t>17/01/2020</a:t>
             </a:fld>
             <a:endParaRPr lang="en-GB"/>
           </a:p>
@@ -8236,7 +8407,7 @@
           <a:p>
             <a:fld id="{22AAA799-7831-4BD4-B94E-91C37CCBC92A}" type="datetime1">
               <a:rPr lang="en-GB" smtClean="0"/>
-              <a:t>03/01/2020</a:t>
+              <a:t>17/01/2020</a:t>
             </a:fld>
             <a:endParaRPr lang="en-GB"/>
           </a:p>
@@ -8620,7 +8791,7 @@
           <a:p>
             <a:fld id="{EC808861-73CE-4A8B-8C1C-B57A57DFFD4C}" type="datetime1">
               <a:rPr lang="en-GB" smtClean="0"/>
-              <a:t>03/01/2020</a:t>
+              <a:t>17/01/2020</a:t>
             </a:fld>
             <a:endParaRPr lang="en-GB"/>
           </a:p>
@@ -8741,7 +8912,7 @@
           <a:p>
             <a:fld id="{A32E8B65-A9FB-49EF-877D-750260D5550D}" type="datetime1">
               <a:rPr lang="en-GB" smtClean="0"/>
-              <a:t>03/01/2020</a:t>
+              <a:t>17/01/2020</a:t>
             </a:fld>
             <a:endParaRPr lang="en-GB"/>
           </a:p>
@@ -8839,7 +9010,7 @@
           <a:p>
             <a:fld id="{B19EC81F-CA10-4186-B694-BF5B703B3699}" type="datetime1">
               <a:rPr lang="en-GB" smtClean="0"/>
-              <a:t>03/01/2020</a:t>
+              <a:t>17/01/2020</a:t>
             </a:fld>
             <a:endParaRPr lang="en-GB"/>
           </a:p>
@@ -9091,7 +9262,7 @@
           <a:p>
             <a:fld id="{5C1AE20D-1449-405F-826A-F1D3FB38B0FF}" type="datetime1">
               <a:rPr lang="en-GB" smtClean="0"/>
-              <a:t>03/01/2020</a:t>
+              <a:t>17/01/2020</a:t>
             </a:fld>
             <a:endParaRPr lang="en-GB"/>
           </a:p>
@@ -9374,7 +9545,7 @@
           <a:p>
             <a:fld id="{C0E7E3BA-006B-4427-8285-10C99B482281}" type="datetime1">
               <a:rPr lang="en-GB" smtClean="0"/>
-              <a:t>03/01/2020</a:t>
+              <a:t>17/01/2020</a:t>
             </a:fld>
             <a:endParaRPr lang="en-GB"/>
           </a:p>
@@ -9500,7 +9671,7 @@
           <a:noFill/>
           <a:extLst>
             <a:ext uri="{909E8E84-426E-40dd-AFC4-6F175D3DCCD1}">
-              <a14:hiddenFill xmlns:a14="http://schemas.microsoft.com/office/drawing/2010/main" xmlns="">
+              <a14:hiddenFill xmlns="" xmlns:a14="http://schemas.microsoft.com/office/drawing/2010/main">
                 <a:solidFill>
                   <a:srgbClr val="FFFFFF"/>
                 </a:solidFill>
@@ -9574,7 +9745,7 @@
               </a:ln>
               <a:extLst>
                 <a:ext uri="{91240B29-F687-4f45-9708-019B960494DF}">
-                  <a14:hiddenLine xmlns:a14="http://schemas.microsoft.com/office/drawing/2010/main" xmlns="" w="9525">
+                  <a14:hiddenLine xmlns="" xmlns:a14="http://schemas.microsoft.com/office/drawing/2010/main" w="9525">
                     <a:solidFill>
                       <a:srgbClr val="000000"/>
                     </a:solidFill>
@@ -9664,7 +9835,7 @@
               </a:ln>
               <a:extLst>
                 <a:ext uri="{91240B29-F687-4f45-9708-019B960494DF}">
-                  <a14:hiddenLine xmlns:a14="http://schemas.microsoft.com/office/drawing/2010/main" xmlns="" w="9525">
+                  <a14:hiddenLine xmlns="" xmlns:a14="http://schemas.microsoft.com/office/drawing/2010/main" w="9525">
                     <a:solidFill>
                       <a:srgbClr val="000000"/>
                     </a:solidFill>
@@ -9754,7 +9925,7 @@
               </a:ln>
               <a:extLst>
                 <a:ext uri="{91240B29-F687-4f45-9708-019B960494DF}">
-                  <a14:hiddenLine xmlns:a14="http://schemas.microsoft.com/office/drawing/2010/main" xmlns="" w="9525">
+                  <a14:hiddenLine xmlns="" xmlns:a14="http://schemas.microsoft.com/office/drawing/2010/main" w="9525">
                     <a:solidFill>
                       <a:srgbClr val="000000"/>
                     </a:solidFill>
@@ -9816,7 +9987,7 @@
               </a:ln>
               <a:extLst>
                 <a:ext uri="{91240B29-F687-4f45-9708-019B960494DF}">
-                  <a14:hiddenLine xmlns:a14="http://schemas.microsoft.com/office/drawing/2010/main" xmlns="" w="9525">
+                  <a14:hiddenLine xmlns="" xmlns:a14="http://schemas.microsoft.com/office/drawing/2010/main" w="9525">
                     <a:solidFill>
                       <a:srgbClr val="000000"/>
                     </a:solidFill>
@@ -9906,7 +10077,7 @@
               </a:ln>
               <a:extLst>
                 <a:ext uri="{91240B29-F687-4f45-9708-019B960494DF}">
-                  <a14:hiddenLine xmlns:a14="http://schemas.microsoft.com/office/drawing/2010/main" xmlns="" w="9525">
+                  <a14:hiddenLine xmlns="" xmlns:a14="http://schemas.microsoft.com/office/drawing/2010/main" w="9525">
                     <a:solidFill>
                       <a:srgbClr val="000000"/>
                     </a:solidFill>
@@ -9968,7 +10139,7 @@
               </a:ln>
               <a:extLst>
                 <a:ext uri="{91240B29-F687-4f45-9708-019B960494DF}">
-                  <a14:hiddenLine xmlns:a14="http://schemas.microsoft.com/office/drawing/2010/main" xmlns="" w="9525">
+                  <a14:hiddenLine xmlns="" xmlns:a14="http://schemas.microsoft.com/office/drawing/2010/main" w="9525">
                     <a:solidFill>
                       <a:srgbClr val="000000"/>
                     </a:solidFill>
@@ -10030,7 +10201,7 @@
               </a:ln>
               <a:extLst>
                 <a:ext uri="{91240B29-F687-4f45-9708-019B960494DF}">
-                  <a14:hiddenLine xmlns:a14="http://schemas.microsoft.com/office/drawing/2010/main" xmlns="" w="9525">
+                  <a14:hiddenLine xmlns="" xmlns:a14="http://schemas.microsoft.com/office/drawing/2010/main" w="9525">
                     <a:solidFill>
                       <a:srgbClr val="000000"/>
                     </a:solidFill>
@@ -10120,7 +10291,7 @@
               </a:ln>
               <a:extLst>
                 <a:ext uri="{91240B29-F687-4f45-9708-019B960494DF}">
-                  <a14:hiddenLine xmlns:a14="http://schemas.microsoft.com/office/drawing/2010/main" xmlns="" w="9525">
+                  <a14:hiddenLine xmlns="" xmlns:a14="http://schemas.microsoft.com/office/drawing/2010/main" w="9525">
                     <a:solidFill>
                       <a:srgbClr val="000000"/>
                     </a:solidFill>
@@ -10210,7 +10381,7 @@
               </a:ln>
               <a:extLst>
                 <a:ext uri="{91240B29-F687-4f45-9708-019B960494DF}">
-                  <a14:hiddenLine xmlns:a14="http://schemas.microsoft.com/office/drawing/2010/main" xmlns="" w="9525">
+                  <a14:hiddenLine xmlns="" xmlns:a14="http://schemas.microsoft.com/office/drawing/2010/main" w="9525">
                     <a:solidFill>
                       <a:srgbClr val="000000"/>
                     </a:solidFill>
@@ -10272,7 +10443,7 @@
               </a:ln>
               <a:extLst>
                 <a:ext uri="{91240B29-F687-4f45-9708-019B960494DF}">
-                  <a14:hiddenLine xmlns:a14="http://schemas.microsoft.com/office/drawing/2010/main" xmlns="" w="9525">
+                  <a14:hiddenLine xmlns="" xmlns:a14="http://schemas.microsoft.com/office/drawing/2010/main" w="9525">
                     <a:solidFill>
                       <a:srgbClr val="000000"/>
                     </a:solidFill>
@@ -10382,7 +10553,7 @@
               </a:ln>
               <a:extLst>
                 <a:ext uri="{91240B29-F687-4f45-9708-019B960494DF}">
-                  <a14:hiddenLine xmlns:a14="http://schemas.microsoft.com/office/drawing/2010/main" xmlns="" w="9525">
+                  <a14:hiddenLine xmlns="" xmlns:a14="http://schemas.microsoft.com/office/drawing/2010/main" w="9525">
                     <a:solidFill>
                       <a:srgbClr val="000000"/>
                     </a:solidFill>
@@ -10466,7 +10637,7 @@
               </a:ln>
               <a:extLst>
                 <a:ext uri="{91240B29-F687-4f45-9708-019B960494DF}">
-                  <a14:hiddenLine xmlns:a14="http://schemas.microsoft.com/office/drawing/2010/main" xmlns="" w="9525">
+                  <a14:hiddenLine xmlns="" xmlns:a14="http://schemas.microsoft.com/office/drawing/2010/main" w="9525">
                     <a:solidFill>
                       <a:srgbClr val="000000"/>
                     </a:solidFill>
@@ -10528,7 +10699,7 @@
               </a:ln>
               <a:extLst>
                 <a:ext uri="{91240B29-F687-4f45-9708-019B960494DF}">
-                  <a14:hiddenLine xmlns:a14="http://schemas.microsoft.com/office/drawing/2010/main" xmlns="" w="9525">
+                  <a14:hiddenLine xmlns="" xmlns:a14="http://schemas.microsoft.com/office/drawing/2010/main" w="9525">
                     <a:solidFill>
                       <a:srgbClr val="000000"/>
                     </a:solidFill>
@@ -10590,7 +10761,7 @@
               </a:ln>
               <a:extLst>
                 <a:ext uri="{91240B29-F687-4f45-9708-019B960494DF}">
-                  <a14:hiddenLine xmlns:a14="http://schemas.microsoft.com/office/drawing/2010/main" xmlns="" w="9525">
+                  <a14:hiddenLine xmlns="" xmlns:a14="http://schemas.microsoft.com/office/drawing/2010/main" w="9525">
                     <a:solidFill>
                       <a:srgbClr val="000000"/>
                     </a:solidFill>
@@ -10680,7 +10851,7 @@
               </a:ln>
               <a:extLst>
                 <a:ext uri="{91240B29-F687-4f45-9708-019B960494DF}">
-                  <a14:hiddenLine xmlns:a14="http://schemas.microsoft.com/office/drawing/2010/main" xmlns="" w="9525">
+                  <a14:hiddenLine xmlns="" xmlns:a14="http://schemas.microsoft.com/office/drawing/2010/main" w="9525">
                     <a:solidFill>
                       <a:srgbClr val="000000"/>
                     </a:solidFill>
@@ -10714,7 +10885,7 @@
               </a:ln>
               <a:extLst>
                 <a:ext uri="{91240B29-F687-4f45-9708-019B960494DF}">
-                  <a14:hiddenLine xmlns:a14="http://schemas.microsoft.com/office/drawing/2010/main" xmlns="" w="9525">
+                  <a14:hiddenLine xmlns="" xmlns:a14="http://schemas.microsoft.com/office/drawing/2010/main" w="9525">
                     <a:solidFill>
                       <a:srgbClr val="000000"/>
                     </a:solidFill>
@@ -10779,7 +10950,7 @@
               </a:ln>
               <a:extLst>
                 <a:ext uri="{91240B29-F687-4f45-9708-019B960494DF}">
-                  <a14:hiddenLine xmlns:a14="http://schemas.microsoft.com/office/drawing/2010/main" xmlns="" w="9525">
+                  <a14:hiddenLine xmlns="" xmlns:a14="http://schemas.microsoft.com/office/drawing/2010/main" w="9525">
                     <a:solidFill>
                       <a:srgbClr val="000000"/>
                     </a:solidFill>
@@ -10869,7 +11040,7 @@
               </a:ln>
               <a:extLst>
                 <a:ext uri="{91240B29-F687-4f45-9708-019B960494DF}">
-                  <a14:hiddenLine xmlns:a14="http://schemas.microsoft.com/office/drawing/2010/main" xmlns="" w="9525">
+                  <a14:hiddenLine xmlns="" xmlns:a14="http://schemas.microsoft.com/office/drawing/2010/main" w="9525">
                     <a:solidFill>
                       <a:srgbClr val="000000"/>
                     </a:solidFill>
@@ -10931,7 +11102,7 @@
               </a:ln>
               <a:extLst>
                 <a:ext uri="{91240B29-F687-4f45-9708-019B960494DF}">
-                  <a14:hiddenLine xmlns:a14="http://schemas.microsoft.com/office/drawing/2010/main" xmlns="" w="9525">
+                  <a14:hiddenLine xmlns="" xmlns:a14="http://schemas.microsoft.com/office/drawing/2010/main" w="9525">
                     <a:solidFill>
                       <a:srgbClr val="000000"/>
                     </a:solidFill>
@@ -11021,7 +11192,7 @@
               </a:ln>
               <a:extLst>
                 <a:ext uri="{91240B29-F687-4f45-9708-019B960494DF}">
-                  <a14:hiddenLine xmlns:a14="http://schemas.microsoft.com/office/drawing/2010/main" xmlns="" w="9525">
+                  <a14:hiddenLine xmlns="" xmlns:a14="http://schemas.microsoft.com/office/drawing/2010/main" w="9525">
                     <a:solidFill>
                       <a:srgbClr val="000000"/>
                     </a:solidFill>
@@ -11086,7 +11257,7 @@
               </a:ln>
               <a:extLst>
                 <a:ext uri="{91240B29-F687-4f45-9708-019B960494DF}">
-                  <a14:hiddenLine xmlns:a14="http://schemas.microsoft.com/office/drawing/2010/main" xmlns="" w="9525">
+                  <a14:hiddenLine xmlns="" xmlns:a14="http://schemas.microsoft.com/office/drawing/2010/main" w="9525">
                     <a:solidFill>
                       <a:srgbClr val="000000"/>
                     </a:solidFill>
@@ -11148,7 +11319,7 @@
               </a:ln>
               <a:extLst>
                 <a:ext uri="{91240B29-F687-4f45-9708-019B960494DF}">
-                  <a14:hiddenLine xmlns:a14="http://schemas.microsoft.com/office/drawing/2010/main" xmlns="" w="9525">
+                  <a14:hiddenLine xmlns="" xmlns:a14="http://schemas.microsoft.com/office/drawing/2010/main" w="9525">
                     <a:solidFill>
                       <a:srgbClr val="000000"/>
                     </a:solidFill>
@@ -11238,7 +11409,7 @@
               </a:ln>
               <a:extLst>
                 <a:ext uri="{91240B29-F687-4f45-9708-019B960494DF}">
-                  <a14:hiddenLine xmlns:a14="http://schemas.microsoft.com/office/drawing/2010/main" xmlns="" w="9525">
+                  <a14:hiddenLine xmlns="" xmlns:a14="http://schemas.microsoft.com/office/drawing/2010/main" w="9525">
                     <a:solidFill>
                       <a:srgbClr val="000000"/>
                     </a:solidFill>
@@ -11328,7 +11499,7 @@
               </a:ln>
               <a:extLst>
                 <a:ext uri="{91240B29-F687-4f45-9708-019B960494DF}">
-                  <a14:hiddenLine xmlns:a14="http://schemas.microsoft.com/office/drawing/2010/main" xmlns="" w="9525">
+                  <a14:hiddenLine xmlns="" xmlns:a14="http://schemas.microsoft.com/office/drawing/2010/main" w="9525">
                     <a:solidFill>
                       <a:srgbClr val="000000"/>
                     </a:solidFill>
@@ -11393,7 +11564,7 @@
               </a:ln>
               <a:extLst>
                 <a:ext uri="{91240B29-F687-4f45-9708-019B960494DF}">
-                  <a14:hiddenLine xmlns:a14="http://schemas.microsoft.com/office/drawing/2010/main" xmlns="" w="9525">
+                  <a14:hiddenLine xmlns="" xmlns:a14="http://schemas.microsoft.com/office/drawing/2010/main" w="9525">
                     <a:solidFill>
                       <a:srgbClr val="000000"/>
                     </a:solidFill>
@@ -11513,7 +11684,7 @@
               </a:ln>
               <a:extLst>
                 <a:ext uri="{91240B29-F687-4f45-9708-019B960494DF}">
-                  <a14:hiddenLine xmlns:a14="http://schemas.microsoft.com/office/drawing/2010/main" xmlns="" w="9525">
+                  <a14:hiddenLine xmlns="" xmlns:a14="http://schemas.microsoft.com/office/drawing/2010/main" w="9525">
                     <a:solidFill>
                       <a:srgbClr val="000000"/>
                     </a:solidFill>
@@ -11594,7 +11765,7 @@
               </a:ln>
               <a:extLst>
                 <a:ext uri="{91240B29-F687-4f45-9708-019B960494DF}">
-                  <a14:hiddenLine xmlns:a14="http://schemas.microsoft.com/office/drawing/2010/main" xmlns="" w="9525">
+                  <a14:hiddenLine xmlns="" xmlns:a14="http://schemas.microsoft.com/office/drawing/2010/main" w="9525">
                     <a:solidFill>
                       <a:srgbClr val="000000"/>
                     </a:solidFill>
@@ -11709,7 +11880,7 @@
               </a:ln>
               <a:extLst>
                 <a:ext uri="{91240B29-F687-4f45-9708-019B960494DF}">
-                  <a14:hiddenLine xmlns:a14="http://schemas.microsoft.com/office/drawing/2010/main" xmlns="" w="9525">
+                  <a14:hiddenLine xmlns="" xmlns:a14="http://schemas.microsoft.com/office/drawing/2010/main" w="9525">
                     <a:solidFill>
                       <a:srgbClr val="000000"/>
                     </a:solidFill>
@@ -11799,7 +11970,7 @@
               </a:ln>
               <a:extLst>
                 <a:ext uri="{91240B29-F687-4f45-9708-019B960494DF}">
-                  <a14:hiddenLine xmlns:a14="http://schemas.microsoft.com/office/drawing/2010/main" xmlns="" w="9525">
+                  <a14:hiddenLine xmlns="" xmlns:a14="http://schemas.microsoft.com/office/drawing/2010/main" w="9525">
                     <a:solidFill>
                       <a:srgbClr val="000000"/>
                     </a:solidFill>
@@ -11864,7 +12035,7 @@
               </a:ln>
               <a:extLst>
                 <a:ext uri="{91240B29-F687-4f45-9708-019B960494DF}">
-                  <a14:hiddenLine xmlns:a14="http://schemas.microsoft.com/office/drawing/2010/main" xmlns="" w="9525">
+                  <a14:hiddenLine xmlns="" xmlns:a14="http://schemas.microsoft.com/office/drawing/2010/main" w="9525">
                     <a:solidFill>
                       <a:srgbClr val="000000"/>
                     </a:solidFill>
@@ -11954,7 +12125,7 @@
               </a:ln>
               <a:extLst>
                 <a:ext uri="{91240B29-F687-4f45-9708-019B960494DF}">
-                  <a14:hiddenLine xmlns:a14="http://schemas.microsoft.com/office/drawing/2010/main" xmlns="" w="9525">
+                  <a14:hiddenLine xmlns="" xmlns:a14="http://schemas.microsoft.com/office/drawing/2010/main" w="9525">
                     <a:solidFill>
                       <a:srgbClr val="000000"/>
                     </a:solidFill>
@@ -12022,7 +12193,7 @@
               </a:ln>
               <a:extLst>
                 <a:ext uri="{91240B29-F687-4f45-9708-019B960494DF}">
-                  <a14:hiddenLine xmlns:a14="http://schemas.microsoft.com/office/drawing/2010/main" xmlns="" w="9525">
+                  <a14:hiddenLine xmlns="" xmlns:a14="http://schemas.microsoft.com/office/drawing/2010/main" w="9525">
                     <a:solidFill>
                       <a:srgbClr val="000000"/>
                     </a:solidFill>
@@ -12112,7 +12283,7 @@
               </a:ln>
               <a:extLst>
                 <a:ext uri="{91240B29-F687-4f45-9708-019B960494DF}">
-                  <a14:hiddenLine xmlns:a14="http://schemas.microsoft.com/office/drawing/2010/main" xmlns="" w="9525">
+                  <a14:hiddenLine xmlns="" xmlns:a14="http://schemas.microsoft.com/office/drawing/2010/main" w="9525">
                     <a:solidFill>
                       <a:srgbClr val="000000"/>
                     </a:solidFill>
@@ -12180,7 +12351,7 @@
               </a:ln>
               <a:extLst>
                 <a:ext uri="{91240B29-F687-4f45-9708-019B960494DF}">
-                  <a14:hiddenLine xmlns:a14="http://schemas.microsoft.com/office/drawing/2010/main" xmlns="" w="9525">
+                  <a14:hiddenLine xmlns="" xmlns:a14="http://schemas.microsoft.com/office/drawing/2010/main" w="9525">
                     <a:solidFill>
                       <a:srgbClr val="000000"/>
                     </a:solidFill>
@@ -12270,7 +12441,7 @@
               </a:ln>
               <a:extLst>
                 <a:ext uri="{91240B29-F687-4f45-9708-019B960494DF}">
-                  <a14:hiddenLine xmlns:a14="http://schemas.microsoft.com/office/drawing/2010/main" xmlns="" w="9525">
+                  <a14:hiddenLine xmlns="" xmlns:a14="http://schemas.microsoft.com/office/drawing/2010/main" w="9525">
                     <a:solidFill>
                       <a:srgbClr val="000000"/>
                     </a:solidFill>
@@ -12304,7 +12475,7 @@
               </a:ln>
               <a:extLst>
                 <a:ext uri="{91240B29-F687-4f45-9708-019B960494DF}">
-                  <a14:hiddenLine xmlns:a14="http://schemas.microsoft.com/office/drawing/2010/main" xmlns="" w="9525">
+                  <a14:hiddenLine xmlns="" xmlns:a14="http://schemas.microsoft.com/office/drawing/2010/main" w="9525">
                     <a:solidFill>
                       <a:srgbClr val="000000"/>
                     </a:solidFill>
@@ -12444,7 +12615,7 @@
           <a:p>
             <a:fld id="{284C8721-1C40-4524-842F-21625BA441C8}" type="datetime1">
               <a:rPr lang="en-GB" smtClean="0"/>
-              <a:t>03/01/2020</a:t>
+              <a:t>17/01/2020</a:t>
             </a:fld>
             <a:endParaRPr lang="en-GB"/>
           </a:p>
@@ -12979,7 +13150,7 @@
           <a:p>
             <a:fld id="{C62E1C63-9F72-48A8-86E0-61074A436106}" type="datetime1">
               <a:rPr lang="en-GB" smtClean="0"/>
-              <a:t>03/01/2020</a:t>
+              <a:t>17/01/2020</a:t>
             </a:fld>
             <a:endParaRPr lang="en-GB"/>
           </a:p>
@@ -13194,7 +13365,7 @@
           <a:p>
             <a:fld id="{D640B411-8FBB-45AA-9D73-8893D5C6FB80}" type="datetime1">
               <a:rPr lang="en-GB" smtClean="0"/>
-              <a:t>03/01/2020</a:t>
+              <a:t>17/01/2020</a:t>
             </a:fld>
             <a:endParaRPr lang="en-GB"/>
           </a:p>
@@ -13716,7 +13887,7 @@
           <a:p>
             <a:fld id="{D640B411-8FBB-45AA-9D73-8893D5C6FB80}" type="datetime1">
               <a:rPr lang="en-GB" smtClean="0"/>
-              <a:t>03/01/2020</a:t>
+              <a:t>17/01/2020</a:t>
             </a:fld>
             <a:endParaRPr lang="en-GB"/>
           </a:p>
@@ -13897,7 +14068,7 @@
           <a:p>
             <a:fld id="{D640B411-8FBB-45AA-9D73-8893D5C6FB80}" type="datetime1">
               <a:rPr lang="en-GB" smtClean="0"/>
-              <a:t>03/01/2020</a:t>
+              <a:t>17/01/2020</a:t>
             </a:fld>
             <a:endParaRPr lang="en-GB"/>
           </a:p>
@@ -14108,7 +14279,7 @@
           <a:p>
             <a:fld id="{D640B411-8FBB-45AA-9D73-8893D5C6FB80}" type="datetime1">
               <a:rPr lang="en-GB" smtClean="0"/>
-              <a:t>03/01/2020</a:t>
+              <a:t>17/01/2020</a:t>
             </a:fld>
             <a:endParaRPr lang="en-GB"/>
           </a:p>
@@ -14482,7 +14653,7 @@
           <a:p>
             <a:fld id="{D640B411-8FBB-45AA-9D73-8893D5C6FB80}" type="datetime1">
               <a:rPr lang="en-GB" smtClean="0"/>
-              <a:t>03/01/2020</a:t>
+              <a:t>17/01/2020</a:t>
             </a:fld>
             <a:endParaRPr lang="en-GB"/>
           </a:p>
@@ -15012,7 +15183,7 @@
           <a:p>
             <a:fld id="{D640B411-8FBB-45AA-9D73-8893D5C6FB80}" type="datetime1">
               <a:rPr lang="en-GB" smtClean="0"/>
-              <a:t>03/01/2020</a:t>
+              <a:t>17/01/2020</a:t>
             </a:fld>
             <a:endParaRPr lang="en-GB"/>
           </a:p>
@@ -15422,7 +15593,7 @@
           <a:p>
             <a:fld id="{D640B411-8FBB-45AA-9D73-8893D5C6FB80}" type="datetime1">
               <a:rPr lang="en-GB" smtClean="0"/>
-              <a:t>03/01/2020</a:t>
+              <a:t>17/01/2020</a:t>
             </a:fld>
             <a:endParaRPr lang="en-GB"/>
           </a:p>
@@ -15633,7 +15804,7 @@
           <a:p>
             <a:fld id="{D640B411-8FBB-45AA-9D73-8893D5C6FB80}" type="datetime1">
               <a:rPr lang="en-GB" smtClean="0"/>
-              <a:t>03/01/2020</a:t>
+              <a:t>17/01/2020</a:t>
             </a:fld>
             <a:endParaRPr lang="en-GB"/>
           </a:p>
@@ -15811,7 +15982,7 @@
             </a:pPr>
             <a:r>
               <a:rPr lang="de-DE" dirty="0"/>
-              <a:t>ADAM</a:t>
+              <a:t>ADAM:</a:t>
             </a:r>
             <a:endParaRPr lang="en-GB" dirty="0"/>
           </a:p>
@@ -15840,7 +16011,7 @@
           <a:p>
             <a:fld id="{D640B411-8FBB-45AA-9D73-8893D5C6FB80}" type="datetime1">
               <a:rPr lang="en-GB" smtClean="0"/>
-              <a:t>03/01/2020</a:t>
+              <a:t>17/01/2020</a:t>
             </a:fld>
             <a:endParaRPr lang="en-GB"/>
           </a:p>
@@ -16040,7 +16211,7 @@
           <a:p>
             <a:fld id="{624899AD-5E2A-4D32-8E4B-0C9C99FAC641}" type="datetime1">
               <a:rPr lang="en-GB" smtClean="0"/>
-              <a:t>03/01/2020</a:t>
+              <a:t>17/01/2020</a:t>
             </a:fld>
             <a:endParaRPr lang="en-GB"/>
           </a:p>
@@ -16285,7 +16456,7 @@
           <a:p>
             <a:fld id="{D640B411-8FBB-45AA-9D73-8893D5C6FB80}" type="datetime1">
               <a:rPr lang="en-GB" smtClean="0"/>
-              <a:t>03/01/2020</a:t>
+              <a:t>17/01/2020</a:t>
             </a:fld>
             <a:endParaRPr lang="en-GB"/>
           </a:p>
@@ -16886,7 +17057,7 @@
           <a:p>
             <a:fld id="{D640B411-8FBB-45AA-9D73-8893D5C6FB80}" type="datetime1">
               <a:rPr lang="en-GB" smtClean="0"/>
-              <a:t>03/01/2020</a:t>
+              <a:t>17/01/2020</a:t>
             </a:fld>
             <a:endParaRPr lang="en-GB"/>
           </a:p>
@@ -17132,7 +17303,7 @@
           <a:p>
             <a:fld id="{D640B411-8FBB-45AA-9D73-8893D5C6FB80}" type="datetime1">
               <a:rPr lang="en-GB" smtClean="0"/>
-              <a:t>03/01/2020</a:t>
+              <a:t>17/01/2020</a:t>
             </a:fld>
             <a:endParaRPr lang="en-GB"/>
           </a:p>
@@ -17302,7 +17473,7 @@
           <a:p>
             <a:fld id="{624899AD-5E2A-4D32-8E4B-0C9C99FAC641}" type="datetime1">
               <a:rPr lang="en-GB" smtClean="0"/>
-              <a:t>03/01/2020</a:t>
+              <a:t>17/01/2020</a:t>
             </a:fld>
             <a:endParaRPr lang="en-GB"/>
           </a:p>
@@ -17531,7 +17702,7 @@
           <a:p>
             <a:fld id="{D640B411-8FBB-45AA-9D73-8893D5C6FB80}" type="datetime1">
               <a:rPr lang="en-GB" smtClean="0"/>
-              <a:t>03/01/2020</a:t>
+              <a:t>17/01/2020</a:t>
             </a:fld>
             <a:endParaRPr lang="en-GB"/>
           </a:p>
@@ -17604,6 +17775,402 @@
   <p:clrMapOvr>
     <a:masterClrMapping/>
   </p:clrMapOvr>
+  <p:timing>
+    <p:tnLst>
+      <p:par>
+        <p:cTn id="1" dur="indefinite" restart="never" nodeType="tmRoot">
+          <p:childTnLst>
+            <p:seq concurrent="1" nextAc="seek">
+              <p:cTn id="2" dur="indefinite" nodeType="mainSeq">
+                <p:childTnLst>
+                  <p:par>
+                    <p:cTn id="3" fill="hold">
+                      <p:stCondLst>
+                        <p:cond delay="indefinite"/>
+                      </p:stCondLst>
+                      <p:childTnLst>
+                        <p:par>
+                          <p:cTn id="4" fill="hold">
+                            <p:stCondLst>
+                              <p:cond delay="0"/>
+                            </p:stCondLst>
+                            <p:childTnLst>
+                              <p:par>
+                                <p:cTn id="5" presetID="10" presetClass="entr" presetSubtype="0" fill="hold" nodeType="clickEffect">
+                                  <p:stCondLst>
+                                    <p:cond delay="0"/>
+                                  </p:stCondLst>
+                                  <p:childTnLst>
+                                    <p:set>
+                                      <p:cBhvr>
+                                        <p:cTn id="6" dur="1" fill="hold">
+                                          <p:stCondLst>
+                                            <p:cond delay="0"/>
+                                          </p:stCondLst>
+                                        </p:cTn>
+                                        <p:tgtEl>
+                                          <p:spTgt spid="3">
+                                            <p:txEl>
+                                              <p:pRg st="0" end="0"/>
+                                            </p:txEl>
+                                          </p:spTgt>
+                                        </p:tgtEl>
+                                        <p:attrNameLst>
+                                          <p:attrName>style.visibility</p:attrName>
+                                        </p:attrNameLst>
+                                      </p:cBhvr>
+                                      <p:to>
+                                        <p:strVal val="visible"/>
+                                      </p:to>
+                                    </p:set>
+                                    <p:animEffect transition="in" filter="fade">
+                                      <p:cBhvr>
+                                        <p:cTn id="7" dur="500"/>
+                                        <p:tgtEl>
+                                          <p:spTgt spid="3">
+                                            <p:txEl>
+                                              <p:pRg st="0" end="0"/>
+                                            </p:txEl>
+                                          </p:spTgt>
+                                        </p:tgtEl>
+                                      </p:cBhvr>
+                                    </p:animEffect>
+                                  </p:childTnLst>
+                                </p:cTn>
+                              </p:par>
+                            </p:childTnLst>
+                          </p:cTn>
+                        </p:par>
+                      </p:childTnLst>
+                    </p:cTn>
+                  </p:par>
+                  <p:par>
+                    <p:cTn id="8" fill="hold">
+                      <p:stCondLst>
+                        <p:cond delay="indefinite"/>
+                      </p:stCondLst>
+                      <p:childTnLst>
+                        <p:par>
+                          <p:cTn id="9" fill="hold">
+                            <p:stCondLst>
+                              <p:cond delay="0"/>
+                            </p:stCondLst>
+                            <p:childTnLst>
+                              <p:par>
+                                <p:cTn id="10" presetID="10" presetClass="entr" presetSubtype="0" fill="hold" nodeType="clickEffect">
+                                  <p:stCondLst>
+                                    <p:cond delay="0"/>
+                                  </p:stCondLst>
+                                  <p:childTnLst>
+                                    <p:set>
+                                      <p:cBhvr>
+                                        <p:cTn id="11" dur="1" fill="hold">
+                                          <p:stCondLst>
+                                            <p:cond delay="0"/>
+                                          </p:stCondLst>
+                                        </p:cTn>
+                                        <p:tgtEl>
+                                          <p:spTgt spid="3">
+                                            <p:txEl>
+                                              <p:pRg st="1" end="1"/>
+                                            </p:txEl>
+                                          </p:spTgt>
+                                        </p:tgtEl>
+                                        <p:attrNameLst>
+                                          <p:attrName>style.visibility</p:attrName>
+                                        </p:attrNameLst>
+                                      </p:cBhvr>
+                                      <p:to>
+                                        <p:strVal val="visible"/>
+                                      </p:to>
+                                    </p:set>
+                                    <p:animEffect transition="in" filter="fade">
+                                      <p:cBhvr>
+                                        <p:cTn id="12" dur="500"/>
+                                        <p:tgtEl>
+                                          <p:spTgt spid="3">
+                                            <p:txEl>
+                                              <p:pRg st="1" end="1"/>
+                                            </p:txEl>
+                                          </p:spTgt>
+                                        </p:tgtEl>
+                                      </p:cBhvr>
+                                    </p:animEffect>
+                                  </p:childTnLst>
+                                </p:cTn>
+                              </p:par>
+                            </p:childTnLst>
+                          </p:cTn>
+                        </p:par>
+                      </p:childTnLst>
+                    </p:cTn>
+                  </p:par>
+                  <p:par>
+                    <p:cTn id="13" fill="hold">
+                      <p:stCondLst>
+                        <p:cond delay="indefinite"/>
+                      </p:stCondLst>
+                      <p:childTnLst>
+                        <p:par>
+                          <p:cTn id="14" fill="hold">
+                            <p:stCondLst>
+                              <p:cond delay="0"/>
+                            </p:stCondLst>
+                            <p:childTnLst>
+                              <p:par>
+                                <p:cTn id="15" presetID="10" presetClass="entr" presetSubtype="0" fill="hold" nodeType="clickEffect">
+                                  <p:stCondLst>
+                                    <p:cond delay="0"/>
+                                  </p:stCondLst>
+                                  <p:childTnLst>
+                                    <p:set>
+                                      <p:cBhvr>
+                                        <p:cTn id="16" dur="1" fill="hold">
+                                          <p:stCondLst>
+                                            <p:cond delay="0"/>
+                                          </p:stCondLst>
+                                        </p:cTn>
+                                        <p:tgtEl>
+                                          <p:spTgt spid="3">
+                                            <p:txEl>
+                                              <p:pRg st="2" end="2"/>
+                                            </p:txEl>
+                                          </p:spTgt>
+                                        </p:tgtEl>
+                                        <p:attrNameLst>
+                                          <p:attrName>style.visibility</p:attrName>
+                                        </p:attrNameLst>
+                                      </p:cBhvr>
+                                      <p:to>
+                                        <p:strVal val="visible"/>
+                                      </p:to>
+                                    </p:set>
+                                    <p:animEffect transition="in" filter="fade">
+                                      <p:cBhvr>
+                                        <p:cTn id="17" dur="500"/>
+                                        <p:tgtEl>
+                                          <p:spTgt spid="3">
+                                            <p:txEl>
+                                              <p:pRg st="2" end="2"/>
+                                            </p:txEl>
+                                          </p:spTgt>
+                                        </p:tgtEl>
+                                      </p:cBhvr>
+                                    </p:animEffect>
+                                  </p:childTnLst>
+                                </p:cTn>
+                              </p:par>
+                            </p:childTnLst>
+                          </p:cTn>
+                        </p:par>
+                      </p:childTnLst>
+                    </p:cTn>
+                  </p:par>
+                  <p:par>
+                    <p:cTn id="18" fill="hold">
+                      <p:stCondLst>
+                        <p:cond delay="indefinite"/>
+                      </p:stCondLst>
+                      <p:childTnLst>
+                        <p:par>
+                          <p:cTn id="19" fill="hold">
+                            <p:stCondLst>
+                              <p:cond delay="0"/>
+                            </p:stCondLst>
+                            <p:childTnLst>
+                              <p:par>
+                                <p:cTn id="20" presetID="10" presetClass="entr" presetSubtype="0" fill="hold" nodeType="clickEffect">
+                                  <p:stCondLst>
+                                    <p:cond delay="0"/>
+                                  </p:stCondLst>
+                                  <p:childTnLst>
+                                    <p:set>
+                                      <p:cBhvr>
+                                        <p:cTn id="21" dur="1" fill="hold">
+                                          <p:stCondLst>
+                                            <p:cond delay="0"/>
+                                          </p:stCondLst>
+                                        </p:cTn>
+                                        <p:tgtEl>
+                                          <p:spTgt spid="3">
+                                            <p:txEl>
+                                              <p:pRg st="3" end="3"/>
+                                            </p:txEl>
+                                          </p:spTgt>
+                                        </p:tgtEl>
+                                        <p:attrNameLst>
+                                          <p:attrName>style.visibility</p:attrName>
+                                        </p:attrNameLst>
+                                      </p:cBhvr>
+                                      <p:to>
+                                        <p:strVal val="visible"/>
+                                      </p:to>
+                                    </p:set>
+                                    <p:animEffect transition="in" filter="fade">
+                                      <p:cBhvr>
+                                        <p:cTn id="22" dur="500"/>
+                                        <p:tgtEl>
+                                          <p:spTgt spid="3">
+                                            <p:txEl>
+                                              <p:pRg st="3" end="3"/>
+                                            </p:txEl>
+                                          </p:spTgt>
+                                        </p:tgtEl>
+                                      </p:cBhvr>
+                                    </p:animEffect>
+                                  </p:childTnLst>
+                                </p:cTn>
+                              </p:par>
+                            </p:childTnLst>
+                          </p:cTn>
+                        </p:par>
+                      </p:childTnLst>
+                    </p:cTn>
+                  </p:par>
+                  <p:par>
+                    <p:cTn id="23" fill="hold">
+                      <p:stCondLst>
+                        <p:cond delay="indefinite"/>
+                      </p:stCondLst>
+                      <p:childTnLst>
+                        <p:par>
+                          <p:cTn id="24" fill="hold">
+                            <p:stCondLst>
+                              <p:cond delay="0"/>
+                            </p:stCondLst>
+                            <p:childTnLst>
+                              <p:par>
+                                <p:cTn id="25" presetID="10" presetClass="entr" presetSubtype="0" fill="hold" nodeType="clickEffect">
+                                  <p:stCondLst>
+                                    <p:cond delay="0"/>
+                                  </p:stCondLst>
+                                  <p:childTnLst>
+                                    <p:set>
+                                      <p:cBhvr>
+                                        <p:cTn id="26" dur="1" fill="hold">
+                                          <p:stCondLst>
+                                            <p:cond delay="0"/>
+                                          </p:stCondLst>
+                                        </p:cTn>
+                                        <p:tgtEl>
+                                          <p:spTgt spid="3">
+                                            <p:txEl>
+                                              <p:pRg st="4" end="4"/>
+                                            </p:txEl>
+                                          </p:spTgt>
+                                        </p:tgtEl>
+                                        <p:attrNameLst>
+                                          <p:attrName>style.visibility</p:attrName>
+                                        </p:attrNameLst>
+                                      </p:cBhvr>
+                                      <p:to>
+                                        <p:strVal val="visible"/>
+                                      </p:to>
+                                    </p:set>
+                                    <p:animEffect transition="in" filter="fade">
+                                      <p:cBhvr>
+                                        <p:cTn id="27" dur="500"/>
+                                        <p:tgtEl>
+                                          <p:spTgt spid="3">
+                                            <p:txEl>
+                                              <p:pRg st="4" end="4"/>
+                                            </p:txEl>
+                                          </p:spTgt>
+                                        </p:tgtEl>
+                                      </p:cBhvr>
+                                    </p:animEffect>
+                                  </p:childTnLst>
+                                </p:cTn>
+                              </p:par>
+                            </p:childTnLst>
+                          </p:cTn>
+                        </p:par>
+                      </p:childTnLst>
+                    </p:cTn>
+                  </p:par>
+                  <p:par>
+                    <p:cTn id="28" fill="hold">
+                      <p:stCondLst>
+                        <p:cond delay="indefinite"/>
+                      </p:stCondLst>
+                      <p:childTnLst>
+                        <p:par>
+                          <p:cTn id="29" fill="hold">
+                            <p:stCondLst>
+                              <p:cond delay="0"/>
+                            </p:stCondLst>
+                            <p:childTnLst>
+                              <p:par>
+                                <p:cTn id="30" presetID="10" presetClass="entr" presetSubtype="0" fill="hold" nodeType="clickEffect">
+                                  <p:stCondLst>
+                                    <p:cond delay="0"/>
+                                  </p:stCondLst>
+                                  <p:childTnLst>
+                                    <p:set>
+                                      <p:cBhvr>
+                                        <p:cTn id="31" dur="1" fill="hold">
+                                          <p:stCondLst>
+                                            <p:cond delay="0"/>
+                                          </p:stCondLst>
+                                        </p:cTn>
+                                        <p:tgtEl>
+                                          <p:spTgt spid="3">
+                                            <p:txEl>
+                                              <p:pRg st="5" end="5"/>
+                                            </p:txEl>
+                                          </p:spTgt>
+                                        </p:tgtEl>
+                                        <p:attrNameLst>
+                                          <p:attrName>style.visibility</p:attrName>
+                                        </p:attrNameLst>
+                                      </p:cBhvr>
+                                      <p:to>
+                                        <p:strVal val="visible"/>
+                                      </p:to>
+                                    </p:set>
+                                    <p:animEffect transition="in" filter="fade">
+                                      <p:cBhvr>
+                                        <p:cTn id="32" dur="500"/>
+                                        <p:tgtEl>
+                                          <p:spTgt spid="3">
+                                            <p:txEl>
+                                              <p:pRg st="5" end="5"/>
+                                            </p:txEl>
+                                          </p:spTgt>
+                                        </p:tgtEl>
+                                      </p:cBhvr>
+                                    </p:animEffect>
+                                  </p:childTnLst>
+                                </p:cTn>
+                              </p:par>
+                            </p:childTnLst>
+                          </p:cTn>
+                        </p:par>
+                      </p:childTnLst>
+                    </p:cTn>
+                  </p:par>
+                </p:childTnLst>
+              </p:cTn>
+              <p:prevCondLst>
+                <p:cond evt="onPrev" delay="0">
+                  <p:tgtEl>
+                    <p:sldTgt/>
+                  </p:tgtEl>
+                </p:cond>
+              </p:prevCondLst>
+              <p:nextCondLst>
+                <p:cond evt="onNext" delay="0">
+                  <p:tgtEl>
+                    <p:sldTgt/>
+                  </p:tgtEl>
+                </p:cond>
+              </p:nextCondLst>
+            </p:seq>
+          </p:childTnLst>
+        </p:cTn>
+      </p:par>
+    </p:tnLst>
+  </p:timing>
 </p:sld>
 </file>
 
@@ -17713,7 +18280,7 @@
           <a:p>
             <a:fld id="{D640B411-8FBB-45AA-9D73-8893D5C6FB80}" type="datetime1">
               <a:rPr lang="en-GB" smtClean="0"/>
-              <a:t>03/01/2020</a:t>
+              <a:t>17/01/2020</a:t>
             </a:fld>
             <a:endParaRPr lang="en-GB"/>
           </a:p>
@@ -17956,7 +18523,7 @@
           <a:p>
             <a:fld id="{D640B411-8FBB-45AA-9D73-8893D5C6FB80}" type="datetime1">
               <a:rPr lang="en-GB" smtClean="0"/>
-              <a:t>03/01/2020</a:t>
+              <a:t>17/01/2020</a:t>
             </a:fld>
             <a:endParaRPr lang="en-GB"/>
           </a:p>
@@ -18029,6 +18596,219 @@
   <p:clrMapOvr>
     <a:masterClrMapping/>
   </p:clrMapOvr>
+  <p:timing>
+    <p:tnLst>
+      <p:par>
+        <p:cTn id="1" dur="indefinite" restart="never" nodeType="tmRoot">
+          <p:childTnLst>
+            <p:seq concurrent="1" nextAc="seek">
+              <p:cTn id="2" dur="indefinite" nodeType="mainSeq">
+                <p:childTnLst>
+                  <p:par>
+                    <p:cTn id="3" fill="hold">
+                      <p:stCondLst>
+                        <p:cond delay="indefinite"/>
+                      </p:stCondLst>
+                      <p:childTnLst>
+                        <p:par>
+                          <p:cTn id="4" fill="hold">
+                            <p:stCondLst>
+                              <p:cond delay="0"/>
+                            </p:stCondLst>
+                            <p:childTnLst>
+                              <p:par>
+                                <p:cTn id="5" presetID="10" presetClass="entr" presetSubtype="0" fill="hold" nodeType="clickEffect">
+                                  <p:stCondLst>
+                                    <p:cond delay="0"/>
+                                  </p:stCondLst>
+                                  <p:childTnLst>
+                                    <p:set>
+                                      <p:cBhvr>
+                                        <p:cTn id="6" dur="1" fill="hold">
+                                          <p:stCondLst>
+                                            <p:cond delay="0"/>
+                                          </p:stCondLst>
+                                        </p:cTn>
+                                        <p:tgtEl>
+                                          <p:spTgt spid="3">
+                                            <p:txEl>
+                                              <p:pRg st="1" end="1"/>
+                                            </p:txEl>
+                                          </p:spTgt>
+                                        </p:tgtEl>
+                                        <p:attrNameLst>
+                                          <p:attrName>style.visibility</p:attrName>
+                                        </p:attrNameLst>
+                                      </p:cBhvr>
+                                      <p:to>
+                                        <p:strVal val="visible"/>
+                                      </p:to>
+                                    </p:set>
+                                    <p:animEffect transition="in" filter="fade">
+                                      <p:cBhvr>
+                                        <p:cTn id="7" dur="500"/>
+                                        <p:tgtEl>
+                                          <p:spTgt spid="3">
+                                            <p:txEl>
+                                              <p:pRg st="1" end="1"/>
+                                            </p:txEl>
+                                          </p:spTgt>
+                                        </p:tgtEl>
+                                      </p:cBhvr>
+                                    </p:animEffect>
+                                  </p:childTnLst>
+                                </p:cTn>
+                              </p:par>
+                            </p:childTnLst>
+                          </p:cTn>
+                        </p:par>
+                      </p:childTnLst>
+                    </p:cTn>
+                  </p:par>
+                  <p:par>
+                    <p:cTn id="8" fill="hold">
+                      <p:stCondLst>
+                        <p:cond delay="indefinite"/>
+                      </p:stCondLst>
+                      <p:childTnLst>
+                        <p:par>
+                          <p:cTn id="9" fill="hold">
+                            <p:stCondLst>
+                              <p:cond delay="0"/>
+                            </p:stCondLst>
+                            <p:childTnLst>
+                              <p:par>
+                                <p:cTn id="10" presetID="10" presetClass="entr" presetSubtype="0" fill="hold" nodeType="clickEffect">
+                                  <p:stCondLst>
+                                    <p:cond delay="0"/>
+                                  </p:stCondLst>
+                                  <p:childTnLst>
+                                    <p:set>
+                                      <p:cBhvr>
+                                        <p:cTn id="11" dur="1" fill="hold">
+                                          <p:stCondLst>
+                                            <p:cond delay="0"/>
+                                          </p:stCondLst>
+                                        </p:cTn>
+                                        <p:tgtEl>
+                                          <p:spTgt spid="3">
+                                            <p:txEl>
+                                              <p:pRg st="2" end="2"/>
+                                            </p:txEl>
+                                          </p:spTgt>
+                                        </p:tgtEl>
+                                        <p:attrNameLst>
+                                          <p:attrName>style.visibility</p:attrName>
+                                        </p:attrNameLst>
+                                      </p:cBhvr>
+                                      <p:to>
+                                        <p:strVal val="visible"/>
+                                      </p:to>
+                                    </p:set>
+                                    <p:animEffect transition="in" filter="fade">
+                                      <p:cBhvr>
+                                        <p:cTn id="12" dur="500"/>
+                                        <p:tgtEl>
+                                          <p:spTgt spid="3">
+                                            <p:txEl>
+                                              <p:pRg st="2" end="2"/>
+                                            </p:txEl>
+                                          </p:spTgt>
+                                        </p:tgtEl>
+                                      </p:cBhvr>
+                                    </p:animEffect>
+                                  </p:childTnLst>
+                                </p:cTn>
+                              </p:par>
+                            </p:childTnLst>
+                          </p:cTn>
+                        </p:par>
+                      </p:childTnLst>
+                    </p:cTn>
+                  </p:par>
+                  <p:par>
+                    <p:cTn id="13" fill="hold">
+                      <p:stCondLst>
+                        <p:cond delay="indefinite"/>
+                      </p:stCondLst>
+                      <p:childTnLst>
+                        <p:par>
+                          <p:cTn id="14" fill="hold">
+                            <p:stCondLst>
+                              <p:cond delay="0"/>
+                            </p:stCondLst>
+                            <p:childTnLst>
+                              <p:par>
+                                <p:cTn id="15" presetID="10" presetClass="entr" presetSubtype="0" fill="hold" nodeType="clickEffect">
+                                  <p:stCondLst>
+                                    <p:cond delay="0"/>
+                                  </p:stCondLst>
+                                  <p:childTnLst>
+                                    <p:set>
+                                      <p:cBhvr>
+                                        <p:cTn id="16" dur="1" fill="hold">
+                                          <p:stCondLst>
+                                            <p:cond delay="0"/>
+                                          </p:stCondLst>
+                                        </p:cTn>
+                                        <p:tgtEl>
+                                          <p:spTgt spid="3">
+                                            <p:txEl>
+                                              <p:pRg st="3" end="3"/>
+                                            </p:txEl>
+                                          </p:spTgt>
+                                        </p:tgtEl>
+                                        <p:attrNameLst>
+                                          <p:attrName>style.visibility</p:attrName>
+                                        </p:attrNameLst>
+                                      </p:cBhvr>
+                                      <p:to>
+                                        <p:strVal val="visible"/>
+                                      </p:to>
+                                    </p:set>
+                                    <p:animEffect transition="in" filter="fade">
+                                      <p:cBhvr>
+                                        <p:cTn id="17" dur="500"/>
+                                        <p:tgtEl>
+                                          <p:spTgt spid="3">
+                                            <p:txEl>
+                                              <p:pRg st="3" end="3"/>
+                                            </p:txEl>
+                                          </p:spTgt>
+                                        </p:tgtEl>
+                                      </p:cBhvr>
+                                    </p:animEffect>
+                                  </p:childTnLst>
+                                </p:cTn>
+                              </p:par>
+                            </p:childTnLst>
+                          </p:cTn>
+                        </p:par>
+                      </p:childTnLst>
+                    </p:cTn>
+                  </p:par>
+                </p:childTnLst>
+              </p:cTn>
+              <p:prevCondLst>
+                <p:cond evt="onPrev" delay="0">
+                  <p:tgtEl>
+                    <p:sldTgt/>
+                  </p:tgtEl>
+                </p:cond>
+              </p:prevCondLst>
+              <p:nextCondLst>
+                <p:cond evt="onNext" delay="0">
+                  <p:tgtEl>
+                    <p:sldTgt/>
+                  </p:tgtEl>
+                </p:cond>
+              </p:nextCondLst>
+            </p:seq>
+          </p:childTnLst>
+        </p:cTn>
+      </p:par>
+    </p:tnLst>
+  </p:timing>
 </p:sld>
 </file>
 
@@ -18126,7 +18906,7 @@
           <a:p>
             <a:fld id="{D640B411-8FBB-45AA-9D73-8893D5C6FB80}" type="datetime1">
               <a:rPr lang="en-GB" smtClean="0"/>
-              <a:t>03/01/2020</a:t>
+              <a:t>17/01/2020</a:t>
             </a:fld>
             <a:endParaRPr lang="en-GB"/>
           </a:p>
@@ -18336,7 +19116,7 @@
           <a:p>
             <a:fld id="{D640B411-8FBB-45AA-9D73-8893D5C6FB80}" type="datetime1">
               <a:rPr lang="en-GB" smtClean="0"/>
-              <a:t>03/01/2020</a:t>
+              <a:t>17/01/2020</a:t>
             </a:fld>
             <a:endParaRPr lang="en-GB"/>
           </a:p>
@@ -18506,7 +19286,7 @@
           <a:p>
             <a:fld id="{D640B411-8FBB-45AA-9D73-8893D5C6FB80}" type="datetime1">
               <a:rPr lang="en-GB" smtClean="0"/>
-              <a:t>03/01/2020</a:t>
+              <a:t>17/01/2020</a:t>
             </a:fld>
             <a:endParaRPr lang="en-GB"/>
           </a:p>
@@ -18706,7 +19486,7 @@
           <a:p>
             <a:fld id="{624899AD-5E2A-4D32-8E4B-0C9C99FAC641}" type="datetime1">
               <a:rPr lang="en-GB" smtClean="0"/>
-              <a:t>03/01/2020</a:t>
+              <a:t>17/01/2020</a:t>
             </a:fld>
             <a:endParaRPr lang="en-GB"/>
           </a:p>
@@ -18897,7 +19677,7 @@
           <a:p>
             <a:fld id="{D640B411-8FBB-45AA-9D73-8893D5C6FB80}" type="datetime1">
               <a:rPr lang="en-GB" smtClean="0"/>
-              <a:t>03/01/2020</a:t>
+              <a:t>17/01/2020</a:t>
             </a:fld>
             <a:endParaRPr lang="en-GB"/>
           </a:p>
@@ -18970,6 +19750,222 @@
   <p:clrMapOvr>
     <a:masterClrMapping/>
   </p:clrMapOvr>
+  <p:timing>
+    <p:tnLst>
+      <p:par>
+        <p:cTn id="1" dur="indefinite" restart="never" nodeType="tmRoot">
+          <p:childTnLst>
+            <p:seq concurrent="1" nextAc="seek">
+              <p:cTn id="2" dur="indefinite" nodeType="mainSeq">
+                <p:childTnLst>
+                  <p:par>
+                    <p:cTn id="3" fill="hold">
+                      <p:stCondLst>
+                        <p:cond delay="indefinite"/>
+                      </p:stCondLst>
+                      <p:childTnLst>
+                        <p:par>
+                          <p:cTn id="4" fill="hold">
+                            <p:stCondLst>
+                              <p:cond delay="0"/>
+                            </p:stCondLst>
+                            <p:childTnLst>
+                              <p:par>
+                                <p:cTn id="5" presetID="10" presetClass="entr" presetSubtype="0" fill="hold" grpId="0" nodeType="clickEffect">
+                                  <p:stCondLst>
+                                    <p:cond delay="0"/>
+                                  </p:stCondLst>
+                                  <p:childTnLst>
+                                    <p:set>
+                                      <p:cBhvr>
+                                        <p:cTn id="6" dur="1" fill="hold">
+                                          <p:stCondLst>
+                                            <p:cond delay="0"/>
+                                          </p:stCondLst>
+                                        </p:cTn>
+                                        <p:tgtEl>
+                                          <p:spTgt spid="3">
+                                            <p:txEl>
+                                              <p:pRg st="0" end="0"/>
+                                            </p:txEl>
+                                          </p:spTgt>
+                                        </p:tgtEl>
+                                        <p:attrNameLst>
+                                          <p:attrName>style.visibility</p:attrName>
+                                        </p:attrNameLst>
+                                      </p:cBhvr>
+                                      <p:to>
+                                        <p:strVal val="visible"/>
+                                      </p:to>
+                                    </p:set>
+                                    <p:animEffect transition="in" filter="fade">
+                                      <p:cBhvr>
+                                        <p:cTn id="7" dur="500"/>
+                                        <p:tgtEl>
+                                          <p:spTgt spid="3">
+                                            <p:txEl>
+                                              <p:pRg st="0" end="0"/>
+                                            </p:txEl>
+                                          </p:spTgt>
+                                        </p:tgtEl>
+                                      </p:cBhvr>
+                                    </p:animEffect>
+                                  </p:childTnLst>
+                                </p:cTn>
+                              </p:par>
+                            </p:childTnLst>
+                          </p:cTn>
+                        </p:par>
+                      </p:childTnLst>
+                    </p:cTn>
+                  </p:par>
+                  <p:par>
+                    <p:cTn id="8" fill="hold">
+                      <p:stCondLst>
+                        <p:cond delay="indefinite"/>
+                      </p:stCondLst>
+                      <p:childTnLst>
+                        <p:par>
+                          <p:cTn id="9" fill="hold">
+                            <p:stCondLst>
+                              <p:cond delay="0"/>
+                            </p:stCondLst>
+                            <p:childTnLst>
+                              <p:par>
+                                <p:cTn id="10" presetID="10" presetClass="entr" presetSubtype="0" fill="hold" grpId="0" nodeType="clickEffect">
+                                  <p:stCondLst>
+                                    <p:cond delay="0"/>
+                                  </p:stCondLst>
+                                  <p:childTnLst>
+                                    <p:set>
+                                      <p:cBhvr>
+                                        <p:cTn id="11" dur="1" fill="hold">
+                                          <p:stCondLst>
+                                            <p:cond delay="0"/>
+                                          </p:stCondLst>
+                                        </p:cTn>
+                                        <p:tgtEl>
+                                          <p:spTgt spid="3">
+                                            <p:txEl>
+                                              <p:pRg st="1" end="1"/>
+                                            </p:txEl>
+                                          </p:spTgt>
+                                        </p:tgtEl>
+                                        <p:attrNameLst>
+                                          <p:attrName>style.visibility</p:attrName>
+                                        </p:attrNameLst>
+                                      </p:cBhvr>
+                                      <p:to>
+                                        <p:strVal val="visible"/>
+                                      </p:to>
+                                    </p:set>
+                                    <p:animEffect transition="in" filter="fade">
+                                      <p:cBhvr>
+                                        <p:cTn id="12" dur="500"/>
+                                        <p:tgtEl>
+                                          <p:spTgt spid="3">
+                                            <p:txEl>
+                                              <p:pRg st="1" end="1"/>
+                                            </p:txEl>
+                                          </p:spTgt>
+                                        </p:tgtEl>
+                                      </p:cBhvr>
+                                    </p:animEffect>
+                                  </p:childTnLst>
+                                </p:cTn>
+                              </p:par>
+                            </p:childTnLst>
+                          </p:cTn>
+                        </p:par>
+                      </p:childTnLst>
+                    </p:cTn>
+                  </p:par>
+                  <p:par>
+                    <p:cTn id="13" fill="hold">
+                      <p:stCondLst>
+                        <p:cond delay="indefinite"/>
+                      </p:stCondLst>
+                      <p:childTnLst>
+                        <p:par>
+                          <p:cTn id="14" fill="hold">
+                            <p:stCondLst>
+                              <p:cond delay="0"/>
+                            </p:stCondLst>
+                            <p:childTnLst>
+                              <p:par>
+                                <p:cTn id="15" presetID="10" presetClass="entr" presetSubtype="0" fill="hold" grpId="0" nodeType="clickEffect">
+                                  <p:stCondLst>
+                                    <p:cond delay="0"/>
+                                  </p:stCondLst>
+                                  <p:childTnLst>
+                                    <p:set>
+                                      <p:cBhvr>
+                                        <p:cTn id="16" dur="1" fill="hold">
+                                          <p:stCondLst>
+                                            <p:cond delay="0"/>
+                                          </p:stCondLst>
+                                        </p:cTn>
+                                        <p:tgtEl>
+                                          <p:spTgt spid="3">
+                                            <p:txEl>
+                                              <p:pRg st="2" end="2"/>
+                                            </p:txEl>
+                                          </p:spTgt>
+                                        </p:tgtEl>
+                                        <p:attrNameLst>
+                                          <p:attrName>style.visibility</p:attrName>
+                                        </p:attrNameLst>
+                                      </p:cBhvr>
+                                      <p:to>
+                                        <p:strVal val="visible"/>
+                                      </p:to>
+                                    </p:set>
+                                    <p:animEffect transition="in" filter="fade">
+                                      <p:cBhvr>
+                                        <p:cTn id="17" dur="500"/>
+                                        <p:tgtEl>
+                                          <p:spTgt spid="3">
+                                            <p:txEl>
+                                              <p:pRg st="2" end="2"/>
+                                            </p:txEl>
+                                          </p:spTgt>
+                                        </p:tgtEl>
+                                      </p:cBhvr>
+                                    </p:animEffect>
+                                  </p:childTnLst>
+                                </p:cTn>
+                              </p:par>
+                            </p:childTnLst>
+                          </p:cTn>
+                        </p:par>
+                      </p:childTnLst>
+                    </p:cTn>
+                  </p:par>
+                </p:childTnLst>
+              </p:cTn>
+              <p:prevCondLst>
+                <p:cond evt="onPrev" delay="0">
+                  <p:tgtEl>
+                    <p:sldTgt/>
+                  </p:tgtEl>
+                </p:cond>
+              </p:prevCondLst>
+              <p:nextCondLst>
+                <p:cond evt="onNext" delay="0">
+                  <p:tgtEl>
+                    <p:sldTgt/>
+                  </p:tgtEl>
+                </p:cond>
+              </p:nextCondLst>
+            </p:seq>
+          </p:childTnLst>
+        </p:cTn>
+      </p:par>
+    </p:tnLst>
+    <p:bldLst>
+      <p:bldP spid="3" grpId="0" build="p"/>
+    </p:bldLst>
+  </p:timing>
 </p:sld>
 </file>
 
@@ -19067,7 +20063,7 @@
           <a:p>
             <a:fld id="{624899AD-5E2A-4D32-8E4B-0C9C99FAC641}" type="datetime1">
               <a:rPr lang="en-GB" smtClean="0"/>
-              <a:t>03/01/2020</a:t>
+              <a:t>17/01/2020</a:t>
             </a:fld>
             <a:endParaRPr lang="en-GB"/>
           </a:p>
@@ -19212,7 +20208,7 @@
           <a:p>
             <a:fld id="{D640B411-8FBB-45AA-9D73-8893D5C6FB80}" type="datetime1">
               <a:rPr lang="en-GB" smtClean="0"/>
-              <a:t>03/01/2020</a:t>
+              <a:t>17/01/2020</a:t>
             </a:fld>
             <a:endParaRPr lang="en-GB"/>
           </a:p>
@@ -19292,7 +20288,7 @@
           </p:nvPr>
         </p:nvPicPr>
         <p:blipFill>
-          <a:blip r:embed="rId2">
+          <a:blip r:embed="rId3">
             <a:extLst>
               <a:ext uri="{28A0092B-C50C-407E-A947-70E740481C1C}">
                 <a14:useLocalDpi xmlns:a14="http://schemas.microsoft.com/office/drawing/2010/main" val="0"/>
@@ -19313,6 +20309,187 @@
           </a:prstGeom>
         </p:spPr>
       </p:pic>
+      <p:sp>
+        <p:nvSpPr>
+          <p:cNvPr id="3" name="Textfeld 2">
+            <a:extLst>
+              <a:ext uri="{FF2B5EF4-FFF2-40B4-BE49-F238E27FC236}">
+                <a16:creationId xmlns:a16="http://schemas.microsoft.com/office/drawing/2014/main" id="{40A0ADCA-5D78-4DC7-87AE-1B463D20AAF4}"/>
+              </a:ext>
+            </a:extLst>
+          </p:cNvPr>
+          <p:cNvSpPr txBox="1"/>
+          <p:nvPr/>
+        </p:nvSpPr>
+        <p:spPr>
+          <a:xfrm>
+            <a:off x="5642517" y="1232422"/>
+            <a:ext cx="1271239" cy="646331"/>
+          </a:xfrm>
+          <a:prstGeom prst="rect">
+            <a:avLst/>
+          </a:prstGeom>
+          <a:noFill/>
+        </p:spPr>
+        <p:txBody>
+          <a:bodyPr wrap="square" rtlCol="0">
+            <a:spAutoFit/>
+          </a:bodyPr>
+          <a:lstStyle/>
+          <a:p>
+            <a:r>
+              <a:rPr lang="de-DE" sz="3600" b="1" dirty="0"/>
+              <a:t>f(x)</a:t>
+            </a:r>
+          </a:p>
+        </p:txBody>
+      </p:sp>
+      <p:sp>
+        <p:nvSpPr>
+          <p:cNvPr id="8" name="Rechteck 7">
+            <a:extLst>
+              <a:ext uri="{FF2B5EF4-FFF2-40B4-BE49-F238E27FC236}">
+                <a16:creationId xmlns:a16="http://schemas.microsoft.com/office/drawing/2014/main" id="{74F299AB-6196-4E19-8D4A-139DFB45DB4B}"/>
+              </a:ext>
+            </a:extLst>
+          </p:cNvPr>
+          <p:cNvSpPr/>
+          <p:nvPr/>
+        </p:nvSpPr>
+        <p:spPr>
+          <a:xfrm>
+            <a:off x="3261042" y="2619866"/>
+            <a:ext cx="492130" cy="523220"/>
+          </a:xfrm>
+          <a:prstGeom prst="rect">
+            <a:avLst/>
+          </a:prstGeom>
+        </p:spPr>
+        <p:txBody>
+          <a:bodyPr wrap="square">
+            <a:spAutoFit/>
+          </a:bodyPr>
+          <a:lstStyle/>
+          <a:p>
+            <a:r>
+              <a:rPr lang="de-DE" sz="2800" b="1" dirty="0"/>
+              <a:t>x</a:t>
+            </a:r>
+          </a:p>
+        </p:txBody>
+      </p:sp>
+      <p:sp>
+        <p:nvSpPr>
+          <p:cNvPr id="10" name="Rechteck 9">
+            <a:extLst>
+              <a:ext uri="{FF2B5EF4-FFF2-40B4-BE49-F238E27FC236}">
+                <a16:creationId xmlns:a16="http://schemas.microsoft.com/office/drawing/2014/main" id="{7E1D5CA9-8FB0-4FEC-9A6C-2D1F06F7685F}"/>
+              </a:ext>
+            </a:extLst>
+          </p:cNvPr>
+          <p:cNvSpPr/>
+          <p:nvPr/>
+        </p:nvSpPr>
+        <p:spPr>
+          <a:xfrm>
+            <a:off x="8336391" y="2619866"/>
+            <a:ext cx="492130" cy="523220"/>
+          </a:xfrm>
+          <a:prstGeom prst="rect">
+            <a:avLst/>
+          </a:prstGeom>
+        </p:spPr>
+        <p:txBody>
+          <a:bodyPr wrap="square">
+            <a:spAutoFit/>
+          </a:bodyPr>
+          <a:lstStyle/>
+          <a:p>
+            <a:r>
+              <a:rPr lang="de-DE" sz="2800" b="1" dirty="0"/>
+              <a:t>y</a:t>
+            </a:r>
+          </a:p>
+        </p:txBody>
+      </p:sp>
+      <p:sp>
+        <p:nvSpPr>
+          <p:cNvPr id="11" name="Rechteck 10">
+            <a:extLst>
+              <a:ext uri="{FF2B5EF4-FFF2-40B4-BE49-F238E27FC236}">
+                <a16:creationId xmlns:a16="http://schemas.microsoft.com/office/drawing/2014/main" id="{4F82B0C1-661B-4E59-B26B-AE1B609EC816}"/>
+              </a:ext>
+            </a:extLst>
+          </p:cNvPr>
+          <p:cNvSpPr/>
+          <p:nvPr/>
+        </p:nvSpPr>
+        <p:spPr>
+          <a:xfrm>
+            <a:off x="4829647" y="2219325"/>
+            <a:ext cx="492130" cy="523220"/>
+          </a:xfrm>
+          <a:prstGeom prst="rect">
+            <a:avLst/>
+          </a:prstGeom>
+        </p:spPr>
+        <p:txBody>
+          <a:bodyPr wrap="square">
+            <a:spAutoFit/>
+          </a:bodyPr>
+          <a:lstStyle/>
+          <a:p>
+            <a:r>
+              <a:rPr lang="de-DE" sz="2800" b="1" dirty="0"/>
+              <a:t>w</a:t>
+            </a:r>
+          </a:p>
+        </p:txBody>
+      </p:sp>
+      <p:sp>
+        <p:nvSpPr>
+          <p:cNvPr id="13" name="Geschweifte Klammer rechts 12">
+            <a:extLst>
+              <a:ext uri="{FF2B5EF4-FFF2-40B4-BE49-F238E27FC236}">
+                <a16:creationId xmlns:a16="http://schemas.microsoft.com/office/drawing/2014/main" id="{17E86CDF-3F93-4360-9321-5D463303C20E}"/>
+              </a:ext>
+            </a:extLst>
+          </p:cNvPr>
+          <p:cNvSpPr/>
+          <p:nvPr/>
+        </p:nvSpPr>
+        <p:spPr>
+          <a:xfrm rot="16200000">
+            <a:off x="5905056" y="-704141"/>
+            <a:ext cx="279452" cy="5567479"/>
+          </a:xfrm>
+          <a:prstGeom prst="rightBrace">
+            <a:avLst/>
+          </a:prstGeom>
+        </p:spPr>
+        <p:style>
+          <a:lnRef idx="1">
+            <a:schemeClr val="accent1"/>
+          </a:lnRef>
+          <a:fillRef idx="0">
+            <a:schemeClr val="accent1"/>
+          </a:fillRef>
+          <a:effectRef idx="0">
+            <a:schemeClr val="accent1"/>
+          </a:effectRef>
+          <a:fontRef idx="minor">
+            <a:schemeClr val="tx1"/>
+          </a:fontRef>
+        </p:style>
+        <p:txBody>
+          <a:bodyPr rtlCol="0" anchor="ctr"/>
+          <a:lstStyle/>
+          <a:p>
+            <a:pPr algn="ctr"/>
+            <a:endParaRPr lang="de-DE"/>
+          </a:p>
+        </p:txBody>
+      </p:sp>
     </p:spTree>
     <p:extLst>
       <p:ext uri="{BB962C8B-B14F-4D97-AF65-F5344CB8AC3E}">
@@ -19395,7 +20572,7 @@
           <a:p>
             <a:fld id="{D640B411-8FBB-45AA-9D73-8893D5C6FB80}" type="datetime1">
               <a:rPr lang="en-GB" smtClean="0"/>
-              <a:t>03/01/2020</a:t>
+              <a:t>17/01/2020</a:t>
             </a:fld>
             <a:endParaRPr lang="en-GB"/>
           </a:p>
@@ -19475,7 +20652,7 @@
           </p:nvPr>
         </p:nvPicPr>
         <p:blipFill>
-          <a:blip r:embed="rId2"/>
+          <a:blip r:embed="rId3"/>
           <a:stretch>
             <a:fillRect/>
           </a:stretch>
@@ -19572,7 +20749,7 @@
           <a:p>
             <a:fld id="{D640B411-8FBB-45AA-9D73-8893D5C6FB80}" type="datetime1">
               <a:rPr lang="en-GB" smtClean="0"/>
-              <a:t>03/01/2020</a:t>
+              <a:t>17/01/2020</a:t>
             </a:fld>
             <a:endParaRPr lang="en-GB"/>
           </a:p>
@@ -19784,7 +20961,7 @@
           <a:p>
             <a:fld id="{624899AD-5E2A-4D32-8E4B-0C9C99FAC641}" type="datetime1">
               <a:rPr lang="en-GB" smtClean="0"/>
-              <a:t>03/01/2020</a:t>
+              <a:t>17/01/2020</a:t>
             </a:fld>
             <a:endParaRPr lang="en-GB"/>
           </a:p>
@@ -20007,7 +21184,7 @@
           <a:p>
             <a:fld id="{D640B411-8FBB-45AA-9D73-8893D5C6FB80}" type="datetime1">
               <a:rPr lang="en-GB" smtClean="0"/>
-              <a:t>03/01/2020</a:t>
+              <a:t>17/01/2020</a:t>
             </a:fld>
             <a:endParaRPr lang="en-GB"/>
           </a:p>

--- a/docs/presentation/STIPresentation.pptx
+++ b/docs/presentation/STIPresentation.pptx
@@ -225,7 +225,7 @@
           <a:p>
             <a:fld id="{652C1117-C9C7-422C-B2EA-B04793B468EE}" type="datetimeFigureOut">
               <a:rPr lang="en-GB" smtClean="0"/>
-              <a:t>17/01/2020</a:t>
+              <a:t>19/01/2020</a:t>
             </a:fld>
             <a:endParaRPr lang="en-GB"/>
           </a:p>
@@ -4946,7 +4946,7 @@
           <a:p>
             <a:fld id="{D0EDE3D2-E32E-471A-969F-A1B8F1ACC0F1}" type="datetime1">
               <a:rPr lang="en-GB" smtClean="0"/>
-              <a:t>17/01/2020</a:t>
+              <a:t>19/01/2020</a:t>
             </a:fld>
             <a:endParaRPr lang="en-GB"/>
           </a:p>
@@ -5216,7 +5216,7 @@
           <a:p>
             <a:fld id="{AC477187-6477-4AC6-BCAC-686F76CD8A6B}" type="datetime1">
               <a:rPr lang="en-GB" smtClean="0"/>
-              <a:t>17/01/2020</a:t>
+              <a:t>19/01/2020</a:t>
             </a:fld>
             <a:endParaRPr lang="en-GB"/>
           </a:p>
@@ -5415,7 +5415,7 @@
           <a:p>
             <a:fld id="{C307E25A-9913-4E96-9584-C2134E3205E1}" type="datetime1">
               <a:rPr lang="en-GB" smtClean="0"/>
-              <a:t>17/01/2020</a:t>
+              <a:t>19/01/2020</a:t>
             </a:fld>
             <a:endParaRPr lang="en-GB"/>
           </a:p>
@@ -5681,7 +5681,7 @@
           <a:p>
             <a:fld id="{95CFAB98-7082-4207-9676-E524A6EB317A}" type="datetime1">
               <a:rPr lang="en-GB" smtClean="0"/>
-              <a:t>17/01/2020</a:t>
+              <a:t>19/01/2020</a:t>
             </a:fld>
             <a:endParaRPr lang="en-GB"/>
           </a:p>
@@ -6118,7 +6118,7 @@
           <a:p>
             <a:fld id="{0C857872-585D-4637-83C5-806E84F48E7A}" type="datetime1">
               <a:rPr lang="en-GB" smtClean="0"/>
-              <a:t>17/01/2020</a:t>
+              <a:t>19/01/2020</a:t>
             </a:fld>
             <a:endParaRPr lang="en-GB"/>
           </a:p>
@@ -6667,7 +6667,7 @@
           <a:p>
             <a:fld id="{580A8CE4-835F-4C4F-BDEC-234DC000404E}" type="datetime1">
               <a:rPr lang="en-GB" smtClean="0"/>
-              <a:t>17/01/2020</a:t>
+              <a:t>19/01/2020</a:t>
             </a:fld>
             <a:endParaRPr lang="en-GB"/>
           </a:p>
@@ -7390,7 +7390,7 @@
           <a:p>
             <a:fld id="{AA33DE30-7E60-4BAA-861C-9D1D3ADC24D3}" type="datetime1">
               <a:rPr lang="en-GB" smtClean="0"/>
-              <a:t>17/01/2020</a:t>
+              <a:t>19/01/2020</a:t>
             </a:fld>
             <a:endParaRPr lang="en-GB"/>
           </a:p>
@@ -7563,7 +7563,7 @@
           <a:p>
             <a:fld id="{23210FFB-473F-42C6-A8F4-F7CABFA638AA}" type="datetime1">
               <a:rPr lang="en-GB" smtClean="0"/>
-              <a:t>17/01/2020</a:t>
+              <a:t>19/01/2020</a:t>
             </a:fld>
             <a:endParaRPr lang="en-GB"/>
           </a:p>
@@ -7746,7 +7746,7 @@
           <a:p>
             <a:fld id="{4D7441CC-A35F-4712-9F0F-0F775F12CC9F}" type="datetime1">
               <a:rPr lang="en-GB" smtClean="0"/>
-              <a:t>17/01/2020</a:t>
+              <a:t>19/01/2020</a:t>
             </a:fld>
             <a:endParaRPr lang="en-GB"/>
           </a:p>
@@ -7919,7 +7919,7 @@
           <a:p>
             <a:fld id="{D640B411-8FBB-45AA-9D73-8893D5C6FB80}" type="datetime1">
               <a:rPr lang="en-GB" smtClean="0"/>
-              <a:t>17/01/2020</a:t>
+              <a:t>19/01/2020</a:t>
             </a:fld>
             <a:endParaRPr lang="en-GB"/>
           </a:p>
@@ -8172,7 +8172,7 @@
           <a:p>
             <a:fld id="{624899AD-5E2A-4D32-8E4B-0C9C99FAC641}" type="datetime1">
               <a:rPr lang="en-GB" smtClean="0"/>
-              <a:t>17/01/2020</a:t>
+              <a:t>19/01/2020</a:t>
             </a:fld>
             <a:endParaRPr lang="en-GB"/>
           </a:p>
@@ -8407,7 +8407,7 @@
           <a:p>
             <a:fld id="{22AAA799-7831-4BD4-B94E-91C37CCBC92A}" type="datetime1">
               <a:rPr lang="en-GB" smtClean="0"/>
-              <a:t>17/01/2020</a:t>
+              <a:t>19/01/2020</a:t>
             </a:fld>
             <a:endParaRPr lang="en-GB"/>
           </a:p>
@@ -8791,7 +8791,7 @@
           <a:p>
             <a:fld id="{EC808861-73CE-4A8B-8C1C-B57A57DFFD4C}" type="datetime1">
               <a:rPr lang="en-GB" smtClean="0"/>
-              <a:t>17/01/2020</a:t>
+              <a:t>19/01/2020</a:t>
             </a:fld>
             <a:endParaRPr lang="en-GB"/>
           </a:p>
@@ -8912,7 +8912,7 @@
           <a:p>
             <a:fld id="{A32E8B65-A9FB-49EF-877D-750260D5550D}" type="datetime1">
               <a:rPr lang="en-GB" smtClean="0"/>
-              <a:t>17/01/2020</a:t>
+              <a:t>19/01/2020</a:t>
             </a:fld>
             <a:endParaRPr lang="en-GB"/>
           </a:p>
@@ -9010,7 +9010,7 @@
           <a:p>
             <a:fld id="{B19EC81F-CA10-4186-B694-BF5B703B3699}" type="datetime1">
               <a:rPr lang="en-GB" smtClean="0"/>
-              <a:t>17/01/2020</a:t>
+              <a:t>19/01/2020</a:t>
             </a:fld>
             <a:endParaRPr lang="en-GB"/>
           </a:p>
@@ -9262,7 +9262,7 @@
           <a:p>
             <a:fld id="{5C1AE20D-1449-405F-826A-F1D3FB38B0FF}" type="datetime1">
               <a:rPr lang="en-GB" smtClean="0"/>
-              <a:t>17/01/2020</a:t>
+              <a:t>19/01/2020</a:t>
             </a:fld>
             <a:endParaRPr lang="en-GB"/>
           </a:p>
@@ -9545,7 +9545,7 @@
           <a:p>
             <a:fld id="{C0E7E3BA-006B-4427-8285-10C99B482281}" type="datetime1">
               <a:rPr lang="en-GB" smtClean="0"/>
-              <a:t>17/01/2020</a:t>
+              <a:t>19/01/2020</a:t>
             </a:fld>
             <a:endParaRPr lang="en-GB"/>
           </a:p>
@@ -12615,7 +12615,7 @@
           <a:p>
             <a:fld id="{284C8721-1C40-4524-842F-21625BA441C8}" type="datetime1">
               <a:rPr lang="en-GB" smtClean="0"/>
-              <a:t>17/01/2020</a:t>
+              <a:t>19/01/2020</a:t>
             </a:fld>
             <a:endParaRPr lang="en-GB"/>
           </a:p>
@@ -13077,11 +13077,11 @@
           <a:p>
             <a:r>
               <a:rPr lang="de-DE" dirty="0"/>
-              <a:t>Optimierungsmethoden des </a:t>
+              <a:t>Optimierungsmethoden des Gradienten </a:t>
             </a:r>
             <a:r>
               <a:rPr lang="de-DE" dirty="0" err="1"/>
-              <a:t>GradientenAbstiegverfahrs</a:t>
+              <a:t>Abstiegverfahrs</a:t>
             </a:r>
             <a:r>
               <a:rPr lang="de-DE" dirty="0"/>
@@ -13150,7 +13150,7 @@
           <a:p>
             <a:fld id="{C62E1C63-9F72-48A8-86E0-61074A436106}" type="datetime1">
               <a:rPr lang="en-GB" smtClean="0"/>
-              <a:t>17/01/2020</a:t>
+              <a:t>19/01/2020</a:t>
             </a:fld>
             <a:endParaRPr lang="en-GB"/>
           </a:p>
@@ -13365,7 +13365,7 @@
           <a:p>
             <a:fld id="{D640B411-8FBB-45AA-9D73-8893D5C6FB80}" type="datetime1">
               <a:rPr lang="en-GB" smtClean="0"/>
-              <a:t>17/01/2020</a:t>
+              <a:t>19/01/2020</a:t>
             </a:fld>
             <a:endParaRPr lang="en-GB"/>
           </a:p>
@@ -13887,7 +13887,7 @@
           <a:p>
             <a:fld id="{D640B411-8FBB-45AA-9D73-8893D5C6FB80}" type="datetime1">
               <a:rPr lang="en-GB" smtClean="0"/>
-              <a:t>17/01/2020</a:t>
+              <a:t>19/01/2020</a:t>
             </a:fld>
             <a:endParaRPr lang="en-GB"/>
           </a:p>
@@ -14068,7 +14068,7 @@
           <a:p>
             <a:fld id="{D640B411-8FBB-45AA-9D73-8893D5C6FB80}" type="datetime1">
               <a:rPr lang="en-GB" smtClean="0"/>
-              <a:t>17/01/2020</a:t>
+              <a:t>19/01/2020</a:t>
             </a:fld>
             <a:endParaRPr lang="en-GB"/>
           </a:p>
@@ -14279,7 +14279,7 @@
           <a:p>
             <a:fld id="{D640B411-8FBB-45AA-9D73-8893D5C6FB80}" type="datetime1">
               <a:rPr lang="en-GB" smtClean="0"/>
-              <a:t>17/01/2020</a:t>
+              <a:t>19/01/2020</a:t>
             </a:fld>
             <a:endParaRPr lang="en-GB"/>
           </a:p>
@@ -14653,7 +14653,7 @@
           <a:p>
             <a:fld id="{D640B411-8FBB-45AA-9D73-8893D5C6FB80}" type="datetime1">
               <a:rPr lang="en-GB" smtClean="0"/>
-              <a:t>17/01/2020</a:t>
+              <a:t>19/01/2020</a:t>
             </a:fld>
             <a:endParaRPr lang="en-GB"/>
           </a:p>
@@ -15183,7 +15183,7 @@
           <a:p>
             <a:fld id="{D640B411-8FBB-45AA-9D73-8893D5C6FB80}" type="datetime1">
               <a:rPr lang="en-GB" smtClean="0"/>
-              <a:t>17/01/2020</a:t>
+              <a:t>19/01/2020</a:t>
             </a:fld>
             <a:endParaRPr lang="en-GB"/>
           </a:p>
@@ -15593,7 +15593,7 @@
           <a:p>
             <a:fld id="{D640B411-8FBB-45AA-9D73-8893D5C6FB80}" type="datetime1">
               <a:rPr lang="en-GB" smtClean="0"/>
-              <a:t>17/01/2020</a:t>
+              <a:t>19/01/2020</a:t>
             </a:fld>
             <a:endParaRPr lang="en-GB"/>
           </a:p>
@@ -15804,7 +15804,7 @@
           <a:p>
             <a:fld id="{D640B411-8FBB-45AA-9D73-8893D5C6FB80}" type="datetime1">
               <a:rPr lang="en-GB" smtClean="0"/>
-              <a:t>17/01/2020</a:t>
+              <a:t>19/01/2020</a:t>
             </a:fld>
             <a:endParaRPr lang="en-GB"/>
           </a:p>
@@ -16011,7 +16011,7 @@
           <a:p>
             <a:fld id="{D640B411-8FBB-45AA-9D73-8893D5C6FB80}" type="datetime1">
               <a:rPr lang="en-GB" smtClean="0"/>
-              <a:t>17/01/2020</a:t>
+              <a:t>19/01/2020</a:t>
             </a:fld>
             <a:endParaRPr lang="en-GB"/>
           </a:p>
@@ -16211,7 +16211,7 @@
           <a:p>
             <a:fld id="{624899AD-5E2A-4D32-8E4B-0C9C99FAC641}" type="datetime1">
               <a:rPr lang="en-GB" smtClean="0"/>
-              <a:t>17/01/2020</a:t>
+              <a:t>19/01/2020</a:t>
             </a:fld>
             <a:endParaRPr lang="en-GB"/>
           </a:p>
@@ -16456,7 +16456,7 @@
           <a:p>
             <a:fld id="{D640B411-8FBB-45AA-9D73-8893D5C6FB80}" type="datetime1">
               <a:rPr lang="en-GB" smtClean="0"/>
-              <a:t>17/01/2020</a:t>
+              <a:t>19/01/2020</a:t>
             </a:fld>
             <a:endParaRPr lang="en-GB"/>
           </a:p>
@@ -17057,7 +17057,7 @@
           <a:p>
             <a:fld id="{D640B411-8FBB-45AA-9D73-8893D5C6FB80}" type="datetime1">
               <a:rPr lang="en-GB" smtClean="0"/>
-              <a:t>17/01/2020</a:t>
+              <a:t>19/01/2020</a:t>
             </a:fld>
             <a:endParaRPr lang="en-GB"/>
           </a:p>
@@ -17303,7 +17303,7 @@
           <a:p>
             <a:fld id="{D640B411-8FBB-45AA-9D73-8893D5C6FB80}" type="datetime1">
               <a:rPr lang="en-GB" smtClean="0"/>
-              <a:t>17/01/2020</a:t>
+              <a:t>19/01/2020</a:t>
             </a:fld>
             <a:endParaRPr lang="en-GB"/>
           </a:p>
@@ -17376,6 +17376,280 @@
   <p:clrMapOvr>
     <a:masterClrMapping/>
   </p:clrMapOvr>
+  <p:timing>
+    <p:tnLst>
+      <p:par>
+        <p:cTn id="1" dur="indefinite" restart="never" nodeType="tmRoot">
+          <p:childTnLst>
+            <p:seq concurrent="1" nextAc="seek">
+              <p:cTn id="2" dur="indefinite" nodeType="mainSeq">
+                <p:childTnLst>
+                  <p:par>
+                    <p:cTn id="3" fill="hold">
+                      <p:stCondLst>
+                        <p:cond delay="indefinite"/>
+                      </p:stCondLst>
+                      <p:childTnLst>
+                        <p:par>
+                          <p:cTn id="4" fill="hold">
+                            <p:stCondLst>
+                              <p:cond delay="0"/>
+                            </p:stCondLst>
+                            <p:childTnLst>
+                              <p:par>
+                                <p:cTn id="5" presetID="10" presetClass="entr" presetSubtype="0" fill="hold" nodeType="clickEffect">
+                                  <p:stCondLst>
+                                    <p:cond delay="0"/>
+                                  </p:stCondLst>
+                                  <p:childTnLst>
+                                    <p:set>
+                                      <p:cBhvr>
+                                        <p:cTn id="6" dur="1" fill="hold">
+                                          <p:stCondLst>
+                                            <p:cond delay="0"/>
+                                          </p:stCondLst>
+                                        </p:cTn>
+                                        <p:tgtEl>
+                                          <p:spTgt spid="3">
+                                            <p:txEl>
+                                              <p:pRg st="1" end="1"/>
+                                            </p:txEl>
+                                          </p:spTgt>
+                                        </p:tgtEl>
+                                        <p:attrNameLst>
+                                          <p:attrName>style.visibility</p:attrName>
+                                        </p:attrNameLst>
+                                      </p:cBhvr>
+                                      <p:to>
+                                        <p:strVal val="visible"/>
+                                      </p:to>
+                                    </p:set>
+                                    <p:animEffect transition="in" filter="fade">
+                                      <p:cBhvr>
+                                        <p:cTn id="7" dur="500"/>
+                                        <p:tgtEl>
+                                          <p:spTgt spid="3">
+                                            <p:txEl>
+                                              <p:pRg st="1" end="1"/>
+                                            </p:txEl>
+                                          </p:spTgt>
+                                        </p:tgtEl>
+                                      </p:cBhvr>
+                                    </p:animEffect>
+                                  </p:childTnLst>
+                                </p:cTn>
+                              </p:par>
+                            </p:childTnLst>
+                          </p:cTn>
+                        </p:par>
+                      </p:childTnLst>
+                    </p:cTn>
+                  </p:par>
+                  <p:par>
+                    <p:cTn id="8" fill="hold">
+                      <p:stCondLst>
+                        <p:cond delay="indefinite"/>
+                      </p:stCondLst>
+                      <p:childTnLst>
+                        <p:par>
+                          <p:cTn id="9" fill="hold">
+                            <p:stCondLst>
+                              <p:cond delay="0"/>
+                            </p:stCondLst>
+                            <p:childTnLst>
+                              <p:par>
+                                <p:cTn id="10" presetID="10" presetClass="entr" presetSubtype="0" fill="hold" nodeType="clickEffect">
+                                  <p:stCondLst>
+                                    <p:cond delay="0"/>
+                                  </p:stCondLst>
+                                  <p:childTnLst>
+                                    <p:set>
+                                      <p:cBhvr>
+                                        <p:cTn id="11" dur="1" fill="hold">
+                                          <p:stCondLst>
+                                            <p:cond delay="0"/>
+                                          </p:stCondLst>
+                                        </p:cTn>
+                                        <p:tgtEl>
+                                          <p:spTgt spid="3">
+                                            <p:txEl>
+                                              <p:pRg st="2" end="2"/>
+                                            </p:txEl>
+                                          </p:spTgt>
+                                        </p:tgtEl>
+                                        <p:attrNameLst>
+                                          <p:attrName>style.visibility</p:attrName>
+                                        </p:attrNameLst>
+                                      </p:cBhvr>
+                                      <p:to>
+                                        <p:strVal val="visible"/>
+                                      </p:to>
+                                    </p:set>
+                                    <p:animEffect transition="in" filter="fade">
+                                      <p:cBhvr>
+                                        <p:cTn id="12" dur="500"/>
+                                        <p:tgtEl>
+                                          <p:spTgt spid="3">
+                                            <p:txEl>
+                                              <p:pRg st="2" end="2"/>
+                                            </p:txEl>
+                                          </p:spTgt>
+                                        </p:tgtEl>
+                                      </p:cBhvr>
+                                    </p:animEffect>
+                                  </p:childTnLst>
+                                </p:cTn>
+                              </p:par>
+                            </p:childTnLst>
+                          </p:cTn>
+                        </p:par>
+                      </p:childTnLst>
+                    </p:cTn>
+                  </p:par>
+                  <p:par>
+                    <p:cTn id="13" fill="hold">
+                      <p:stCondLst>
+                        <p:cond delay="indefinite"/>
+                      </p:stCondLst>
+                      <p:childTnLst>
+                        <p:par>
+                          <p:cTn id="14" fill="hold">
+                            <p:stCondLst>
+                              <p:cond delay="0"/>
+                            </p:stCondLst>
+                            <p:childTnLst>
+                              <p:par>
+                                <p:cTn id="15" presetID="10" presetClass="entr" presetSubtype="0" fill="hold" nodeType="clickEffect">
+                                  <p:stCondLst>
+                                    <p:cond delay="0"/>
+                                  </p:stCondLst>
+                                  <p:childTnLst>
+                                    <p:set>
+                                      <p:cBhvr>
+                                        <p:cTn id="16" dur="1" fill="hold">
+                                          <p:stCondLst>
+                                            <p:cond delay="0"/>
+                                          </p:stCondLst>
+                                        </p:cTn>
+                                        <p:tgtEl>
+                                          <p:spTgt spid="3">
+                                            <p:txEl>
+                                              <p:pRg st="3" end="3"/>
+                                            </p:txEl>
+                                          </p:spTgt>
+                                        </p:tgtEl>
+                                        <p:attrNameLst>
+                                          <p:attrName>style.visibility</p:attrName>
+                                        </p:attrNameLst>
+                                      </p:cBhvr>
+                                      <p:to>
+                                        <p:strVal val="visible"/>
+                                      </p:to>
+                                    </p:set>
+                                    <p:animEffect transition="in" filter="fade">
+                                      <p:cBhvr>
+                                        <p:cTn id="17" dur="500"/>
+                                        <p:tgtEl>
+                                          <p:spTgt spid="3">
+                                            <p:txEl>
+                                              <p:pRg st="3" end="3"/>
+                                            </p:txEl>
+                                          </p:spTgt>
+                                        </p:tgtEl>
+                                      </p:cBhvr>
+                                    </p:animEffect>
+                                  </p:childTnLst>
+                                </p:cTn>
+                              </p:par>
+                            </p:childTnLst>
+                          </p:cTn>
+                        </p:par>
+                      </p:childTnLst>
+                    </p:cTn>
+                  </p:par>
+                  <p:par>
+                    <p:cTn id="18" fill="hold">
+                      <p:stCondLst>
+                        <p:cond delay="indefinite"/>
+                      </p:stCondLst>
+                      <p:childTnLst>
+                        <p:par>
+                          <p:cTn id="19" fill="hold">
+                            <p:stCondLst>
+                              <p:cond delay="0"/>
+                            </p:stCondLst>
+                            <p:childTnLst>
+                              <p:par>
+                                <p:cTn id="20" presetID="10" presetClass="entr" presetSubtype="0" fill="hold" nodeType="clickEffect">
+                                  <p:stCondLst>
+                                    <p:cond delay="0"/>
+                                  </p:stCondLst>
+                                  <p:childTnLst>
+                                    <p:set>
+                                      <p:cBhvr>
+                                        <p:cTn id="21" dur="1" fill="hold">
+                                          <p:stCondLst>
+                                            <p:cond delay="0"/>
+                                          </p:stCondLst>
+                                        </p:cTn>
+                                        <p:tgtEl>
+                                          <p:spTgt spid="3">
+                                            <p:txEl>
+                                              <p:pRg st="4" end="4"/>
+                                            </p:txEl>
+                                          </p:spTgt>
+                                        </p:tgtEl>
+                                        <p:attrNameLst>
+                                          <p:attrName>style.visibility</p:attrName>
+                                        </p:attrNameLst>
+                                      </p:cBhvr>
+                                      <p:to>
+                                        <p:strVal val="visible"/>
+                                      </p:to>
+                                    </p:set>
+                                    <p:animEffect transition="in" filter="fade">
+                                      <p:cBhvr>
+                                        <p:cTn id="22" dur="500"/>
+                                        <p:tgtEl>
+                                          <p:spTgt spid="3">
+                                            <p:txEl>
+                                              <p:pRg st="4" end="4"/>
+                                            </p:txEl>
+                                          </p:spTgt>
+                                        </p:tgtEl>
+                                      </p:cBhvr>
+                                    </p:animEffect>
+                                  </p:childTnLst>
+                                </p:cTn>
+                              </p:par>
+                            </p:childTnLst>
+                          </p:cTn>
+                        </p:par>
+                      </p:childTnLst>
+                    </p:cTn>
+                  </p:par>
+                </p:childTnLst>
+              </p:cTn>
+              <p:prevCondLst>
+                <p:cond evt="onPrev" delay="0">
+                  <p:tgtEl>
+                    <p:sldTgt/>
+                  </p:tgtEl>
+                </p:cond>
+              </p:prevCondLst>
+              <p:nextCondLst>
+                <p:cond evt="onNext" delay="0">
+                  <p:tgtEl>
+                    <p:sldTgt/>
+                  </p:tgtEl>
+                </p:cond>
+              </p:nextCondLst>
+            </p:seq>
+          </p:childTnLst>
+        </p:cTn>
+      </p:par>
+    </p:tnLst>
+  </p:timing>
 </p:sld>
 </file>
 
@@ -17473,7 +17747,7 @@
           <a:p>
             <a:fld id="{624899AD-5E2A-4D32-8E4B-0C9C99FAC641}" type="datetime1">
               <a:rPr lang="en-GB" smtClean="0"/>
-              <a:t>17/01/2020</a:t>
+              <a:t>19/01/2020</a:t>
             </a:fld>
             <a:endParaRPr lang="en-GB"/>
           </a:p>
@@ -17702,7 +17976,7 @@
           <a:p>
             <a:fld id="{D640B411-8FBB-45AA-9D73-8893D5C6FB80}" type="datetime1">
               <a:rPr lang="en-GB" smtClean="0"/>
-              <a:t>17/01/2020</a:t>
+              <a:t>19/01/2020</a:t>
             </a:fld>
             <a:endParaRPr lang="en-GB"/>
           </a:p>
@@ -18280,7 +18554,7 @@
           <a:p>
             <a:fld id="{D640B411-8FBB-45AA-9D73-8893D5C6FB80}" type="datetime1">
               <a:rPr lang="en-GB" smtClean="0"/>
-              <a:t>17/01/2020</a:t>
+              <a:t>19/01/2020</a:t>
             </a:fld>
             <a:endParaRPr lang="en-GB"/>
           </a:p>
@@ -18523,7 +18797,7 @@
           <a:p>
             <a:fld id="{D640B411-8FBB-45AA-9D73-8893D5C6FB80}" type="datetime1">
               <a:rPr lang="en-GB" smtClean="0"/>
-              <a:t>17/01/2020</a:t>
+              <a:t>19/01/2020</a:t>
             </a:fld>
             <a:endParaRPr lang="en-GB"/>
           </a:p>
@@ -18906,7 +19180,7 @@
           <a:p>
             <a:fld id="{D640B411-8FBB-45AA-9D73-8893D5C6FB80}" type="datetime1">
               <a:rPr lang="en-GB" smtClean="0"/>
-              <a:t>17/01/2020</a:t>
+              <a:t>19/01/2020</a:t>
             </a:fld>
             <a:endParaRPr lang="en-GB"/>
           </a:p>
@@ -19116,7 +19390,7 @@
           <a:p>
             <a:fld id="{D640B411-8FBB-45AA-9D73-8893D5C6FB80}" type="datetime1">
               <a:rPr lang="en-GB" smtClean="0"/>
-              <a:t>17/01/2020</a:t>
+              <a:t>19/01/2020</a:t>
             </a:fld>
             <a:endParaRPr lang="en-GB"/>
           </a:p>
@@ -19286,7 +19560,7 @@
           <a:p>
             <a:fld id="{D640B411-8FBB-45AA-9D73-8893D5C6FB80}" type="datetime1">
               <a:rPr lang="en-GB" smtClean="0"/>
-              <a:t>17/01/2020</a:t>
+              <a:t>19/01/2020</a:t>
             </a:fld>
             <a:endParaRPr lang="en-GB"/>
           </a:p>
@@ -19486,7 +19760,7 @@
           <a:p>
             <a:fld id="{624899AD-5E2A-4D32-8E4B-0C9C99FAC641}" type="datetime1">
               <a:rPr lang="en-GB" smtClean="0"/>
-              <a:t>17/01/2020</a:t>
+              <a:t>19/01/2020</a:t>
             </a:fld>
             <a:endParaRPr lang="en-GB"/>
           </a:p>
@@ -19677,7 +19951,7 @@
           <a:p>
             <a:fld id="{D640B411-8FBB-45AA-9D73-8893D5C6FB80}" type="datetime1">
               <a:rPr lang="en-GB" smtClean="0"/>
-              <a:t>17/01/2020</a:t>
+              <a:t>19/01/2020</a:t>
             </a:fld>
             <a:endParaRPr lang="en-GB"/>
           </a:p>
@@ -20063,7 +20337,7 @@
           <a:p>
             <a:fld id="{624899AD-5E2A-4D32-8E4B-0C9C99FAC641}" type="datetime1">
               <a:rPr lang="en-GB" smtClean="0"/>
-              <a:t>17/01/2020</a:t>
+              <a:t>19/01/2020</a:t>
             </a:fld>
             <a:endParaRPr lang="en-GB"/>
           </a:p>
@@ -20208,7 +20482,7 @@
           <a:p>
             <a:fld id="{D640B411-8FBB-45AA-9D73-8893D5C6FB80}" type="datetime1">
               <a:rPr lang="en-GB" smtClean="0"/>
-              <a:t>17/01/2020</a:t>
+              <a:t>19/01/2020</a:t>
             </a:fld>
             <a:endParaRPr lang="en-GB"/>
           </a:p>
@@ -20572,7 +20846,7 @@
           <a:p>
             <a:fld id="{D640B411-8FBB-45AA-9D73-8893D5C6FB80}" type="datetime1">
               <a:rPr lang="en-GB" smtClean="0"/>
-              <a:t>17/01/2020</a:t>
+              <a:t>19/01/2020</a:t>
             </a:fld>
             <a:endParaRPr lang="en-GB"/>
           </a:p>
@@ -20749,7 +21023,7 @@
           <a:p>
             <a:fld id="{D640B411-8FBB-45AA-9D73-8893D5C6FB80}" type="datetime1">
               <a:rPr lang="en-GB" smtClean="0"/>
-              <a:t>17/01/2020</a:t>
+              <a:t>19/01/2020</a:t>
             </a:fld>
             <a:endParaRPr lang="en-GB"/>
           </a:p>
@@ -20961,7 +21235,7 @@
           <a:p>
             <a:fld id="{624899AD-5E2A-4D32-8E4B-0C9C99FAC641}" type="datetime1">
               <a:rPr lang="en-GB" smtClean="0"/>
-              <a:t>17/01/2020</a:t>
+              <a:t>19/01/2020</a:t>
             </a:fld>
             <a:endParaRPr lang="en-GB"/>
           </a:p>
@@ -21184,7 +21458,7 @@
           <a:p>
             <a:fld id="{D640B411-8FBB-45AA-9D73-8893D5C6FB80}" type="datetime1">
               <a:rPr lang="en-GB" smtClean="0"/>
-              <a:t>17/01/2020</a:t>
+              <a:t>19/01/2020</a:t>
             </a:fld>
             <a:endParaRPr lang="en-GB"/>
           </a:p>
